--- a/report/ws10-graehl.pptx
+++ b/report/ws10-graehl.pptx
@@ -15,6 +15,9 @@
     <p:sldId id="263" r:id="rId9"/>
     <p:sldId id="264" r:id="rId10"/>
     <p:sldId id="265" r:id="rId11"/>
+    <p:sldId id="266" r:id="rId12"/>
+    <p:sldId id="267" r:id="rId13"/>
+    <p:sldId id="268" r:id="rId14"/>
   </p:sldIdLst>
   <p:sldSz cx="9144000" cy="6858000" type="screen4x3"/>
   <p:notesSz cx="7315200" cy="9601200"/>
@@ -3183,6 +3186,3012 @@
           <a:lstStyle/>
           <a:p>
             <a:endParaRPr lang="en-US"/>
+          </a:p>
+        </p:txBody>
+      </p:sp>
+    </p:spTree>
+  </p:cSld>
+  <p:clrMapOvr>
+    <a:masterClrMapping/>
+  </p:clrMapOvr>
+</p:sld>
+</file>
+
+<file path=ppt/slides/slide11.xml><?xml version="1.0" encoding="utf-8"?>
+<p:sld xmlns:a="http://schemas.openxmlformats.org/drawingml/2006/main" xmlns:r="http://schemas.openxmlformats.org/officeDocument/2006/relationships" xmlns:p="http://schemas.openxmlformats.org/presentationml/2006/main">
+  <p:cSld>
+    <p:spTree>
+      <p:nvGrpSpPr>
+        <p:cNvPr id="1" name=""/>
+        <p:cNvGrpSpPr/>
+        <p:nvPr/>
+      </p:nvGrpSpPr>
+      <p:grpSpPr>
+        <a:xfrm>
+          <a:off x="0" y="0"/>
+          <a:ext cx="0" cy="0"/>
+          <a:chOff x="0" y="0"/>
+          <a:chExt cx="0" cy="0"/>
+        </a:xfrm>
+      </p:grpSpPr>
+      <p:sp>
+        <p:nvSpPr>
+          <p:cNvPr id="2" name="Title 1"/>
+          <p:cNvSpPr>
+            <a:spLocks noGrp="1"/>
+          </p:cNvSpPr>
+          <p:nvPr>
+            <p:ph type="title"/>
+          </p:nvPr>
+        </p:nvSpPr>
+        <p:spPr/>
+        <p:txBody>
+          <a:bodyPr/>
+          <a:lstStyle/>
+          <a:p>
+            <a:r>
+              <a:rPr lang="en-US" dirty="0" smtClean="0"/>
+              <a:t>Appendix: FSA target string models</a:t>
+            </a:r>
+            <a:endParaRPr lang="en-US" dirty="0"/>
+          </a:p>
+        </p:txBody>
+      </p:sp>
+      <p:sp>
+        <p:nvSpPr>
+          <p:cNvPr id="3" name="Content Placeholder 2"/>
+          <p:cNvSpPr>
+            <a:spLocks noGrp="1"/>
+          </p:cNvSpPr>
+          <p:nvPr>
+            <p:ph idx="1"/>
+          </p:nvPr>
+        </p:nvSpPr>
+        <p:spPr/>
+        <p:txBody>
+          <a:bodyPr>
+            <a:normAutofit fontScale="62500" lnSpcReduction="20000"/>
+          </a:bodyPr>
+          <a:lstStyle/>
+          <a:p>
+            <a:pPr>
+              <a:buNone/>
+            </a:pPr>
+            <a:r>
+              <a:rPr lang="en-US" sz="1800" dirty="0" err="1" smtClean="0">
+                <a:latin typeface="Courier New" pitchFamily="49" charset="0"/>
+                <a:cs typeface="Courier New" pitchFamily="49" charset="0"/>
+              </a:rPr>
+              <a:t>struct</a:t>
+            </a:r>
+            <a:r>
+              <a:rPr lang="en-US" sz="1800" dirty="0" smtClean="0">
+                <a:latin typeface="Courier New" pitchFamily="49" charset="0"/>
+                <a:cs typeface="Courier New" pitchFamily="49" charset="0"/>
+              </a:rPr>
+              <a:t> </a:t>
+            </a:r>
+            <a:r>
+              <a:rPr lang="en-US" sz="1800" dirty="0" err="1" smtClean="0">
+                <a:latin typeface="Courier New" pitchFamily="49" charset="0"/>
+                <a:cs typeface="Courier New" pitchFamily="49" charset="0"/>
+              </a:rPr>
+              <a:t>SameFirstLetter</a:t>
+            </a:r>
+            <a:r>
+              <a:rPr lang="en-US" sz="1800" dirty="0" smtClean="0">
+                <a:latin typeface="Courier New" pitchFamily="49" charset="0"/>
+                <a:cs typeface="Courier New" pitchFamily="49" charset="0"/>
+              </a:rPr>
+              <a:t> : public </a:t>
+            </a:r>
+            <a:r>
+              <a:rPr lang="en-US" sz="1800" dirty="0" err="1" smtClean="0">
+                <a:latin typeface="Courier New" pitchFamily="49" charset="0"/>
+                <a:cs typeface="Courier New" pitchFamily="49" charset="0"/>
+              </a:rPr>
+              <a:t>FsaFeatureFunctionBase</a:t>
+            </a:r>
+            <a:r>
+              <a:rPr lang="en-US" sz="1800" dirty="0" smtClean="0">
+                <a:latin typeface="Courier New" pitchFamily="49" charset="0"/>
+                <a:cs typeface="Courier New" pitchFamily="49" charset="0"/>
+              </a:rPr>
+              <a:t>&lt;</a:t>
+            </a:r>
+            <a:r>
+              <a:rPr lang="en-US" sz="1800" dirty="0" err="1" smtClean="0">
+                <a:latin typeface="Courier New" pitchFamily="49" charset="0"/>
+                <a:cs typeface="Courier New" pitchFamily="49" charset="0"/>
+              </a:rPr>
+              <a:t>SameFirstLetter</a:t>
+            </a:r>
+            <a:r>
+              <a:rPr lang="en-US" sz="1800" dirty="0" smtClean="0">
+                <a:latin typeface="Courier New" pitchFamily="49" charset="0"/>
+                <a:cs typeface="Courier New" pitchFamily="49" charset="0"/>
+              </a:rPr>
+              <a:t>&gt; {</a:t>
+            </a:r>
+          </a:p>
+          <a:p>
+            <a:pPr>
+              <a:buNone/>
+            </a:pPr>
+            <a:r>
+              <a:rPr lang="en-US" sz="1800" dirty="0" smtClean="0">
+                <a:latin typeface="Courier New" pitchFamily="49" charset="0"/>
+                <a:cs typeface="Courier New" pitchFamily="49" charset="0"/>
+              </a:rPr>
+              <a:t>  </a:t>
+            </a:r>
+            <a:r>
+              <a:rPr lang="en-US" sz="1800" dirty="0" err="1" smtClean="0">
+                <a:latin typeface="Courier New" pitchFamily="49" charset="0"/>
+                <a:cs typeface="Courier New" pitchFamily="49" charset="0"/>
+              </a:rPr>
+              <a:t>SameFirstLetter</a:t>
+            </a:r>
+            <a:r>
+              <a:rPr lang="en-US" sz="1800" dirty="0" smtClean="0">
+                <a:latin typeface="Courier New" pitchFamily="49" charset="0"/>
+                <a:cs typeface="Courier New" pitchFamily="49" charset="0"/>
+              </a:rPr>
+              <a:t>(std::string const&amp; </a:t>
+            </a:r>
+            <a:r>
+              <a:rPr lang="en-US" sz="1800" dirty="0" err="1" smtClean="0">
+                <a:latin typeface="Courier New" pitchFamily="49" charset="0"/>
+                <a:cs typeface="Courier New" pitchFamily="49" charset="0"/>
+              </a:rPr>
+              <a:t>param</a:t>
+            </a:r>
+            <a:r>
+              <a:rPr lang="en-US" sz="1800" dirty="0" smtClean="0">
+                <a:latin typeface="Courier New" pitchFamily="49" charset="0"/>
+                <a:cs typeface="Courier New" pitchFamily="49" charset="0"/>
+              </a:rPr>
+              <a:t>) : </a:t>
+            </a:r>
+            <a:r>
+              <a:rPr lang="en-US" sz="1800" dirty="0" err="1" smtClean="0">
+                <a:latin typeface="Courier New" pitchFamily="49" charset="0"/>
+                <a:cs typeface="Courier New" pitchFamily="49" charset="0"/>
+              </a:rPr>
+              <a:t>FsaFeatureFunctionBase</a:t>
+            </a:r>
+            <a:r>
+              <a:rPr lang="en-US" sz="1800" dirty="0" smtClean="0">
+                <a:latin typeface="Courier New" pitchFamily="49" charset="0"/>
+                <a:cs typeface="Courier New" pitchFamily="49" charset="0"/>
+              </a:rPr>
+              <a:t>&lt;</a:t>
+            </a:r>
+            <a:r>
+              <a:rPr lang="en-US" sz="1800" dirty="0" err="1" smtClean="0">
+                <a:latin typeface="Courier New" pitchFamily="49" charset="0"/>
+                <a:cs typeface="Courier New" pitchFamily="49" charset="0"/>
+              </a:rPr>
+              <a:t>SameFirstLetter</a:t>
+            </a:r>
+            <a:r>
+              <a:rPr lang="en-US" sz="1800" dirty="0" smtClean="0">
+                <a:latin typeface="Courier New" pitchFamily="49" charset="0"/>
+                <a:cs typeface="Courier New" pitchFamily="49" charset="0"/>
+              </a:rPr>
+              <a:t>&gt;(</a:t>
+            </a:r>
+            <a:r>
+              <a:rPr lang="en-US" sz="1800" dirty="0" smtClean="0">
+                <a:solidFill>
+                  <a:srgbClr val="FF0000"/>
+                </a:solidFill>
+                <a:latin typeface="Courier New" pitchFamily="49" charset="0"/>
+                <a:cs typeface="Courier New" pitchFamily="49" charset="0"/>
+              </a:rPr>
+              <a:t>1</a:t>
+            </a:r>
+            <a:r>
+              <a:rPr lang="en-US" sz="1800" dirty="0" smtClean="0">
+                <a:latin typeface="Courier New" pitchFamily="49" charset="0"/>
+                <a:cs typeface="Courier New" pitchFamily="49" charset="0"/>
+              </a:rPr>
+              <a:t>,singleton_sentence</a:t>
+            </a:r>
+            <a:r>
+              <a:rPr lang="en-US" sz="1800" dirty="0" smtClean="0">
+                <a:solidFill>
+                  <a:srgbClr val="FF0000"/>
+                </a:solidFill>
+                <a:latin typeface="Courier New" pitchFamily="49" charset="0"/>
+                <a:cs typeface="Courier New" pitchFamily="49" charset="0"/>
+              </a:rPr>
+              <a:t>("END"))</a:t>
+            </a:r>
+            <a:endParaRPr lang="en-US" sz="1800" dirty="0" smtClean="0">
+              <a:solidFill>
+                <a:srgbClr val="FF0000"/>
+              </a:solidFill>
+              <a:latin typeface="Courier New" pitchFamily="49" charset="0"/>
+              <a:cs typeface="Courier New" pitchFamily="49" charset="0"/>
+            </a:endParaRPr>
+          </a:p>
+          <a:p>
+            <a:pPr>
+              <a:buNone/>
+            </a:pPr>
+            <a:r>
+              <a:rPr lang="en-US" sz="1800" dirty="0" smtClean="0">
+                <a:latin typeface="Courier New" pitchFamily="49" charset="0"/>
+                <a:cs typeface="Courier New" pitchFamily="49" charset="0"/>
+              </a:rPr>
+              <a:t>                </a:t>
+            </a:r>
+            <a:r>
+              <a:rPr lang="en-US" sz="1800" dirty="0" smtClean="0">
+                <a:latin typeface="Courier New" pitchFamily="49" charset="0"/>
+                <a:cs typeface="Courier New" pitchFamily="49" charset="0"/>
+              </a:rPr>
+              <a:t>// </a:t>
+            </a:r>
+            <a:r>
+              <a:rPr lang="en-US" sz="1800" dirty="0" smtClean="0">
+                <a:latin typeface="Courier New" pitchFamily="49" charset="0"/>
+                <a:cs typeface="Courier New" pitchFamily="49" charset="0"/>
+              </a:rPr>
+              <a:t>1 byte of state, scan final (single) symbol "END" to get final state cost</a:t>
+            </a:r>
+          </a:p>
+          <a:p>
+            <a:pPr>
+              <a:buNone/>
+            </a:pPr>
+            <a:r>
+              <a:rPr lang="en-US" sz="1800" dirty="0" smtClean="0">
+                <a:latin typeface="Courier New" pitchFamily="49" charset="0"/>
+                <a:cs typeface="Courier New" pitchFamily="49" charset="0"/>
+              </a:rPr>
+              <a:t>  {</a:t>
+            </a:r>
+          </a:p>
+          <a:p>
+            <a:pPr>
+              <a:buNone/>
+            </a:pPr>
+            <a:r>
+              <a:rPr lang="en-US" sz="1800" dirty="0" smtClean="0">
+                <a:latin typeface="Courier New" pitchFamily="49" charset="0"/>
+                <a:cs typeface="Courier New" pitchFamily="49" charset="0"/>
+              </a:rPr>
+              <a:t>    start[0]='a'; </a:t>
+            </a:r>
+            <a:r>
+              <a:rPr lang="en-US" sz="1800" dirty="0" err="1" smtClean="0">
+                <a:latin typeface="Courier New" pitchFamily="49" charset="0"/>
+                <a:cs typeface="Courier New" pitchFamily="49" charset="0"/>
+              </a:rPr>
+              <a:t>h_start</a:t>
+            </a:r>
+            <a:r>
+              <a:rPr lang="en-US" sz="1800" dirty="0" smtClean="0">
+                <a:latin typeface="Courier New" pitchFamily="49" charset="0"/>
+                <a:cs typeface="Courier New" pitchFamily="49" charset="0"/>
+              </a:rPr>
+              <a:t>[0]=0; Init</a:t>
+            </a:r>
+            <a:r>
+              <a:rPr lang="en-US" sz="1800" dirty="0" smtClean="0">
+                <a:latin typeface="Courier New" pitchFamily="49" charset="0"/>
+                <a:cs typeface="Courier New" pitchFamily="49" charset="0"/>
+              </a:rPr>
+              <a:t>();</a:t>
+            </a:r>
+            <a:endParaRPr lang="en-US" sz="1800" dirty="0" smtClean="0">
+              <a:latin typeface="Courier New" pitchFamily="49" charset="0"/>
+              <a:cs typeface="Courier New" pitchFamily="49" charset="0"/>
+            </a:endParaRPr>
+          </a:p>
+          <a:p>
+            <a:pPr>
+              <a:buNone/>
+            </a:pPr>
+            <a:r>
+              <a:rPr lang="en-US" sz="1800" dirty="0" smtClean="0">
+                <a:latin typeface="Courier New" pitchFamily="49" charset="0"/>
+                <a:cs typeface="Courier New" pitchFamily="49" charset="0"/>
+              </a:rPr>
+              <a:t>  }</a:t>
+            </a:r>
+          </a:p>
+          <a:p>
+            <a:pPr>
+              <a:buNone/>
+            </a:pPr>
+            <a:r>
+              <a:rPr lang="en-US" sz="1800" dirty="0" smtClean="0">
+                <a:latin typeface="Courier New" pitchFamily="49" charset="0"/>
+                <a:cs typeface="Courier New" pitchFamily="49" charset="0"/>
+              </a:rPr>
+              <a:t>  </a:t>
+            </a:r>
+            <a:r>
+              <a:rPr lang="en-US" sz="1800" dirty="0" err="1" smtClean="0">
+                <a:solidFill>
+                  <a:srgbClr val="FF0000"/>
+                </a:solidFill>
+                <a:latin typeface="Courier New" pitchFamily="49" charset="0"/>
+                <a:cs typeface="Courier New" pitchFamily="49" charset="0"/>
+              </a:rPr>
+              <a:t>int</a:t>
+            </a:r>
+            <a:r>
+              <a:rPr lang="en-US" sz="1800" dirty="0" smtClean="0">
+                <a:solidFill>
+                  <a:srgbClr val="FF0000"/>
+                </a:solidFill>
+                <a:latin typeface="Courier New" pitchFamily="49" charset="0"/>
+                <a:cs typeface="Courier New" pitchFamily="49" charset="0"/>
+              </a:rPr>
+              <a:t> </a:t>
+            </a:r>
+            <a:r>
+              <a:rPr lang="en-US" sz="1800" dirty="0" err="1" smtClean="0">
+                <a:solidFill>
+                  <a:srgbClr val="FF0000"/>
+                </a:solidFill>
+                <a:latin typeface="Courier New" pitchFamily="49" charset="0"/>
+                <a:cs typeface="Courier New" pitchFamily="49" charset="0"/>
+              </a:rPr>
+              <a:t>markov_order</a:t>
+            </a:r>
+            <a:r>
+              <a:rPr lang="en-US" sz="1800" dirty="0" smtClean="0">
+                <a:solidFill>
+                  <a:srgbClr val="FF0000"/>
+                </a:solidFill>
+                <a:latin typeface="Courier New" pitchFamily="49" charset="0"/>
+                <a:cs typeface="Courier New" pitchFamily="49" charset="0"/>
+              </a:rPr>
+              <a:t>() </a:t>
+            </a:r>
+            <a:r>
+              <a:rPr lang="en-US" sz="1800" dirty="0" smtClean="0">
+                <a:latin typeface="Courier New" pitchFamily="49" charset="0"/>
+                <a:cs typeface="Courier New" pitchFamily="49" charset="0"/>
+              </a:rPr>
+              <a:t>const { return 1; }</a:t>
+            </a:r>
+          </a:p>
+          <a:p>
+            <a:pPr>
+              <a:buNone/>
+            </a:pPr>
+            <a:r>
+              <a:rPr lang="en-US" sz="1800" dirty="0" smtClean="0">
+                <a:latin typeface="Courier New" pitchFamily="49" charset="0"/>
+                <a:cs typeface="Courier New" pitchFamily="49" charset="0"/>
+              </a:rPr>
+              <a:t>  </a:t>
+            </a:r>
+            <a:r>
+              <a:rPr lang="en-US" sz="1800" dirty="0" err="1" smtClean="0">
+                <a:solidFill>
+                  <a:srgbClr val="FF0000"/>
+                </a:solidFill>
+                <a:latin typeface="Courier New" pitchFamily="49" charset="0"/>
+                <a:cs typeface="Courier New" pitchFamily="49" charset="0"/>
+              </a:rPr>
+              <a:t>Featval</a:t>
+            </a:r>
+            <a:r>
+              <a:rPr lang="en-US" sz="1800" dirty="0" smtClean="0">
+                <a:solidFill>
+                  <a:srgbClr val="FF0000"/>
+                </a:solidFill>
+                <a:latin typeface="Courier New" pitchFamily="49" charset="0"/>
+                <a:cs typeface="Courier New" pitchFamily="49" charset="0"/>
+              </a:rPr>
+              <a:t> Scan1(</a:t>
+            </a:r>
+            <a:r>
+              <a:rPr lang="en-US" sz="1800" dirty="0" err="1" smtClean="0">
+                <a:solidFill>
+                  <a:srgbClr val="FF0000"/>
+                </a:solidFill>
+                <a:latin typeface="Courier New" pitchFamily="49" charset="0"/>
+                <a:cs typeface="Courier New" pitchFamily="49" charset="0"/>
+              </a:rPr>
+              <a:t>WordID</a:t>
+            </a:r>
+            <a:r>
+              <a:rPr lang="en-US" sz="1800" dirty="0" smtClean="0">
+                <a:solidFill>
+                  <a:srgbClr val="FF0000"/>
+                </a:solidFill>
+                <a:latin typeface="Courier New" pitchFamily="49" charset="0"/>
+                <a:cs typeface="Courier New" pitchFamily="49" charset="0"/>
+              </a:rPr>
+              <a:t> w</a:t>
+            </a:r>
+            <a:r>
+              <a:rPr lang="en-US" sz="1800" dirty="0" smtClean="0">
+                <a:solidFill>
+                  <a:srgbClr val="FF0000"/>
+                </a:solidFill>
+                <a:latin typeface="Courier New" pitchFamily="49" charset="0"/>
+                <a:cs typeface="Courier New" pitchFamily="49" charset="0"/>
+              </a:rPr>
+              <a:t>, void </a:t>
+            </a:r>
+            <a:r>
+              <a:rPr lang="en-US" sz="1800" dirty="0" smtClean="0">
+                <a:solidFill>
+                  <a:srgbClr val="FF0000"/>
+                </a:solidFill>
+                <a:latin typeface="Courier New" pitchFamily="49" charset="0"/>
+                <a:cs typeface="Courier New" pitchFamily="49" charset="0"/>
+              </a:rPr>
+              <a:t>const* </a:t>
+            </a:r>
+            <a:r>
+              <a:rPr lang="en-US" sz="1800" dirty="0" err="1" smtClean="0">
+                <a:solidFill>
+                  <a:srgbClr val="FF0000"/>
+                </a:solidFill>
+                <a:latin typeface="Courier New" pitchFamily="49" charset="0"/>
+                <a:cs typeface="Courier New" pitchFamily="49" charset="0"/>
+              </a:rPr>
+              <a:t>old_state</a:t>
+            </a:r>
+            <a:r>
+              <a:rPr lang="en-US" sz="1800" dirty="0" smtClean="0">
+                <a:solidFill>
+                  <a:srgbClr val="FF0000"/>
+                </a:solidFill>
+                <a:latin typeface="Courier New" pitchFamily="49" charset="0"/>
+                <a:cs typeface="Courier New" pitchFamily="49" charset="0"/>
+              </a:rPr>
+              <a:t>, void </a:t>
+            </a:r>
+            <a:r>
+              <a:rPr lang="en-US" sz="1800" dirty="0" smtClean="0">
+                <a:solidFill>
+                  <a:srgbClr val="FF0000"/>
+                </a:solidFill>
+                <a:latin typeface="Courier New" pitchFamily="49" charset="0"/>
+                <a:cs typeface="Courier New" pitchFamily="49" charset="0"/>
+              </a:rPr>
+              <a:t>*</a:t>
+            </a:r>
+            <a:r>
+              <a:rPr lang="en-US" sz="1800" dirty="0" err="1" smtClean="0">
+                <a:solidFill>
+                  <a:srgbClr val="FF0000"/>
+                </a:solidFill>
+                <a:latin typeface="Courier New" pitchFamily="49" charset="0"/>
+                <a:cs typeface="Courier New" pitchFamily="49" charset="0"/>
+              </a:rPr>
+              <a:t>new_state</a:t>
+            </a:r>
+            <a:r>
+              <a:rPr lang="en-US" sz="1800" dirty="0" smtClean="0">
+                <a:solidFill>
+                  <a:srgbClr val="FF0000"/>
+                </a:solidFill>
+                <a:latin typeface="Courier New" pitchFamily="49" charset="0"/>
+                <a:cs typeface="Courier New" pitchFamily="49" charset="0"/>
+              </a:rPr>
+              <a:t>) </a:t>
+            </a:r>
+            <a:r>
+              <a:rPr lang="en-US" sz="1800" dirty="0" smtClean="0">
+                <a:latin typeface="Courier New" pitchFamily="49" charset="0"/>
+                <a:cs typeface="Courier New" pitchFamily="49" charset="0"/>
+              </a:rPr>
+              <a:t>const {</a:t>
+            </a:r>
+          </a:p>
+          <a:p>
+            <a:pPr>
+              <a:buNone/>
+            </a:pPr>
+            <a:r>
+              <a:rPr lang="en-US" sz="1800" dirty="0" smtClean="0">
+                <a:latin typeface="Courier New" pitchFamily="49" charset="0"/>
+                <a:cs typeface="Courier New" pitchFamily="49" charset="0"/>
+              </a:rPr>
+              <a:t>    char </a:t>
+            </a:r>
+            <a:r>
+              <a:rPr lang="en-US" sz="1800" dirty="0" err="1" smtClean="0">
+                <a:latin typeface="Courier New" pitchFamily="49" charset="0"/>
+                <a:cs typeface="Courier New" pitchFamily="49" charset="0"/>
+              </a:rPr>
+              <a:t>cw</a:t>
+            </a:r>
+            <a:r>
+              <a:rPr lang="en-US" sz="1800" dirty="0" smtClean="0">
+                <a:latin typeface="Courier New" pitchFamily="49" charset="0"/>
+                <a:cs typeface="Courier New" pitchFamily="49" charset="0"/>
+              </a:rPr>
+              <a:t>=TD::Convert(w)[0];</a:t>
+            </a:r>
+          </a:p>
+          <a:p>
+            <a:pPr>
+              <a:buNone/>
+            </a:pPr>
+            <a:r>
+              <a:rPr lang="en-US" sz="1800" dirty="0" smtClean="0">
+                <a:latin typeface="Courier New" pitchFamily="49" charset="0"/>
+                <a:cs typeface="Courier New" pitchFamily="49" charset="0"/>
+              </a:rPr>
+              <a:t>    char co=*(char const*)</a:t>
+            </a:r>
+            <a:r>
+              <a:rPr lang="en-US" sz="1800" dirty="0" err="1" smtClean="0">
+                <a:latin typeface="Courier New" pitchFamily="49" charset="0"/>
+                <a:cs typeface="Courier New" pitchFamily="49" charset="0"/>
+              </a:rPr>
+              <a:t>old_state</a:t>
+            </a:r>
+            <a:r>
+              <a:rPr lang="en-US" sz="1800" dirty="0" smtClean="0">
+                <a:latin typeface="Courier New" pitchFamily="49" charset="0"/>
+                <a:cs typeface="Courier New" pitchFamily="49" charset="0"/>
+              </a:rPr>
+              <a:t>;</a:t>
+            </a:r>
+          </a:p>
+          <a:p>
+            <a:pPr>
+              <a:buNone/>
+            </a:pPr>
+            <a:r>
+              <a:rPr lang="en-US" sz="1800" dirty="0" smtClean="0">
+                <a:latin typeface="Courier New" pitchFamily="49" charset="0"/>
+                <a:cs typeface="Courier New" pitchFamily="49" charset="0"/>
+              </a:rPr>
+              <a:t>    *(char *)</a:t>
+            </a:r>
+            <a:r>
+              <a:rPr lang="en-US" sz="1800" dirty="0" err="1" smtClean="0">
+                <a:latin typeface="Courier New" pitchFamily="49" charset="0"/>
+                <a:cs typeface="Courier New" pitchFamily="49" charset="0"/>
+              </a:rPr>
+              <a:t>new_state</a:t>
+            </a:r>
+            <a:r>
+              <a:rPr lang="en-US" sz="1800" dirty="0" smtClean="0">
+                <a:latin typeface="Courier New" pitchFamily="49" charset="0"/>
+                <a:cs typeface="Courier New" pitchFamily="49" charset="0"/>
+              </a:rPr>
+              <a:t> = </a:t>
+            </a:r>
+            <a:r>
+              <a:rPr lang="en-US" sz="1800" dirty="0" err="1" smtClean="0">
+                <a:latin typeface="Courier New" pitchFamily="49" charset="0"/>
+                <a:cs typeface="Courier New" pitchFamily="49" charset="0"/>
+              </a:rPr>
+              <a:t>cw</a:t>
+            </a:r>
+            <a:r>
+              <a:rPr lang="en-US" sz="1800" dirty="0" smtClean="0">
+                <a:latin typeface="Courier New" pitchFamily="49" charset="0"/>
+                <a:cs typeface="Courier New" pitchFamily="49" charset="0"/>
+              </a:rPr>
+              <a:t>;</a:t>
+            </a:r>
+          </a:p>
+          <a:p>
+            <a:pPr>
+              <a:buNone/>
+            </a:pPr>
+            <a:r>
+              <a:rPr lang="en-US" sz="1800" dirty="0" smtClean="0">
+                <a:latin typeface="Courier New" pitchFamily="49" charset="0"/>
+                <a:cs typeface="Courier New" pitchFamily="49" charset="0"/>
+              </a:rPr>
+              <a:t>    return </a:t>
+            </a:r>
+            <a:r>
+              <a:rPr lang="en-US" sz="1800" dirty="0" err="1" smtClean="0">
+                <a:latin typeface="Courier New" pitchFamily="49" charset="0"/>
+                <a:cs typeface="Courier New" pitchFamily="49" charset="0"/>
+              </a:rPr>
+              <a:t>cw</a:t>
+            </a:r>
+            <a:r>
+              <a:rPr lang="en-US" sz="1800" dirty="0" smtClean="0">
+                <a:latin typeface="Courier New" pitchFamily="49" charset="0"/>
+                <a:cs typeface="Courier New" pitchFamily="49" charset="0"/>
+              </a:rPr>
+              <a:t>==co?1:0;</a:t>
+            </a:r>
+          </a:p>
+          <a:p>
+            <a:pPr>
+              <a:buNone/>
+            </a:pPr>
+            <a:r>
+              <a:rPr lang="en-US" sz="1800" dirty="0" smtClean="0">
+                <a:latin typeface="Courier New" pitchFamily="49" charset="0"/>
+                <a:cs typeface="Courier New" pitchFamily="49" charset="0"/>
+              </a:rPr>
+              <a:t>  }</a:t>
+            </a:r>
+          </a:p>
+          <a:p>
+            <a:pPr>
+              <a:buNone/>
+            </a:pPr>
+            <a:r>
+              <a:rPr lang="en-US" sz="1800" dirty="0" smtClean="0">
+                <a:latin typeface="Courier New" pitchFamily="49" charset="0"/>
+                <a:cs typeface="Courier New" pitchFamily="49" charset="0"/>
+              </a:rPr>
+              <a:t>  void </a:t>
+            </a:r>
+            <a:r>
+              <a:rPr lang="en-US" sz="1800" dirty="0" err="1" smtClean="0">
+                <a:latin typeface="Courier New" pitchFamily="49" charset="0"/>
+                <a:cs typeface="Courier New" pitchFamily="49" charset="0"/>
+              </a:rPr>
+              <a:t>print_state</a:t>
+            </a:r>
+            <a:r>
+              <a:rPr lang="en-US" sz="1800" dirty="0" smtClean="0">
+                <a:latin typeface="Courier New" pitchFamily="49" charset="0"/>
+                <a:cs typeface="Courier New" pitchFamily="49" charset="0"/>
+              </a:rPr>
+              <a:t>(std::</a:t>
+            </a:r>
+            <a:r>
+              <a:rPr lang="en-US" sz="1800" dirty="0" err="1" smtClean="0">
+                <a:latin typeface="Courier New" pitchFamily="49" charset="0"/>
+                <a:cs typeface="Courier New" pitchFamily="49" charset="0"/>
+              </a:rPr>
+              <a:t>ostream</a:t>
+            </a:r>
+            <a:r>
+              <a:rPr lang="en-US" sz="1800" dirty="0" smtClean="0">
+                <a:latin typeface="Courier New" pitchFamily="49" charset="0"/>
+                <a:cs typeface="Courier New" pitchFamily="49" charset="0"/>
+              </a:rPr>
+              <a:t> &amp;o</a:t>
+            </a:r>
+            <a:r>
+              <a:rPr lang="en-US" sz="1800" dirty="0" smtClean="0">
+                <a:latin typeface="Courier New" pitchFamily="49" charset="0"/>
+                <a:cs typeface="Courier New" pitchFamily="49" charset="0"/>
+              </a:rPr>
+              <a:t>, void </a:t>
+            </a:r>
+            <a:r>
+              <a:rPr lang="en-US" sz="1800" dirty="0" smtClean="0">
+                <a:latin typeface="Courier New" pitchFamily="49" charset="0"/>
+                <a:cs typeface="Courier New" pitchFamily="49" charset="0"/>
+              </a:rPr>
+              <a:t>const* </a:t>
+            </a:r>
+            <a:r>
+              <a:rPr lang="en-US" sz="1800" dirty="0" err="1" smtClean="0">
+                <a:latin typeface="Courier New" pitchFamily="49" charset="0"/>
+                <a:cs typeface="Courier New" pitchFamily="49" charset="0"/>
+              </a:rPr>
+              <a:t>st</a:t>
+            </a:r>
+            <a:r>
+              <a:rPr lang="en-US" sz="1800" dirty="0" smtClean="0">
+                <a:latin typeface="Courier New" pitchFamily="49" charset="0"/>
+                <a:cs typeface="Courier New" pitchFamily="49" charset="0"/>
+              </a:rPr>
+              <a:t>) const {</a:t>
+            </a:r>
+          </a:p>
+          <a:p>
+            <a:pPr>
+              <a:buNone/>
+            </a:pPr>
+            <a:r>
+              <a:rPr lang="en-US" sz="1800" dirty="0" smtClean="0">
+                <a:latin typeface="Courier New" pitchFamily="49" charset="0"/>
+                <a:cs typeface="Courier New" pitchFamily="49" charset="0"/>
+              </a:rPr>
+              <a:t>    o&lt;&lt;*(char const*)</a:t>
+            </a:r>
+            <a:r>
+              <a:rPr lang="en-US" sz="1800" dirty="0" err="1" smtClean="0">
+                <a:latin typeface="Courier New" pitchFamily="49" charset="0"/>
+                <a:cs typeface="Courier New" pitchFamily="49" charset="0"/>
+              </a:rPr>
+              <a:t>st</a:t>
+            </a:r>
+            <a:r>
+              <a:rPr lang="en-US" sz="1800" dirty="0" smtClean="0">
+                <a:latin typeface="Courier New" pitchFamily="49" charset="0"/>
+                <a:cs typeface="Courier New" pitchFamily="49" charset="0"/>
+              </a:rPr>
+              <a:t>;</a:t>
+            </a:r>
+          </a:p>
+          <a:p>
+            <a:pPr>
+              <a:buNone/>
+            </a:pPr>
+            <a:r>
+              <a:rPr lang="en-US" sz="1800" dirty="0" smtClean="0">
+                <a:latin typeface="Courier New" pitchFamily="49" charset="0"/>
+                <a:cs typeface="Courier New" pitchFamily="49" charset="0"/>
+              </a:rPr>
+              <a:t>  }</a:t>
+            </a:r>
+          </a:p>
+          <a:p>
+            <a:pPr>
+              <a:buNone/>
+            </a:pPr>
+            <a:r>
+              <a:rPr lang="en-US" sz="1800" dirty="0" smtClean="0">
+                <a:latin typeface="Courier New" pitchFamily="49" charset="0"/>
+                <a:cs typeface="Courier New" pitchFamily="49" charset="0"/>
+              </a:rPr>
+              <a:t>  static std::string usage(</a:t>
+            </a:r>
+            <a:r>
+              <a:rPr lang="en-US" sz="1800" dirty="0" err="1" smtClean="0">
+                <a:latin typeface="Courier New" pitchFamily="49" charset="0"/>
+                <a:cs typeface="Courier New" pitchFamily="49" charset="0"/>
+              </a:rPr>
+              <a:t>bool</a:t>
+            </a:r>
+            <a:r>
+              <a:rPr lang="en-US" sz="1800" dirty="0" smtClean="0">
+                <a:latin typeface="Courier New" pitchFamily="49" charset="0"/>
+                <a:cs typeface="Courier New" pitchFamily="49" charset="0"/>
+              </a:rPr>
+              <a:t> </a:t>
+            </a:r>
+            <a:r>
+              <a:rPr lang="en-US" sz="1800" dirty="0" err="1" smtClean="0">
+                <a:latin typeface="Courier New" pitchFamily="49" charset="0"/>
+                <a:cs typeface="Courier New" pitchFamily="49" charset="0"/>
+              </a:rPr>
+              <a:t>param,bool</a:t>
+            </a:r>
+            <a:r>
+              <a:rPr lang="en-US" sz="1800" dirty="0" smtClean="0">
+                <a:latin typeface="Courier New" pitchFamily="49" charset="0"/>
+                <a:cs typeface="Courier New" pitchFamily="49" charset="0"/>
+              </a:rPr>
+              <a:t> verbose) {</a:t>
+            </a:r>
+          </a:p>
+          <a:p>
+            <a:pPr>
+              <a:buNone/>
+            </a:pPr>
+            <a:r>
+              <a:rPr lang="en-US" sz="1800" dirty="0" smtClean="0">
+                <a:latin typeface="Courier New" pitchFamily="49" charset="0"/>
+                <a:cs typeface="Courier New" pitchFamily="49" charset="0"/>
+              </a:rPr>
+              <a:t>    return </a:t>
+            </a:r>
+            <a:r>
+              <a:rPr lang="en-US" sz="1800" dirty="0" err="1" smtClean="0">
+                <a:latin typeface="Courier New" pitchFamily="49" charset="0"/>
+                <a:cs typeface="Courier New" pitchFamily="49" charset="0"/>
+              </a:rPr>
+              <a:t>FeatureFunction</a:t>
+            </a:r>
+            <a:r>
+              <a:rPr lang="en-US" sz="1800" dirty="0" smtClean="0">
+                <a:latin typeface="Courier New" pitchFamily="49" charset="0"/>
+                <a:cs typeface="Courier New" pitchFamily="49" charset="0"/>
+              </a:rPr>
+              <a:t>::</a:t>
+            </a:r>
+            <a:r>
+              <a:rPr lang="en-US" sz="1800" dirty="0" err="1" smtClean="0">
+                <a:latin typeface="Courier New" pitchFamily="49" charset="0"/>
+                <a:cs typeface="Courier New" pitchFamily="49" charset="0"/>
+              </a:rPr>
+              <a:t>usage_helper</a:t>
+            </a:r>
+            <a:r>
+              <a:rPr lang="en-US" sz="1800" dirty="0" smtClean="0">
+                <a:latin typeface="Courier New" pitchFamily="49" charset="0"/>
+                <a:cs typeface="Courier New" pitchFamily="49" charset="0"/>
+              </a:rPr>
+              <a:t>("</a:t>
+            </a:r>
+            <a:r>
+              <a:rPr lang="en-US" sz="1800" dirty="0" err="1" smtClean="0">
+                <a:latin typeface="Courier New" pitchFamily="49" charset="0"/>
+                <a:cs typeface="Courier New" pitchFamily="49" charset="0"/>
+              </a:rPr>
+              <a:t>SameFirstLetter</a:t>
+            </a:r>
+            <a:r>
+              <a:rPr lang="en-US" sz="1800" dirty="0" smtClean="0">
+                <a:latin typeface="Courier New" pitchFamily="49" charset="0"/>
+                <a:cs typeface="Courier New" pitchFamily="49" charset="0"/>
+              </a:rPr>
+              <a:t>",</a:t>
+            </a:r>
+          </a:p>
+          <a:p>
+            <a:pPr>
+              <a:buNone/>
+            </a:pPr>
+            <a:r>
+              <a:rPr lang="en-US" sz="1800" dirty="0" smtClean="0">
+                <a:latin typeface="Courier New" pitchFamily="49" charset="0"/>
+                <a:cs typeface="Courier New" pitchFamily="49" charset="0"/>
+              </a:rPr>
+              <a:t>                                  </a:t>
+            </a:r>
+            <a:r>
+              <a:rPr lang="en-US" sz="1800" dirty="0" smtClean="0">
+                <a:latin typeface="Courier New" pitchFamily="49" charset="0"/>
+                <a:cs typeface="Courier New" pitchFamily="49" charset="0"/>
+              </a:rPr>
+              <a:t>"[</a:t>
+            </a:r>
+            <a:r>
+              <a:rPr lang="en-US" sz="1800" dirty="0" smtClean="0">
+                <a:latin typeface="Courier New" pitchFamily="49" charset="0"/>
+                <a:cs typeface="Courier New" pitchFamily="49" charset="0"/>
+              </a:rPr>
+              <a:t>no </a:t>
+            </a:r>
+            <a:r>
+              <a:rPr lang="en-US" sz="1800" dirty="0" err="1" smtClean="0">
+                <a:latin typeface="Courier New" pitchFamily="49" charset="0"/>
+                <a:cs typeface="Courier New" pitchFamily="49" charset="0"/>
+              </a:rPr>
+              <a:t>args</a:t>
+            </a:r>
+            <a:r>
+              <a:rPr lang="en-US" sz="1800" dirty="0" smtClean="0">
+                <a:latin typeface="Courier New" pitchFamily="49" charset="0"/>
+                <a:cs typeface="Courier New" pitchFamily="49" charset="0"/>
+              </a:rPr>
+              <a:t>]",</a:t>
+            </a:r>
+          </a:p>
+          <a:p>
+            <a:pPr>
+              <a:buNone/>
+            </a:pPr>
+            <a:r>
+              <a:rPr lang="en-US" sz="1800" dirty="0" smtClean="0">
+                <a:latin typeface="Courier New" pitchFamily="49" charset="0"/>
+                <a:cs typeface="Courier New" pitchFamily="49" charset="0"/>
+              </a:rPr>
+              <a:t>                                 </a:t>
+            </a:r>
+            <a:r>
+              <a:rPr lang="en-US" sz="1800" dirty="0" smtClean="0">
+                <a:latin typeface="Courier New" pitchFamily="49" charset="0"/>
+                <a:cs typeface="Courier New" pitchFamily="49" charset="0"/>
+              </a:rPr>
+              <a:t> "</a:t>
+            </a:r>
+            <a:r>
+              <a:rPr lang="en-US" sz="1800" dirty="0" smtClean="0">
+                <a:latin typeface="Courier New" pitchFamily="49" charset="0"/>
+                <a:cs typeface="Courier New" pitchFamily="49" charset="0"/>
+              </a:rPr>
+              <a:t>1 each time 2 consecutive words start with the same letter",</a:t>
+            </a:r>
+          </a:p>
+          <a:p>
+            <a:pPr>
+              <a:buNone/>
+            </a:pPr>
+            <a:r>
+              <a:rPr lang="en-US" sz="1800" dirty="0" smtClean="0">
+                <a:latin typeface="Courier New" pitchFamily="49" charset="0"/>
+                <a:cs typeface="Courier New" pitchFamily="49" charset="0"/>
+              </a:rPr>
+              <a:t>                                  </a:t>
+            </a:r>
+            <a:r>
+              <a:rPr lang="en-US" sz="1800" dirty="0" err="1" smtClean="0">
+                <a:latin typeface="Courier New" pitchFamily="49" charset="0"/>
+                <a:cs typeface="Courier New" pitchFamily="49" charset="0"/>
+              </a:rPr>
+              <a:t>param,verbose</a:t>
+            </a:r>
+            <a:r>
+              <a:rPr lang="en-US" sz="1800" dirty="0" smtClean="0">
+                <a:latin typeface="Courier New" pitchFamily="49" charset="0"/>
+                <a:cs typeface="Courier New" pitchFamily="49" charset="0"/>
+              </a:rPr>
+              <a:t>);</a:t>
+            </a:r>
+          </a:p>
+          <a:p>
+            <a:pPr>
+              <a:buNone/>
+            </a:pPr>
+            <a:r>
+              <a:rPr lang="en-US" sz="1800" dirty="0" smtClean="0">
+                <a:latin typeface="Courier New" pitchFamily="49" charset="0"/>
+                <a:cs typeface="Courier New" pitchFamily="49" charset="0"/>
+              </a:rPr>
+              <a:t>  }</a:t>
+            </a:r>
+          </a:p>
+          <a:p>
+            <a:pPr>
+              <a:buNone/>
+            </a:pPr>
+            <a:r>
+              <a:rPr lang="en-US" sz="1800" dirty="0" smtClean="0">
+                <a:latin typeface="Courier New" pitchFamily="49" charset="0"/>
+                <a:cs typeface="Courier New" pitchFamily="49" charset="0"/>
+              </a:rPr>
+              <a:t>};</a:t>
+            </a:r>
+          </a:p>
+          <a:p>
+            <a:pPr>
+              <a:buNone/>
+            </a:pPr>
+            <a:r>
+              <a:rPr lang="en-US" sz="1800" dirty="0" err="1" smtClean="0">
+                <a:latin typeface="Courier New" pitchFamily="49" charset="0"/>
+                <a:cs typeface="Courier New" pitchFamily="49" charset="0"/>
+              </a:rPr>
+              <a:t>global_ff_registry</a:t>
+            </a:r>
+            <a:r>
+              <a:rPr lang="en-US" sz="1800" dirty="0" smtClean="0">
+                <a:latin typeface="Courier New" pitchFamily="49" charset="0"/>
+                <a:cs typeface="Courier New" pitchFamily="49" charset="0"/>
+              </a:rPr>
+              <a:t>-&gt;</a:t>
+            </a:r>
+            <a:r>
+              <a:rPr lang="en-US" sz="1800" dirty="0" smtClean="0">
+                <a:latin typeface="Courier New" pitchFamily="49" charset="0"/>
+                <a:cs typeface="Courier New" pitchFamily="49" charset="0"/>
+              </a:rPr>
+              <a:t>Register(new </a:t>
+            </a:r>
+            <a:r>
+              <a:rPr lang="en-US" sz="1800" dirty="0" err="1" smtClean="0">
+                <a:latin typeface="Courier New" pitchFamily="49" charset="0"/>
+                <a:cs typeface="Courier New" pitchFamily="49" charset="0"/>
+              </a:rPr>
+              <a:t>FFFactory</a:t>
+            </a:r>
+            <a:r>
+              <a:rPr lang="en-US" sz="1800" dirty="0" smtClean="0">
+                <a:latin typeface="Courier New" pitchFamily="49" charset="0"/>
+                <a:cs typeface="Courier New" pitchFamily="49" charset="0"/>
+              </a:rPr>
+              <a:t>&lt;</a:t>
+            </a:r>
+            <a:r>
+              <a:rPr lang="en-US" sz="1800" dirty="0" err="1" smtClean="0">
+                <a:solidFill>
+                  <a:srgbClr val="FF0000"/>
+                </a:solidFill>
+                <a:latin typeface="Courier New" pitchFamily="49" charset="0"/>
+                <a:cs typeface="Courier New" pitchFamily="49" charset="0"/>
+              </a:rPr>
+              <a:t>FeatureFunctionFromFsa</a:t>
+            </a:r>
+            <a:r>
+              <a:rPr lang="en-US" sz="1800" dirty="0" smtClean="0">
+                <a:latin typeface="Courier New" pitchFamily="49" charset="0"/>
+                <a:cs typeface="Courier New" pitchFamily="49" charset="0"/>
+              </a:rPr>
+              <a:t>&lt;</a:t>
+            </a:r>
+            <a:r>
+              <a:rPr lang="en-US" sz="1800" dirty="0" err="1" smtClean="0">
+                <a:latin typeface="Courier New" pitchFamily="49" charset="0"/>
+                <a:cs typeface="Courier New" pitchFamily="49" charset="0"/>
+              </a:rPr>
+              <a:t>SameFirstLetter</a:t>
+            </a:r>
+            <a:r>
+              <a:rPr lang="en-US" sz="1800" dirty="0" smtClean="0">
+                <a:latin typeface="Courier New" pitchFamily="49" charset="0"/>
+                <a:cs typeface="Courier New" pitchFamily="49" charset="0"/>
+              </a:rPr>
+              <a:t>&gt; </a:t>
+            </a:r>
+            <a:r>
+              <a:rPr lang="en-US" sz="1800" dirty="0" smtClean="0">
+                <a:latin typeface="Courier New" pitchFamily="49" charset="0"/>
+                <a:cs typeface="Courier New" pitchFamily="49" charset="0"/>
+              </a:rPr>
+              <a:t>&gt;);</a:t>
+            </a:r>
+          </a:p>
+          <a:p>
+            <a:pPr>
+              <a:buNone/>
+            </a:pPr>
+            <a:r>
+              <a:rPr lang="en-US" sz="1800" dirty="0" smtClean="0">
+                <a:latin typeface="Courier New" pitchFamily="49" charset="0"/>
+                <a:cs typeface="Courier New" pitchFamily="49" charset="0"/>
+              </a:rPr>
+              <a:t>// </a:t>
+            </a:r>
+            <a:r>
+              <a:rPr lang="en-US" sz="1800" dirty="0" smtClean="0">
+                <a:solidFill>
+                  <a:srgbClr val="FF0000"/>
+                </a:solidFill>
+                <a:latin typeface="Courier New" pitchFamily="49" charset="0"/>
+                <a:cs typeface="Courier New" pitchFamily="49" charset="0"/>
+              </a:rPr>
+              <a:t>creates the usual bottom-up forest rescoring state with </a:t>
+            </a:r>
+            <a:r>
+              <a:rPr lang="en-US" sz="1800" dirty="0" err="1" smtClean="0">
+                <a:solidFill>
+                  <a:srgbClr val="FF0000"/>
+                </a:solidFill>
+                <a:latin typeface="Courier New" pitchFamily="49" charset="0"/>
+                <a:cs typeface="Courier New" pitchFamily="49" charset="0"/>
+              </a:rPr>
+              <a:t>unscored</a:t>
+            </a:r>
+            <a:r>
+              <a:rPr lang="en-US" sz="1800" dirty="0" smtClean="0">
+                <a:solidFill>
+                  <a:srgbClr val="FF0000"/>
+                </a:solidFill>
+                <a:latin typeface="Courier New" pitchFamily="49" charset="0"/>
+                <a:cs typeface="Courier New" pitchFamily="49" charset="0"/>
+              </a:rPr>
+              <a:t> left words, right state from scored words.</a:t>
+            </a:r>
+            <a:endParaRPr lang="en-US" sz="1800" dirty="0">
+              <a:solidFill>
+                <a:srgbClr val="FF0000"/>
+              </a:solidFill>
+              <a:latin typeface="Courier New" pitchFamily="49" charset="0"/>
+              <a:cs typeface="Courier New" pitchFamily="49" charset="0"/>
+            </a:endParaRPr>
+          </a:p>
+        </p:txBody>
+      </p:sp>
+    </p:spTree>
+  </p:cSld>
+  <p:clrMapOvr>
+    <a:masterClrMapping/>
+  </p:clrMapOvr>
+</p:sld>
+</file>
+
+<file path=ppt/slides/slide12.xml><?xml version="1.0" encoding="utf-8"?>
+<p:sld xmlns:a="http://schemas.openxmlformats.org/drawingml/2006/main" xmlns:r="http://schemas.openxmlformats.org/officeDocument/2006/relationships" xmlns:p="http://schemas.openxmlformats.org/presentationml/2006/main">
+  <p:cSld>
+    <p:spTree>
+      <p:nvGrpSpPr>
+        <p:cNvPr id="1" name=""/>
+        <p:cNvGrpSpPr/>
+        <p:nvPr/>
+      </p:nvGrpSpPr>
+      <p:grpSpPr>
+        <a:xfrm>
+          <a:off x="0" y="0"/>
+          <a:ext cx="0" cy="0"/>
+          <a:chOff x="0" y="0"/>
+          <a:chExt cx="0" cy="0"/>
+        </a:xfrm>
+      </p:grpSpPr>
+      <p:sp>
+        <p:nvSpPr>
+          <p:cNvPr id="2" name="Title 1"/>
+          <p:cNvSpPr>
+            <a:spLocks noGrp="1"/>
+          </p:cNvSpPr>
+          <p:nvPr>
+            <p:ph type="title"/>
+          </p:nvPr>
+        </p:nvSpPr>
+        <p:spPr/>
+        <p:txBody>
+          <a:bodyPr>
+            <a:normAutofit/>
+          </a:bodyPr>
+          <a:lstStyle/>
+          <a:p>
+            <a:r>
+              <a:rPr lang="en-US" dirty="0" smtClean="0"/>
+              <a:t>(typed fixed length state, e.g. </a:t>
+            </a:r>
+            <a:r>
+              <a:rPr lang="en-US" dirty="0" err="1" smtClean="0"/>
+              <a:t>int</a:t>
+            </a:r>
+            <a:r>
+              <a:rPr lang="en-US" dirty="0" smtClean="0"/>
+              <a:t>)</a:t>
+            </a:r>
+            <a:endParaRPr lang="en-US" dirty="0"/>
+          </a:p>
+        </p:txBody>
+      </p:sp>
+      <p:sp>
+        <p:nvSpPr>
+          <p:cNvPr id="3" name="Content Placeholder 2"/>
+          <p:cNvSpPr>
+            <a:spLocks noGrp="1"/>
+          </p:cNvSpPr>
+          <p:nvPr>
+            <p:ph idx="1"/>
+          </p:nvPr>
+        </p:nvSpPr>
+        <p:spPr/>
+        <p:txBody>
+          <a:bodyPr>
+            <a:normAutofit fontScale="40000" lnSpcReduction="20000"/>
+          </a:bodyPr>
+          <a:lstStyle/>
+          <a:p>
+            <a:pPr>
+              <a:buNone/>
+            </a:pPr>
+            <a:r>
+              <a:rPr lang="en-US" dirty="0" err="1" smtClean="0">
+                <a:latin typeface="Courier New" pitchFamily="49" charset="0"/>
+                <a:cs typeface="Courier New" pitchFamily="49" charset="0"/>
+              </a:rPr>
+              <a:t>struct</a:t>
+            </a:r>
+            <a:r>
+              <a:rPr lang="en-US" dirty="0" smtClean="0">
+                <a:latin typeface="Courier New" pitchFamily="49" charset="0"/>
+                <a:cs typeface="Courier New" pitchFamily="49" charset="0"/>
+              </a:rPr>
+              <a:t> </a:t>
+            </a:r>
+            <a:r>
+              <a:rPr lang="en-US" dirty="0" err="1" smtClean="0">
+                <a:latin typeface="Courier New" pitchFamily="49" charset="0"/>
+                <a:cs typeface="Courier New" pitchFamily="49" charset="0"/>
+              </a:rPr>
+              <a:t>ShorterThanPrev</a:t>
+            </a:r>
+            <a:r>
+              <a:rPr lang="en-US" dirty="0" smtClean="0">
+                <a:latin typeface="Courier New" pitchFamily="49" charset="0"/>
+                <a:cs typeface="Courier New" pitchFamily="49" charset="0"/>
+              </a:rPr>
+              <a:t> : </a:t>
+            </a:r>
+            <a:r>
+              <a:rPr lang="en-US" dirty="0" err="1" smtClean="0">
+                <a:solidFill>
+                  <a:srgbClr val="FF0000"/>
+                </a:solidFill>
+                <a:latin typeface="Courier New" pitchFamily="49" charset="0"/>
+                <a:cs typeface="Courier New" pitchFamily="49" charset="0"/>
+              </a:rPr>
+              <a:t>FsaTypedBase</a:t>
+            </a:r>
+            <a:r>
+              <a:rPr lang="en-US" dirty="0" smtClean="0">
+                <a:solidFill>
+                  <a:srgbClr val="FF0000"/>
+                </a:solidFill>
+                <a:latin typeface="Courier New" pitchFamily="49" charset="0"/>
+                <a:cs typeface="Courier New" pitchFamily="49" charset="0"/>
+              </a:rPr>
+              <a:t>&lt;</a:t>
+            </a:r>
+            <a:r>
+              <a:rPr lang="en-US" dirty="0" err="1" smtClean="0">
+                <a:solidFill>
+                  <a:srgbClr val="FF0000"/>
+                </a:solidFill>
+                <a:latin typeface="Courier New" pitchFamily="49" charset="0"/>
+                <a:cs typeface="Courier New" pitchFamily="49" charset="0"/>
+              </a:rPr>
+              <a:t>int</a:t>
+            </a:r>
+            <a:r>
+              <a:rPr lang="en-US" dirty="0" err="1" smtClean="0">
+                <a:latin typeface="Courier New" pitchFamily="49" charset="0"/>
+                <a:cs typeface="Courier New" pitchFamily="49" charset="0"/>
+              </a:rPr>
+              <a:t>,ShorterThanPrev</a:t>
+            </a:r>
+            <a:r>
+              <a:rPr lang="en-US" dirty="0" smtClean="0">
+                <a:latin typeface="Courier New" pitchFamily="49" charset="0"/>
+                <a:cs typeface="Courier New" pitchFamily="49" charset="0"/>
+              </a:rPr>
+              <a:t>&gt; {</a:t>
+            </a:r>
+          </a:p>
+          <a:p>
+            <a:pPr>
+              <a:buNone/>
+            </a:pPr>
+            <a:r>
+              <a:rPr lang="en-US" dirty="0" smtClean="0">
+                <a:latin typeface="Courier New" pitchFamily="49" charset="0"/>
+                <a:cs typeface="Courier New" pitchFamily="49" charset="0"/>
+              </a:rPr>
+              <a:t>  </a:t>
+            </a:r>
+            <a:r>
+              <a:rPr lang="en-US" dirty="0" err="1" smtClean="0">
+                <a:latin typeface="Courier New" pitchFamily="49" charset="0"/>
+                <a:cs typeface="Courier New" pitchFamily="49" charset="0"/>
+              </a:rPr>
+              <a:t>ShorterThanPrev</a:t>
+            </a:r>
+            <a:r>
+              <a:rPr lang="en-US" dirty="0" smtClean="0">
+                <a:latin typeface="Courier New" pitchFamily="49" charset="0"/>
+                <a:cs typeface="Courier New" pitchFamily="49" charset="0"/>
+              </a:rPr>
+              <a:t>(std::string const&amp; </a:t>
+            </a:r>
+            <a:r>
+              <a:rPr lang="en-US" dirty="0" err="1" smtClean="0">
+                <a:latin typeface="Courier New" pitchFamily="49" charset="0"/>
+                <a:cs typeface="Courier New" pitchFamily="49" charset="0"/>
+              </a:rPr>
+              <a:t>param</a:t>
+            </a:r>
+            <a:r>
+              <a:rPr lang="en-US" dirty="0" smtClean="0">
+                <a:latin typeface="Courier New" pitchFamily="49" charset="0"/>
+                <a:cs typeface="Courier New" pitchFamily="49" charset="0"/>
+              </a:rPr>
+              <a:t>)</a:t>
+            </a:r>
+          </a:p>
+          <a:p>
+            <a:pPr>
+              <a:buNone/>
+            </a:pPr>
+            <a:r>
+              <a:rPr lang="en-US" dirty="0" smtClean="0">
+                <a:latin typeface="Courier New" pitchFamily="49" charset="0"/>
+                <a:cs typeface="Courier New" pitchFamily="49" charset="0"/>
+              </a:rPr>
+              <a:t>    : </a:t>
+            </a:r>
+            <a:r>
+              <a:rPr lang="en-US" dirty="0" err="1" smtClean="0">
+                <a:latin typeface="Courier New" pitchFamily="49" charset="0"/>
+                <a:cs typeface="Courier New" pitchFamily="49" charset="0"/>
+              </a:rPr>
+              <a:t>FsaTypedBase</a:t>
+            </a:r>
+            <a:r>
+              <a:rPr lang="en-US" dirty="0" smtClean="0">
+                <a:latin typeface="Courier New" pitchFamily="49" charset="0"/>
+                <a:cs typeface="Courier New" pitchFamily="49" charset="0"/>
+              </a:rPr>
+              <a:t>&lt;</a:t>
+            </a:r>
+            <a:r>
+              <a:rPr lang="en-US" dirty="0" err="1" smtClean="0">
+                <a:latin typeface="Courier New" pitchFamily="49" charset="0"/>
+                <a:cs typeface="Courier New" pitchFamily="49" charset="0"/>
+              </a:rPr>
+              <a:t>int,ShorterThanPrev</a:t>
+            </a:r>
+            <a:r>
+              <a:rPr lang="en-US" dirty="0" smtClean="0">
+                <a:latin typeface="Courier New" pitchFamily="49" charset="0"/>
+                <a:cs typeface="Courier New" pitchFamily="49" charset="0"/>
+              </a:rPr>
+              <a:t>&gt;(</a:t>
+            </a:r>
+            <a:r>
+              <a:rPr lang="en-US" dirty="0" smtClean="0">
+                <a:solidFill>
+                  <a:srgbClr val="FF0000"/>
+                </a:solidFill>
+                <a:latin typeface="Courier New" pitchFamily="49" charset="0"/>
+                <a:cs typeface="Courier New" pitchFamily="49" charset="0"/>
+              </a:rPr>
+              <a:t>-1</a:t>
+            </a:r>
+            <a:r>
+              <a:rPr lang="en-US" dirty="0" smtClean="0">
+                <a:latin typeface="Courier New" pitchFamily="49" charset="0"/>
+                <a:cs typeface="Courier New" pitchFamily="49" charset="0"/>
+              </a:rPr>
+              <a:t>,</a:t>
+            </a:r>
+            <a:r>
+              <a:rPr lang="en-US" dirty="0" smtClean="0">
+                <a:solidFill>
+                  <a:srgbClr val="FF0000"/>
+                </a:solidFill>
+                <a:latin typeface="Courier New" pitchFamily="49" charset="0"/>
+                <a:cs typeface="Courier New" pitchFamily="49" charset="0"/>
+              </a:rPr>
+              <a:t>4</a:t>
+            </a:r>
+            <a:r>
+              <a:rPr lang="en-US" dirty="0" smtClean="0">
+                <a:latin typeface="Courier New" pitchFamily="49" charset="0"/>
+                <a:cs typeface="Courier New" pitchFamily="49" charset="0"/>
+              </a:rPr>
+              <a:t>,singleton_sentence(TD::se)) // start, </a:t>
+            </a:r>
+            <a:r>
+              <a:rPr lang="en-US" dirty="0" err="1" smtClean="0">
+                <a:latin typeface="Courier New" pitchFamily="49" charset="0"/>
+                <a:cs typeface="Courier New" pitchFamily="49" charset="0"/>
+              </a:rPr>
+              <a:t>h_start</a:t>
+            </a:r>
+            <a:r>
+              <a:rPr lang="en-US" dirty="0" smtClean="0">
+                <a:latin typeface="Courier New" pitchFamily="49" charset="0"/>
+                <a:cs typeface="Courier New" pitchFamily="49" charset="0"/>
+              </a:rPr>
+              <a:t>, </a:t>
+            </a:r>
+            <a:r>
+              <a:rPr lang="en-US" dirty="0" err="1" smtClean="0">
+                <a:latin typeface="Courier New" pitchFamily="49" charset="0"/>
+                <a:cs typeface="Courier New" pitchFamily="49" charset="0"/>
+              </a:rPr>
+              <a:t>end_phrase</a:t>
+            </a:r>
+            <a:endParaRPr lang="en-US" dirty="0" smtClean="0">
+              <a:latin typeface="Courier New" pitchFamily="49" charset="0"/>
+              <a:cs typeface="Courier New" pitchFamily="49" charset="0"/>
+            </a:endParaRPr>
+          </a:p>
+          <a:p>
+            <a:pPr>
+              <a:buNone/>
+            </a:pPr>
+            <a:r>
+              <a:rPr lang="en-US" dirty="0" smtClean="0">
+                <a:latin typeface="Courier New" pitchFamily="49" charset="0"/>
+                <a:cs typeface="Courier New" pitchFamily="49" charset="0"/>
+              </a:rPr>
+              <a:t>    // </a:t>
+            </a:r>
+            <a:r>
+              <a:rPr lang="en-US" dirty="0" err="1" smtClean="0">
+                <a:latin typeface="Courier New" pitchFamily="49" charset="0"/>
+                <a:cs typeface="Courier New" pitchFamily="49" charset="0"/>
+              </a:rPr>
+              <a:t>h_start</a:t>
+            </a:r>
+            <a:r>
+              <a:rPr lang="en-US" dirty="0" smtClean="0">
+                <a:latin typeface="Courier New" pitchFamily="49" charset="0"/>
+                <a:cs typeface="Courier New" pitchFamily="49" charset="0"/>
+              </a:rPr>
+              <a:t> estimate state: anything &lt;4 chars is usually shorter than previous</a:t>
+            </a:r>
+          </a:p>
+          <a:p>
+            <a:pPr>
+              <a:buNone/>
+            </a:pPr>
+            <a:r>
+              <a:rPr lang="en-US" dirty="0" smtClean="0">
+                <a:latin typeface="Courier New" pitchFamily="49" charset="0"/>
+                <a:cs typeface="Courier New" pitchFamily="49" charset="0"/>
+              </a:rPr>
+              <a:t>  { Init(); }</a:t>
+            </a:r>
+          </a:p>
+          <a:p>
+            <a:pPr>
+              <a:buNone/>
+            </a:pPr>
+            <a:r>
+              <a:rPr lang="en-US" dirty="0" smtClean="0">
+                <a:latin typeface="Courier New" pitchFamily="49" charset="0"/>
+                <a:cs typeface="Courier New" pitchFamily="49" charset="0"/>
+              </a:rPr>
+              <a:t>  static std::string usage(</a:t>
+            </a:r>
+            <a:r>
+              <a:rPr lang="en-US" dirty="0" err="1" smtClean="0">
+                <a:latin typeface="Courier New" pitchFamily="49" charset="0"/>
+                <a:cs typeface="Courier New" pitchFamily="49" charset="0"/>
+              </a:rPr>
+              <a:t>bool</a:t>
+            </a:r>
+            <a:r>
+              <a:rPr lang="en-US" dirty="0" smtClean="0">
+                <a:latin typeface="Courier New" pitchFamily="49" charset="0"/>
+                <a:cs typeface="Courier New" pitchFamily="49" charset="0"/>
+              </a:rPr>
+              <a:t> </a:t>
+            </a:r>
+            <a:r>
+              <a:rPr lang="en-US" dirty="0" err="1" smtClean="0">
+                <a:latin typeface="Courier New" pitchFamily="49" charset="0"/>
+                <a:cs typeface="Courier New" pitchFamily="49" charset="0"/>
+              </a:rPr>
+              <a:t>param,bool</a:t>
+            </a:r>
+            <a:r>
+              <a:rPr lang="en-US" dirty="0" smtClean="0">
+                <a:latin typeface="Courier New" pitchFamily="49" charset="0"/>
+                <a:cs typeface="Courier New" pitchFamily="49" charset="0"/>
+              </a:rPr>
+              <a:t> verbose) {</a:t>
+            </a:r>
+          </a:p>
+          <a:p>
+            <a:pPr>
+              <a:buNone/>
+            </a:pPr>
+            <a:r>
+              <a:rPr lang="en-US" dirty="0" smtClean="0">
+                <a:latin typeface="Courier New" pitchFamily="49" charset="0"/>
+                <a:cs typeface="Courier New" pitchFamily="49" charset="0"/>
+              </a:rPr>
+              <a:t>    return </a:t>
+            </a:r>
+            <a:r>
+              <a:rPr lang="en-US" dirty="0" err="1" smtClean="0">
+                <a:latin typeface="Courier New" pitchFamily="49" charset="0"/>
+                <a:cs typeface="Courier New" pitchFamily="49" charset="0"/>
+              </a:rPr>
+              <a:t>FeatureFunction</a:t>
+            </a:r>
+            <a:r>
+              <a:rPr lang="en-US" dirty="0" smtClean="0">
+                <a:latin typeface="Courier New" pitchFamily="49" charset="0"/>
+                <a:cs typeface="Courier New" pitchFamily="49" charset="0"/>
+              </a:rPr>
+              <a:t>::</a:t>
+            </a:r>
+            <a:r>
+              <a:rPr lang="en-US" dirty="0" err="1" smtClean="0">
+                <a:latin typeface="Courier New" pitchFamily="49" charset="0"/>
+                <a:cs typeface="Courier New" pitchFamily="49" charset="0"/>
+              </a:rPr>
+              <a:t>usage_helper</a:t>
+            </a:r>
+            <a:r>
+              <a:rPr lang="en-US" dirty="0" smtClean="0">
+                <a:latin typeface="Courier New" pitchFamily="49" charset="0"/>
+                <a:cs typeface="Courier New" pitchFamily="49" charset="0"/>
+              </a:rPr>
+              <a:t>(</a:t>
+            </a:r>
+          </a:p>
+          <a:p>
+            <a:pPr>
+              <a:buNone/>
+            </a:pPr>
+            <a:r>
+              <a:rPr lang="en-US" dirty="0" smtClean="0">
+                <a:latin typeface="Courier New" pitchFamily="49" charset="0"/>
+                <a:cs typeface="Courier New" pitchFamily="49" charset="0"/>
+              </a:rPr>
+              <a:t>      "</a:t>
+            </a:r>
+            <a:r>
+              <a:rPr lang="en-US" dirty="0" err="1" smtClean="0">
+                <a:latin typeface="Courier New" pitchFamily="49" charset="0"/>
+                <a:cs typeface="Courier New" pitchFamily="49" charset="0"/>
+              </a:rPr>
+              <a:t>ShorterThanPrev</a:t>
+            </a:r>
+            <a:r>
+              <a:rPr lang="en-US" dirty="0" smtClean="0">
+                <a:latin typeface="Courier New" pitchFamily="49" charset="0"/>
+                <a:cs typeface="Courier New" pitchFamily="49" charset="0"/>
+              </a:rPr>
+              <a:t>",</a:t>
+            </a:r>
+          </a:p>
+          <a:p>
+            <a:pPr>
+              <a:buNone/>
+            </a:pPr>
+            <a:r>
+              <a:rPr lang="en-US" dirty="0" smtClean="0">
+                <a:latin typeface="Courier New" pitchFamily="49" charset="0"/>
+                <a:cs typeface="Courier New" pitchFamily="49" charset="0"/>
+              </a:rPr>
+              <a:t>      "",</a:t>
+            </a:r>
+          </a:p>
+          <a:p>
+            <a:pPr>
+              <a:buNone/>
+            </a:pPr>
+            <a:r>
+              <a:rPr lang="en-US" dirty="0" smtClean="0">
+                <a:latin typeface="Courier New" pitchFamily="49" charset="0"/>
+                <a:cs typeface="Courier New" pitchFamily="49" charset="0"/>
+              </a:rPr>
+              <a:t>      "stupid example </a:t>
+            </a:r>
+            <a:r>
+              <a:rPr lang="en-US" dirty="0" err="1" smtClean="0">
+                <a:latin typeface="Courier New" pitchFamily="49" charset="0"/>
+                <a:cs typeface="Courier New" pitchFamily="49" charset="0"/>
+              </a:rPr>
+              <a:t>stateful</a:t>
+            </a:r>
+            <a:r>
+              <a:rPr lang="en-US" dirty="0" smtClean="0">
+                <a:latin typeface="Courier New" pitchFamily="49" charset="0"/>
+                <a:cs typeface="Courier New" pitchFamily="49" charset="0"/>
+              </a:rPr>
+              <a:t> (bigram) feature: 1 per target word that's shorter than the previous word (end of sentence considered '&lt;/s&gt;')",</a:t>
+            </a:r>
+          </a:p>
+          <a:p>
+            <a:pPr>
+              <a:buNone/>
+            </a:pPr>
+            <a:r>
+              <a:rPr lang="en-US" dirty="0" smtClean="0">
+                <a:latin typeface="Courier New" pitchFamily="49" charset="0"/>
+                <a:cs typeface="Courier New" pitchFamily="49" charset="0"/>
+              </a:rPr>
+              <a:t>      </a:t>
+            </a:r>
+            <a:r>
+              <a:rPr lang="en-US" dirty="0" err="1" smtClean="0">
+                <a:latin typeface="Courier New" pitchFamily="49" charset="0"/>
+                <a:cs typeface="Courier New" pitchFamily="49" charset="0"/>
+              </a:rPr>
+              <a:t>param,verbose</a:t>
+            </a:r>
+            <a:r>
+              <a:rPr lang="en-US" dirty="0" smtClean="0">
+                <a:latin typeface="Courier New" pitchFamily="49" charset="0"/>
+                <a:cs typeface="Courier New" pitchFamily="49" charset="0"/>
+              </a:rPr>
+              <a:t>);</a:t>
+            </a:r>
+          </a:p>
+          <a:p>
+            <a:pPr>
+              <a:buNone/>
+            </a:pPr>
+            <a:r>
+              <a:rPr lang="en-US" dirty="0" smtClean="0">
+                <a:latin typeface="Courier New" pitchFamily="49" charset="0"/>
+                <a:cs typeface="Courier New" pitchFamily="49" charset="0"/>
+              </a:rPr>
+              <a:t>  }</a:t>
+            </a:r>
+          </a:p>
+          <a:p>
+            <a:pPr>
+              <a:buNone/>
+            </a:pPr>
+            <a:r>
+              <a:rPr lang="en-US" dirty="0" smtClean="0">
+                <a:latin typeface="Courier New" pitchFamily="49" charset="0"/>
+                <a:cs typeface="Courier New" pitchFamily="49" charset="0"/>
+              </a:rPr>
+              <a:t>  static inline </a:t>
+            </a:r>
+            <a:r>
+              <a:rPr lang="en-US" dirty="0" err="1" smtClean="0">
+                <a:latin typeface="Courier New" pitchFamily="49" charset="0"/>
+                <a:cs typeface="Courier New" pitchFamily="49" charset="0"/>
+              </a:rPr>
+              <a:t>int</a:t>
+            </a:r>
+            <a:r>
+              <a:rPr lang="en-US" dirty="0" smtClean="0">
+                <a:latin typeface="Courier New" pitchFamily="49" charset="0"/>
+                <a:cs typeface="Courier New" pitchFamily="49" charset="0"/>
+              </a:rPr>
+              <a:t> </a:t>
+            </a:r>
+            <a:r>
+              <a:rPr lang="en-US" dirty="0" err="1" smtClean="0">
+                <a:latin typeface="Courier New" pitchFamily="49" charset="0"/>
+                <a:cs typeface="Courier New" pitchFamily="49" charset="0"/>
+              </a:rPr>
+              <a:t>wordlen</a:t>
+            </a:r>
+            <a:r>
+              <a:rPr lang="en-US" dirty="0" smtClean="0">
+                <a:latin typeface="Courier New" pitchFamily="49" charset="0"/>
+                <a:cs typeface="Courier New" pitchFamily="49" charset="0"/>
+              </a:rPr>
+              <a:t>(</a:t>
+            </a:r>
+            <a:r>
+              <a:rPr lang="en-US" dirty="0" err="1" smtClean="0">
+                <a:latin typeface="Courier New" pitchFamily="49" charset="0"/>
+                <a:cs typeface="Courier New" pitchFamily="49" charset="0"/>
+              </a:rPr>
+              <a:t>WordID</a:t>
+            </a:r>
+            <a:r>
+              <a:rPr lang="en-US" dirty="0" smtClean="0">
+                <a:latin typeface="Courier New" pitchFamily="49" charset="0"/>
+                <a:cs typeface="Courier New" pitchFamily="49" charset="0"/>
+              </a:rPr>
+              <a:t> w) {</a:t>
+            </a:r>
+          </a:p>
+          <a:p>
+            <a:pPr>
+              <a:buNone/>
+            </a:pPr>
+            <a:r>
+              <a:rPr lang="en-US" dirty="0" smtClean="0">
+                <a:latin typeface="Courier New" pitchFamily="49" charset="0"/>
+                <a:cs typeface="Courier New" pitchFamily="49" charset="0"/>
+              </a:rPr>
+              <a:t>    return std::</a:t>
+            </a:r>
+            <a:r>
+              <a:rPr lang="en-US" dirty="0" err="1" smtClean="0">
+                <a:latin typeface="Courier New" pitchFamily="49" charset="0"/>
+                <a:cs typeface="Courier New" pitchFamily="49" charset="0"/>
+              </a:rPr>
+              <a:t>strlen</a:t>
+            </a:r>
+            <a:r>
+              <a:rPr lang="en-US" dirty="0" smtClean="0">
+                <a:latin typeface="Courier New" pitchFamily="49" charset="0"/>
+                <a:cs typeface="Courier New" pitchFamily="49" charset="0"/>
+              </a:rPr>
+              <a:t>(TD::Convert(w));</a:t>
+            </a:r>
+          </a:p>
+          <a:p>
+            <a:pPr>
+              <a:buNone/>
+            </a:pPr>
+            <a:r>
+              <a:rPr lang="en-US" dirty="0" smtClean="0">
+                <a:latin typeface="Courier New" pitchFamily="49" charset="0"/>
+                <a:cs typeface="Courier New" pitchFamily="49" charset="0"/>
+              </a:rPr>
+              <a:t>  }</a:t>
+            </a:r>
+          </a:p>
+          <a:p>
+            <a:pPr>
+              <a:buNone/>
+            </a:pPr>
+            <a:r>
+              <a:rPr lang="en-US" dirty="0" smtClean="0">
+                <a:latin typeface="Courier New" pitchFamily="49" charset="0"/>
+                <a:cs typeface="Courier New" pitchFamily="49" charset="0"/>
+              </a:rPr>
+              <a:t>  </a:t>
+            </a:r>
+            <a:r>
+              <a:rPr lang="en-US" dirty="0" err="1" smtClean="0">
+                <a:solidFill>
+                  <a:srgbClr val="FF0000"/>
+                </a:solidFill>
+                <a:latin typeface="Courier New" pitchFamily="49" charset="0"/>
+                <a:cs typeface="Courier New" pitchFamily="49" charset="0"/>
+              </a:rPr>
+              <a:t>Featval</a:t>
+            </a:r>
+            <a:r>
+              <a:rPr lang="en-US" dirty="0" smtClean="0">
+                <a:solidFill>
+                  <a:srgbClr val="FF0000"/>
+                </a:solidFill>
+                <a:latin typeface="Courier New" pitchFamily="49" charset="0"/>
+                <a:cs typeface="Courier New" pitchFamily="49" charset="0"/>
+              </a:rPr>
+              <a:t> ScanT1(</a:t>
+            </a:r>
+            <a:r>
+              <a:rPr lang="en-US" dirty="0" err="1" smtClean="0">
+                <a:latin typeface="Courier New" pitchFamily="49" charset="0"/>
+                <a:cs typeface="Courier New" pitchFamily="49" charset="0"/>
+              </a:rPr>
+              <a:t>SentenceMetadata</a:t>
+            </a:r>
+            <a:r>
+              <a:rPr lang="en-US" dirty="0" smtClean="0">
+                <a:latin typeface="Courier New" pitchFamily="49" charset="0"/>
+                <a:cs typeface="Courier New" pitchFamily="49" charset="0"/>
+              </a:rPr>
+              <a:t> const&amp; /* </a:t>
+            </a:r>
+            <a:r>
+              <a:rPr lang="en-US" dirty="0" err="1" smtClean="0">
+                <a:latin typeface="Courier New" pitchFamily="49" charset="0"/>
+                <a:cs typeface="Courier New" pitchFamily="49" charset="0"/>
+              </a:rPr>
+              <a:t>smeta</a:t>
+            </a:r>
+            <a:r>
+              <a:rPr lang="en-US" dirty="0" smtClean="0">
+                <a:latin typeface="Courier New" pitchFamily="49" charset="0"/>
+                <a:cs typeface="Courier New" pitchFamily="49" charset="0"/>
+              </a:rPr>
+              <a:t> */,const </a:t>
+            </a:r>
+            <a:r>
+              <a:rPr lang="en-US" dirty="0" err="1" smtClean="0">
+                <a:latin typeface="Courier New" pitchFamily="49" charset="0"/>
+                <a:cs typeface="Courier New" pitchFamily="49" charset="0"/>
+              </a:rPr>
+              <a:t>Hypergraph</a:t>
+            </a:r>
+            <a:r>
+              <a:rPr lang="en-US" dirty="0" smtClean="0">
+                <a:latin typeface="Courier New" pitchFamily="49" charset="0"/>
+                <a:cs typeface="Courier New" pitchFamily="49" charset="0"/>
+              </a:rPr>
+              <a:t>::Edge&amp; /* edge */,</a:t>
+            </a:r>
+            <a:r>
+              <a:rPr lang="en-US" dirty="0" err="1" smtClean="0">
+                <a:solidFill>
+                  <a:srgbClr val="FF0000"/>
+                </a:solidFill>
+                <a:latin typeface="Courier New" pitchFamily="49" charset="0"/>
+                <a:cs typeface="Courier New" pitchFamily="49" charset="0"/>
+              </a:rPr>
+              <a:t>WordID</a:t>
+            </a:r>
+            <a:r>
+              <a:rPr lang="en-US" dirty="0" smtClean="0">
+                <a:solidFill>
+                  <a:srgbClr val="FF0000"/>
+                </a:solidFill>
+                <a:latin typeface="Courier New" pitchFamily="49" charset="0"/>
+                <a:cs typeface="Courier New" pitchFamily="49" charset="0"/>
+              </a:rPr>
+              <a:t> </a:t>
+            </a:r>
+            <a:r>
+              <a:rPr lang="en-US" dirty="0" err="1" smtClean="0">
+                <a:solidFill>
+                  <a:srgbClr val="FF0000"/>
+                </a:solidFill>
+                <a:latin typeface="Courier New" pitchFamily="49" charset="0"/>
+                <a:cs typeface="Courier New" pitchFamily="49" charset="0"/>
+              </a:rPr>
+              <a:t>w,int</a:t>
+            </a:r>
+            <a:r>
+              <a:rPr lang="en-US" dirty="0" smtClean="0">
+                <a:solidFill>
+                  <a:srgbClr val="FF0000"/>
+                </a:solidFill>
+                <a:latin typeface="Courier New" pitchFamily="49" charset="0"/>
+                <a:cs typeface="Courier New" pitchFamily="49" charset="0"/>
+              </a:rPr>
+              <a:t> </a:t>
+            </a:r>
+            <a:r>
+              <a:rPr lang="en-US" dirty="0" err="1" smtClean="0">
+                <a:solidFill>
+                  <a:srgbClr val="FF0000"/>
+                </a:solidFill>
+                <a:latin typeface="Courier New" pitchFamily="49" charset="0"/>
+                <a:cs typeface="Courier New" pitchFamily="49" charset="0"/>
+              </a:rPr>
+              <a:t>prevlen,int</a:t>
+            </a:r>
+            <a:r>
+              <a:rPr lang="en-US" dirty="0" smtClean="0">
+                <a:solidFill>
+                  <a:srgbClr val="FF0000"/>
+                </a:solidFill>
+                <a:latin typeface="Courier New" pitchFamily="49" charset="0"/>
+                <a:cs typeface="Courier New" pitchFamily="49" charset="0"/>
+              </a:rPr>
+              <a:t> &amp;</a:t>
+            </a:r>
+            <a:r>
+              <a:rPr lang="en-US" dirty="0" err="1" smtClean="0">
+                <a:solidFill>
+                  <a:srgbClr val="FF0000"/>
+                </a:solidFill>
+                <a:latin typeface="Courier New" pitchFamily="49" charset="0"/>
+                <a:cs typeface="Courier New" pitchFamily="49" charset="0"/>
+              </a:rPr>
+              <a:t>len</a:t>
+            </a:r>
+            <a:r>
+              <a:rPr lang="en-US" dirty="0" smtClean="0">
+                <a:latin typeface="Courier New" pitchFamily="49" charset="0"/>
+                <a:cs typeface="Courier New" pitchFamily="49" charset="0"/>
+              </a:rPr>
+              <a:t>) const {</a:t>
+            </a:r>
+          </a:p>
+          <a:p>
+            <a:pPr>
+              <a:buNone/>
+            </a:pPr>
+            <a:r>
+              <a:rPr lang="en-US" dirty="0" smtClean="0">
+                <a:latin typeface="Courier New" pitchFamily="49" charset="0"/>
+                <a:cs typeface="Courier New" pitchFamily="49" charset="0"/>
+              </a:rPr>
+              <a:t>    </a:t>
+            </a:r>
+            <a:r>
+              <a:rPr lang="en-US" dirty="0" err="1" smtClean="0">
+                <a:latin typeface="Courier New" pitchFamily="49" charset="0"/>
+                <a:cs typeface="Courier New" pitchFamily="49" charset="0"/>
+              </a:rPr>
+              <a:t>len</a:t>
+            </a:r>
+            <a:r>
+              <a:rPr lang="en-US" dirty="0" smtClean="0">
+                <a:latin typeface="Courier New" pitchFamily="49" charset="0"/>
+                <a:cs typeface="Courier New" pitchFamily="49" charset="0"/>
+              </a:rPr>
+              <a:t>=</a:t>
+            </a:r>
+            <a:r>
+              <a:rPr lang="en-US" dirty="0" err="1" smtClean="0">
+                <a:latin typeface="Courier New" pitchFamily="49" charset="0"/>
+                <a:cs typeface="Courier New" pitchFamily="49" charset="0"/>
+              </a:rPr>
+              <a:t>wordlen</a:t>
+            </a:r>
+            <a:r>
+              <a:rPr lang="en-US" dirty="0" smtClean="0">
+                <a:latin typeface="Courier New" pitchFamily="49" charset="0"/>
+                <a:cs typeface="Courier New" pitchFamily="49" charset="0"/>
+              </a:rPr>
+              <a:t>(w);</a:t>
+            </a:r>
+          </a:p>
+          <a:p>
+            <a:pPr>
+              <a:buNone/>
+            </a:pPr>
+            <a:r>
+              <a:rPr lang="en-US" dirty="0" smtClean="0">
+                <a:latin typeface="Courier New" pitchFamily="49" charset="0"/>
+                <a:cs typeface="Courier New" pitchFamily="49" charset="0"/>
+              </a:rPr>
+              <a:t>    return (</a:t>
+            </a:r>
+            <a:r>
+              <a:rPr lang="en-US" dirty="0" err="1" smtClean="0">
+                <a:latin typeface="Courier New" pitchFamily="49" charset="0"/>
+                <a:cs typeface="Courier New" pitchFamily="49" charset="0"/>
+              </a:rPr>
+              <a:t>len</a:t>
+            </a:r>
+            <a:r>
+              <a:rPr lang="en-US" dirty="0" smtClean="0">
+                <a:latin typeface="Courier New" pitchFamily="49" charset="0"/>
+                <a:cs typeface="Courier New" pitchFamily="49" charset="0"/>
+              </a:rPr>
+              <a:t>&lt;</a:t>
+            </a:r>
+            <a:r>
+              <a:rPr lang="en-US" dirty="0" err="1" smtClean="0">
+                <a:latin typeface="Courier New" pitchFamily="49" charset="0"/>
+                <a:cs typeface="Courier New" pitchFamily="49" charset="0"/>
+              </a:rPr>
+              <a:t>prevlen</a:t>
+            </a:r>
+            <a:r>
+              <a:rPr lang="en-US" dirty="0" smtClean="0">
+                <a:latin typeface="Courier New" pitchFamily="49" charset="0"/>
+                <a:cs typeface="Courier New" pitchFamily="49" charset="0"/>
+              </a:rPr>
+              <a:t>) ? 1 : 0;</a:t>
+            </a:r>
+          </a:p>
+          <a:p>
+            <a:pPr>
+              <a:buNone/>
+            </a:pPr>
+            <a:r>
+              <a:rPr lang="en-US" dirty="0" smtClean="0">
+                <a:latin typeface="Courier New" pitchFamily="49" charset="0"/>
+                <a:cs typeface="Courier New" pitchFamily="49" charset="0"/>
+              </a:rPr>
+              <a:t>  }</a:t>
+            </a:r>
+          </a:p>
+          <a:p>
+            <a:pPr>
+              <a:buNone/>
+            </a:pPr>
+            <a:r>
+              <a:rPr lang="en-US" dirty="0" smtClean="0">
+                <a:latin typeface="Courier New" pitchFamily="49" charset="0"/>
+                <a:cs typeface="Courier New" pitchFamily="49" charset="0"/>
+              </a:rPr>
+              <a:t>};</a:t>
+            </a:r>
+          </a:p>
+          <a:p>
+            <a:pPr>
+              <a:buNone/>
+            </a:pPr>
+            <a:endParaRPr lang="en-US" dirty="0">
+              <a:latin typeface="Courier New" pitchFamily="49" charset="0"/>
+              <a:cs typeface="Courier New" pitchFamily="49" charset="0"/>
+            </a:endParaRPr>
+          </a:p>
+        </p:txBody>
+      </p:sp>
+    </p:spTree>
+  </p:cSld>
+  <p:clrMapOvr>
+    <a:masterClrMapping/>
+  </p:clrMapOvr>
+</p:sld>
+</file>
+
+<file path=ppt/slides/slide13.xml><?xml version="1.0" encoding="utf-8"?>
+<p:sld xmlns:a="http://schemas.openxmlformats.org/drawingml/2006/main" xmlns:r="http://schemas.openxmlformats.org/officeDocument/2006/relationships" xmlns:p="http://schemas.openxmlformats.org/presentationml/2006/main">
+  <p:cSld>
+    <p:spTree>
+      <p:nvGrpSpPr>
+        <p:cNvPr id="1" name=""/>
+        <p:cNvGrpSpPr/>
+        <p:nvPr/>
+      </p:nvGrpSpPr>
+      <p:grpSpPr>
+        <a:xfrm>
+          <a:off x="0" y="0"/>
+          <a:ext cx="0" cy="0"/>
+          <a:chOff x="0" y="0"/>
+          <a:chExt cx="0" cy="0"/>
+        </a:xfrm>
+      </p:grpSpPr>
+      <p:sp>
+        <p:nvSpPr>
+          <p:cNvPr id="2" name="Title 1"/>
+          <p:cNvSpPr>
+            <a:spLocks noGrp="1"/>
+          </p:cNvSpPr>
+          <p:nvPr>
+            <p:ph type="title"/>
+          </p:nvPr>
+        </p:nvSpPr>
+        <p:spPr/>
+        <p:txBody>
+          <a:bodyPr/>
+          <a:lstStyle/>
+          <a:p>
+            <a:r>
+              <a:rPr lang="en-US" dirty="0" smtClean="0"/>
+              <a:t>Ngram language model</a:t>
+            </a:r>
+            <a:endParaRPr lang="en-US" dirty="0"/>
+          </a:p>
+        </p:txBody>
+      </p:sp>
+      <p:sp>
+        <p:nvSpPr>
+          <p:cNvPr id="3" name="Content Placeholder 2"/>
+          <p:cNvSpPr>
+            <a:spLocks noGrp="1"/>
+          </p:cNvSpPr>
+          <p:nvPr>
+            <p:ph idx="1"/>
+          </p:nvPr>
+        </p:nvSpPr>
+        <p:spPr/>
+        <p:txBody>
+          <a:bodyPr>
+            <a:normAutofit fontScale="25000" lnSpcReduction="20000"/>
+          </a:bodyPr>
+          <a:lstStyle/>
+          <a:p>
+            <a:pPr>
+              <a:buNone/>
+            </a:pPr>
+            <a:r>
+              <a:rPr lang="en-US" sz="4400" dirty="0" smtClean="0">
+                <a:latin typeface="Courier New" pitchFamily="49" charset="0"/>
+                <a:cs typeface="Courier New" pitchFamily="49" charset="0"/>
+              </a:rPr>
+              <a:t>template &lt;class </a:t>
+            </a:r>
+            <a:r>
+              <a:rPr lang="en-US" sz="4400" dirty="0" err="1" smtClean="0">
+                <a:latin typeface="Courier New" pitchFamily="49" charset="0"/>
+                <a:cs typeface="Courier New" pitchFamily="49" charset="0"/>
+              </a:rPr>
+              <a:t>Accum</a:t>
+            </a:r>
+            <a:r>
+              <a:rPr lang="en-US" sz="4400" dirty="0" smtClean="0">
+                <a:latin typeface="Courier New" pitchFamily="49" charset="0"/>
+                <a:cs typeface="Courier New" pitchFamily="49" charset="0"/>
+              </a:rPr>
+              <a:t>&gt;</a:t>
+            </a:r>
+          </a:p>
+          <a:p>
+            <a:pPr>
+              <a:buNone/>
+            </a:pPr>
+            <a:r>
+              <a:rPr lang="en-US" sz="4400" dirty="0" smtClean="0">
+                <a:solidFill>
+                  <a:srgbClr val="FF0000"/>
+                </a:solidFill>
+                <a:latin typeface="Courier New" pitchFamily="49" charset="0"/>
+                <a:cs typeface="Courier New" pitchFamily="49" charset="0"/>
+              </a:rPr>
+              <a:t>void </a:t>
+            </a:r>
+            <a:r>
+              <a:rPr lang="en-US" sz="4400" dirty="0" err="1" smtClean="0">
+                <a:solidFill>
+                  <a:srgbClr val="FF0000"/>
+                </a:solidFill>
+                <a:latin typeface="Courier New" pitchFamily="49" charset="0"/>
+                <a:cs typeface="Courier New" pitchFamily="49" charset="0"/>
+              </a:rPr>
+              <a:t>ScanAccum</a:t>
+            </a:r>
+            <a:r>
+              <a:rPr lang="en-US" sz="4400" dirty="0" smtClean="0">
+                <a:latin typeface="Courier New" pitchFamily="49" charset="0"/>
+                <a:cs typeface="Courier New" pitchFamily="49" charset="0"/>
+              </a:rPr>
+              <a:t>(</a:t>
+            </a:r>
+            <a:r>
+              <a:rPr lang="en-US" sz="4400" dirty="0" err="1" smtClean="0">
+                <a:latin typeface="Courier New" pitchFamily="49" charset="0"/>
+                <a:cs typeface="Courier New" pitchFamily="49" charset="0"/>
+              </a:rPr>
+              <a:t>SentenceMetadata</a:t>
+            </a:r>
+            <a:r>
+              <a:rPr lang="en-US" sz="4400" dirty="0" smtClean="0">
+                <a:latin typeface="Courier New" pitchFamily="49" charset="0"/>
+                <a:cs typeface="Courier New" pitchFamily="49" charset="0"/>
+              </a:rPr>
+              <a:t> const&amp; /* </a:t>
+            </a:r>
+            <a:r>
+              <a:rPr lang="en-US" sz="4400" dirty="0" err="1" smtClean="0">
+                <a:latin typeface="Courier New" pitchFamily="49" charset="0"/>
+                <a:cs typeface="Courier New" pitchFamily="49" charset="0"/>
+              </a:rPr>
+              <a:t>smeta</a:t>
+            </a:r>
+            <a:r>
+              <a:rPr lang="en-US" sz="4400" dirty="0" smtClean="0">
+                <a:latin typeface="Courier New" pitchFamily="49" charset="0"/>
+                <a:cs typeface="Courier New" pitchFamily="49" charset="0"/>
+              </a:rPr>
+              <a:t> */,</a:t>
+            </a:r>
+            <a:r>
+              <a:rPr lang="en-US" sz="4400" dirty="0" err="1" smtClean="0">
+                <a:latin typeface="Courier New" pitchFamily="49" charset="0"/>
+                <a:cs typeface="Courier New" pitchFamily="49" charset="0"/>
+              </a:rPr>
+              <a:t>Hypergraph</a:t>
+            </a:r>
+            <a:r>
+              <a:rPr lang="en-US" sz="4400" dirty="0" smtClean="0">
+                <a:latin typeface="Courier New" pitchFamily="49" charset="0"/>
+                <a:cs typeface="Courier New" pitchFamily="49" charset="0"/>
+              </a:rPr>
+              <a:t>::Edge const&amp; </a:t>
+            </a:r>
+            <a:r>
+              <a:rPr lang="en-US" sz="4400" dirty="0" smtClean="0">
+                <a:latin typeface="Courier New" pitchFamily="49" charset="0"/>
+                <a:cs typeface="Courier New" pitchFamily="49" charset="0"/>
+              </a:rPr>
+              <a:t>e</a:t>
+            </a:r>
+          </a:p>
+          <a:p>
+            <a:pPr>
+              <a:buNone/>
+            </a:pPr>
+            <a:r>
+              <a:rPr lang="en-US" sz="4400" dirty="0" smtClean="0">
+                <a:latin typeface="Courier New" pitchFamily="49" charset="0"/>
+                <a:cs typeface="Courier New" pitchFamily="49" charset="0"/>
+              </a:rPr>
+              <a:t> </a:t>
+            </a:r>
+            <a:r>
+              <a:rPr lang="en-US" sz="4400" dirty="0" smtClean="0">
+                <a:latin typeface="Courier New" pitchFamily="49" charset="0"/>
+                <a:cs typeface="Courier New" pitchFamily="49" charset="0"/>
+              </a:rPr>
+              <a:t>  ,</a:t>
+            </a:r>
+            <a:r>
+              <a:rPr lang="en-US" sz="4400" dirty="0" err="1" smtClean="0">
+                <a:solidFill>
+                  <a:srgbClr val="FF0000"/>
+                </a:solidFill>
+                <a:latin typeface="Courier New" pitchFamily="49" charset="0"/>
+                <a:cs typeface="Courier New" pitchFamily="49" charset="0"/>
+              </a:rPr>
+              <a:t>WordID</a:t>
+            </a:r>
+            <a:r>
+              <a:rPr lang="en-US" sz="4400" dirty="0" smtClean="0">
+                <a:solidFill>
+                  <a:srgbClr val="FF0000"/>
+                </a:solidFill>
+                <a:latin typeface="Courier New" pitchFamily="49" charset="0"/>
+                <a:cs typeface="Courier New" pitchFamily="49" charset="0"/>
+              </a:rPr>
+              <a:t> </a:t>
+            </a:r>
+            <a:r>
+              <a:rPr lang="en-US" sz="4400" dirty="0" smtClean="0">
+                <a:solidFill>
+                  <a:srgbClr val="FF0000"/>
+                </a:solidFill>
+                <a:latin typeface="Courier New" pitchFamily="49" charset="0"/>
+                <a:cs typeface="Courier New" pitchFamily="49" charset="0"/>
+              </a:rPr>
+              <a:t>w</a:t>
+            </a:r>
+            <a:r>
+              <a:rPr lang="en-US" sz="4400" dirty="0" smtClean="0">
+                <a:solidFill>
+                  <a:srgbClr val="FF0000"/>
+                </a:solidFill>
+                <a:latin typeface="Courier New" pitchFamily="49" charset="0"/>
+                <a:cs typeface="Courier New" pitchFamily="49" charset="0"/>
+              </a:rPr>
+              <a:t>, void </a:t>
+            </a:r>
+            <a:r>
+              <a:rPr lang="en-US" sz="4400" dirty="0" smtClean="0">
+                <a:solidFill>
+                  <a:srgbClr val="FF0000"/>
+                </a:solidFill>
+                <a:latin typeface="Courier New" pitchFamily="49" charset="0"/>
+                <a:cs typeface="Courier New" pitchFamily="49" charset="0"/>
+              </a:rPr>
+              <a:t>const* </a:t>
+            </a:r>
+            <a:r>
+              <a:rPr lang="en-US" sz="4400" dirty="0" err="1" smtClean="0">
+                <a:solidFill>
+                  <a:srgbClr val="FF0000"/>
+                </a:solidFill>
+                <a:latin typeface="Courier New" pitchFamily="49" charset="0"/>
+                <a:cs typeface="Courier New" pitchFamily="49" charset="0"/>
+              </a:rPr>
+              <a:t>old_st</a:t>
+            </a:r>
+            <a:r>
+              <a:rPr lang="en-US" sz="4400" dirty="0" smtClean="0">
+                <a:solidFill>
+                  <a:srgbClr val="FF0000"/>
+                </a:solidFill>
+                <a:latin typeface="Courier New" pitchFamily="49" charset="0"/>
+                <a:cs typeface="Courier New" pitchFamily="49" charset="0"/>
+              </a:rPr>
+              <a:t>, void </a:t>
+            </a:r>
+            <a:r>
+              <a:rPr lang="en-US" sz="4400" dirty="0" smtClean="0">
+                <a:solidFill>
+                  <a:srgbClr val="FF0000"/>
+                </a:solidFill>
+                <a:latin typeface="Courier New" pitchFamily="49" charset="0"/>
+                <a:cs typeface="Courier New" pitchFamily="49" charset="0"/>
+              </a:rPr>
+              <a:t>*</a:t>
+            </a:r>
+            <a:r>
+              <a:rPr lang="en-US" sz="4400" dirty="0" err="1" smtClean="0">
+                <a:solidFill>
+                  <a:srgbClr val="FF0000"/>
+                </a:solidFill>
+                <a:latin typeface="Courier New" pitchFamily="49" charset="0"/>
+                <a:cs typeface="Courier New" pitchFamily="49" charset="0"/>
+              </a:rPr>
+              <a:t>new_st</a:t>
+            </a:r>
+            <a:r>
+              <a:rPr lang="en-US" sz="4400" dirty="0" smtClean="0">
+                <a:solidFill>
+                  <a:srgbClr val="FF0000"/>
+                </a:solidFill>
+                <a:latin typeface="Courier New" pitchFamily="49" charset="0"/>
+                <a:cs typeface="Courier New" pitchFamily="49" charset="0"/>
+              </a:rPr>
+              <a:t>, </a:t>
+            </a:r>
+            <a:r>
+              <a:rPr lang="en-US" sz="4400" dirty="0" err="1" smtClean="0">
+                <a:solidFill>
+                  <a:srgbClr val="FF0000"/>
+                </a:solidFill>
+                <a:latin typeface="Courier New" pitchFamily="49" charset="0"/>
+                <a:cs typeface="Courier New" pitchFamily="49" charset="0"/>
+              </a:rPr>
+              <a:t>Accum</a:t>
+            </a:r>
+            <a:r>
+              <a:rPr lang="en-US" sz="4400" dirty="0" smtClean="0">
+                <a:solidFill>
+                  <a:srgbClr val="FF0000"/>
+                </a:solidFill>
+                <a:latin typeface="Courier New" pitchFamily="49" charset="0"/>
+                <a:cs typeface="Courier New" pitchFamily="49" charset="0"/>
+              </a:rPr>
+              <a:t> </a:t>
+            </a:r>
+            <a:r>
+              <a:rPr lang="en-US" sz="4400" dirty="0" smtClean="0">
+                <a:solidFill>
+                  <a:srgbClr val="FF0000"/>
+                </a:solidFill>
+                <a:latin typeface="Courier New" pitchFamily="49" charset="0"/>
+                <a:cs typeface="Courier New" pitchFamily="49" charset="0"/>
+              </a:rPr>
+              <a:t>*a</a:t>
+            </a:r>
+            <a:r>
+              <a:rPr lang="en-US" sz="4400" dirty="0" smtClean="0">
+                <a:latin typeface="Courier New" pitchFamily="49" charset="0"/>
+                <a:cs typeface="Courier New" pitchFamily="49" charset="0"/>
+              </a:rPr>
+              <a:t>) const </a:t>
+            </a:r>
+            <a:endParaRPr lang="en-US" sz="4400" dirty="0" smtClean="0">
+              <a:latin typeface="Courier New" pitchFamily="49" charset="0"/>
+              <a:cs typeface="Courier New" pitchFamily="49" charset="0"/>
+            </a:endParaRPr>
+          </a:p>
+          <a:p>
+            <a:pPr>
+              <a:buNone/>
+            </a:pPr>
+            <a:r>
+              <a:rPr lang="en-US" sz="4400" dirty="0" smtClean="0">
+                <a:latin typeface="Courier New" pitchFamily="49" charset="0"/>
+                <a:cs typeface="Courier New" pitchFamily="49" charset="0"/>
+              </a:rPr>
+              <a:t>{</a:t>
+            </a:r>
+            <a:endParaRPr lang="en-US" sz="4400" dirty="0" smtClean="0">
+              <a:latin typeface="Courier New" pitchFamily="49" charset="0"/>
+              <a:cs typeface="Courier New" pitchFamily="49" charset="0"/>
+            </a:endParaRPr>
+          </a:p>
+          <a:p>
+            <a:pPr>
+              <a:buNone/>
+            </a:pPr>
+            <a:r>
+              <a:rPr lang="en-US" sz="4400" dirty="0" smtClean="0">
+                <a:latin typeface="Courier New" pitchFamily="49" charset="0"/>
+                <a:cs typeface="Courier New" pitchFamily="49" charset="0"/>
+              </a:rPr>
+              <a:t>	if (!</a:t>
+            </a:r>
+            <a:r>
+              <a:rPr lang="en-US" sz="4400" dirty="0" err="1" smtClean="0">
+                <a:latin typeface="Courier New" pitchFamily="49" charset="0"/>
+                <a:cs typeface="Courier New" pitchFamily="49" charset="0"/>
+              </a:rPr>
+              <a:t>ctxlen</a:t>
+            </a:r>
+            <a:r>
+              <a:rPr lang="en-US" sz="4400" dirty="0" smtClean="0">
+                <a:latin typeface="Courier New" pitchFamily="49" charset="0"/>
+                <a:cs typeface="Courier New" pitchFamily="49" charset="0"/>
+              </a:rPr>
+              <a:t>_) {</a:t>
+            </a:r>
+          </a:p>
+          <a:p>
+            <a:pPr>
+              <a:buNone/>
+            </a:pPr>
+            <a:r>
+              <a:rPr lang="en-US" sz="4400" dirty="0" smtClean="0">
+                <a:latin typeface="Courier New" pitchFamily="49" charset="0"/>
+                <a:cs typeface="Courier New" pitchFamily="49" charset="0"/>
+              </a:rPr>
+              <a:t>      </a:t>
+            </a:r>
+            <a:r>
+              <a:rPr lang="en-US" sz="4400" dirty="0" smtClean="0">
+                <a:latin typeface="Courier New" pitchFamily="49" charset="0"/>
+                <a:cs typeface="Courier New" pitchFamily="49" charset="0"/>
+              </a:rPr>
+              <a:t>Add(floored(</a:t>
+            </a:r>
+            <a:r>
+              <a:rPr lang="en-US" sz="4400" dirty="0" err="1" smtClean="0">
+                <a:latin typeface="Courier New" pitchFamily="49" charset="0"/>
+                <a:cs typeface="Courier New" pitchFamily="49" charset="0"/>
+              </a:rPr>
+              <a:t>pimpl</a:t>
+            </a:r>
+            <a:r>
+              <a:rPr lang="en-US" sz="4400" dirty="0" smtClean="0">
+                <a:latin typeface="Courier New" pitchFamily="49" charset="0"/>
+                <a:cs typeface="Courier New" pitchFamily="49" charset="0"/>
+              </a:rPr>
+              <a:t>_-&gt;</a:t>
+            </a:r>
+            <a:r>
+              <a:rPr lang="en-US" sz="4400" dirty="0" err="1" smtClean="0">
+                <a:latin typeface="Courier New" pitchFamily="49" charset="0"/>
+                <a:cs typeface="Courier New" pitchFamily="49" charset="0"/>
+              </a:rPr>
+              <a:t>WordProb</a:t>
+            </a:r>
+            <a:r>
+              <a:rPr lang="en-US" sz="4400" dirty="0" smtClean="0">
+                <a:latin typeface="Courier New" pitchFamily="49" charset="0"/>
+                <a:cs typeface="Courier New" pitchFamily="49" charset="0"/>
+              </a:rPr>
+              <a:t>(</a:t>
+            </a:r>
+            <a:r>
+              <a:rPr lang="en-US" sz="4400" dirty="0" err="1" smtClean="0">
+                <a:latin typeface="Courier New" pitchFamily="49" charset="0"/>
+                <a:cs typeface="Courier New" pitchFamily="49" charset="0"/>
+              </a:rPr>
+              <a:t>w,&amp;empty_context</a:t>
+            </a:r>
+            <a:r>
+              <a:rPr lang="en-US" sz="4400" dirty="0" smtClean="0">
+                <a:latin typeface="Courier New" pitchFamily="49" charset="0"/>
+                <a:cs typeface="Courier New" pitchFamily="49" charset="0"/>
+              </a:rPr>
+              <a:t>)),a);</a:t>
+            </a:r>
+          </a:p>
+          <a:p>
+            <a:pPr>
+              <a:buNone/>
+            </a:pPr>
+            <a:r>
+              <a:rPr lang="en-US" sz="4400" dirty="0" smtClean="0">
+                <a:latin typeface="Courier New" pitchFamily="49" charset="0"/>
+                <a:cs typeface="Courier New" pitchFamily="49" charset="0"/>
+              </a:rPr>
+              <a:t>    } else {</a:t>
+            </a:r>
+          </a:p>
+          <a:p>
+            <a:pPr>
+              <a:buNone/>
+            </a:pPr>
+            <a:r>
+              <a:rPr lang="en-US" sz="4400" dirty="0" smtClean="0">
+                <a:latin typeface="Courier New" pitchFamily="49" charset="0"/>
+                <a:cs typeface="Courier New" pitchFamily="49" charset="0"/>
+              </a:rPr>
+              <a:t>      </a:t>
+            </a:r>
+            <a:r>
+              <a:rPr lang="en-US" sz="4400" dirty="0" err="1" smtClean="0">
+                <a:latin typeface="Courier New" pitchFamily="49" charset="0"/>
+                <a:cs typeface="Courier New" pitchFamily="49" charset="0"/>
+              </a:rPr>
+              <a:t>WordID</a:t>
+            </a:r>
+            <a:r>
+              <a:rPr lang="en-US" sz="4400" dirty="0" smtClean="0">
+                <a:latin typeface="Courier New" pitchFamily="49" charset="0"/>
+                <a:cs typeface="Courier New" pitchFamily="49" charset="0"/>
+              </a:rPr>
+              <a:t> </a:t>
+            </a:r>
+            <a:r>
+              <a:rPr lang="en-US" sz="4400" dirty="0" err="1" smtClean="0">
+                <a:latin typeface="Courier New" pitchFamily="49" charset="0"/>
+                <a:cs typeface="Courier New" pitchFamily="49" charset="0"/>
+              </a:rPr>
+              <a:t>ctx</a:t>
+            </a:r>
+            <a:r>
+              <a:rPr lang="en-US" sz="4400" dirty="0" smtClean="0">
+                <a:latin typeface="Courier New" pitchFamily="49" charset="0"/>
+                <a:cs typeface="Courier New" pitchFamily="49" charset="0"/>
+              </a:rPr>
+              <a:t>[</a:t>
+            </a:r>
+            <a:r>
+              <a:rPr lang="en-US" sz="4400" dirty="0" err="1" smtClean="0">
+                <a:latin typeface="Courier New" pitchFamily="49" charset="0"/>
+                <a:cs typeface="Courier New" pitchFamily="49" charset="0"/>
+              </a:rPr>
+              <a:t>ngram_order</a:t>
+            </a:r>
+            <a:r>
+              <a:rPr lang="en-US" sz="4400" dirty="0" smtClean="0">
+                <a:latin typeface="Courier New" pitchFamily="49" charset="0"/>
+                <a:cs typeface="Courier New" pitchFamily="49" charset="0"/>
+              </a:rPr>
+              <a:t>_];</a:t>
+            </a:r>
+          </a:p>
+          <a:p>
+            <a:pPr>
+              <a:buNone/>
+            </a:pPr>
+            <a:r>
+              <a:rPr lang="en-US" sz="4400" dirty="0" smtClean="0">
+                <a:latin typeface="Courier New" pitchFamily="49" charset="0"/>
+                <a:cs typeface="Courier New" pitchFamily="49" charset="0"/>
+              </a:rPr>
+              <a:t>      </a:t>
+            </a:r>
+            <a:r>
+              <a:rPr lang="en-US" sz="4400" dirty="0" err="1" smtClean="0">
+                <a:latin typeface="Courier New" pitchFamily="49" charset="0"/>
+                <a:cs typeface="Courier New" pitchFamily="49" charset="0"/>
+              </a:rPr>
+              <a:t>state_copy</a:t>
+            </a:r>
+            <a:r>
+              <a:rPr lang="en-US" sz="4400" dirty="0" smtClean="0">
+                <a:latin typeface="Courier New" pitchFamily="49" charset="0"/>
+                <a:cs typeface="Courier New" pitchFamily="49" charset="0"/>
+              </a:rPr>
+              <a:t>(</a:t>
+            </a:r>
+            <a:r>
+              <a:rPr lang="en-US" sz="4400" dirty="0" err="1" smtClean="0">
+                <a:latin typeface="Courier New" pitchFamily="49" charset="0"/>
+                <a:cs typeface="Courier New" pitchFamily="49" charset="0"/>
+              </a:rPr>
+              <a:t>ctx,old_st</a:t>
+            </a:r>
+            <a:r>
+              <a:rPr lang="en-US" sz="4400" dirty="0" smtClean="0">
+                <a:latin typeface="Courier New" pitchFamily="49" charset="0"/>
+                <a:cs typeface="Courier New" pitchFamily="49" charset="0"/>
+              </a:rPr>
+              <a:t>);</a:t>
+            </a:r>
+          </a:p>
+          <a:p>
+            <a:pPr>
+              <a:buNone/>
+            </a:pPr>
+            <a:r>
+              <a:rPr lang="en-US" sz="4400" dirty="0" smtClean="0">
+                <a:latin typeface="Courier New" pitchFamily="49" charset="0"/>
+                <a:cs typeface="Courier New" pitchFamily="49" charset="0"/>
+              </a:rPr>
+              <a:t>      </a:t>
+            </a:r>
+            <a:r>
+              <a:rPr lang="en-US" sz="4400" dirty="0" err="1" smtClean="0">
+                <a:latin typeface="Courier New" pitchFamily="49" charset="0"/>
+                <a:cs typeface="Courier New" pitchFamily="49" charset="0"/>
+              </a:rPr>
+              <a:t>ctx</a:t>
+            </a:r>
+            <a:r>
+              <a:rPr lang="en-US" sz="4400" dirty="0" smtClean="0">
+                <a:latin typeface="Courier New" pitchFamily="49" charset="0"/>
+                <a:cs typeface="Courier New" pitchFamily="49" charset="0"/>
+              </a:rPr>
+              <a:t>[</a:t>
+            </a:r>
+            <a:r>
+              <a:rPr lang="en-US" sz="4400" dirty="0" err="1" smtClean="0">
+                <a:latin typeface="Courier New" pitchFamily="49" charset="0"/>
+                <a:cs typeface="Courier New" pitchFamily="49" charset="0"/>
+              </a:rPr>
+              <a:t>ctxlen</a:t>
+            </a:r>
+            <a:r>
+              <a:rPr lang="en-US" sz="4400" dirty="0" smtClean="0">
+                <a:latin typeface="Courier New" pitchFamily="49" charset="0"/>
+                <a:cs typeface="Courier New" pitchFamily="49" charset="0"/>
+              </a:rPr>
+              <a:t>_]=TD::none;</a:t>
+            </a:r>
+          </a:p>
+          <a:p>
+            <a:pPr>
+              <a:buNone/>
+            </a:pPr>
+            <a:r>
+              <a:rPr lang="en-US" sz="4400" dirty="0" smtClean="0">
+                <a:latin typeface="Courier New" pitchFamily="49" charset="0"/>
+                <a:cs typeface="Courier New" pitchFamily="49" charset="0"/>
+              </a:rPr>
+              <a:t>      </a:t>
+            </a:r>
+            <a:r>
+              <a:rPr lang="en-US" sz="4400" dirty="0" err="1" smtClean="0">
+                <a:latin typeface="Courier New" pitchFamily="49" charset="0"/>
+                <a:cs typeface="Courier New" pitchFamily="49" charset="0"/>
+              </a:rPr>
+              <a:t>Featval</a:t>
+            </a:r>
+            <a:r>
+              <a:rPr lang="en-US" sz="4400" dirty="0" smtClean="0">
+                <a:latin typeface="Courier New" pitchFamily="49" charset="0"/>
+                <a:cs typeface="Courier New" pitchFamily="49" charset="0"/>
+              </a:rPr>
+              <a:t> p=floored(</a:t>
+            </a:r>
+            <a:r>
+              <a:rPr lang="en-US" sz="4400" dirty="0" err="1" smtClean="0">
+                <a:latin typeface="Courier New" pitchFamily="49" charset="0"/>
+                <a:cs typeface="Courier New" pitchFamily="49" charset="0"/>
+              </a:rPr>
+              <a:t>pimpl</a:t>
+            </a:r>
+            <a:r>
+              <a:rPr lang="en-US" sz="4400" dirty="0" smtClean="0">
+                <a:latin typeface="Courier New" pitchFamily="49" charset="0"/>
+                <a:cs typeface="Courier New" pitchFamily="49" charset="0"/>
+              </a:rPr>
+              <a:t>_-&gt;</a:t>
+            </a:r>
+            <a:r>
+              <a:rPr lang="en-US" sz="4400" dirty="0" err="1" smtClean="0">
+                <a:latin typeface="Courier New" pitchFamily="49" charset="0"/>
+                <a:cs typeface="Courier New" pitchFamily="49" charset="0"/>
+              </a:rPr>
+              <a:t>WordProb</a:t>
+            </a:r>
+            <a:r>
+              <a:rPr lang="en-US" sz="4400" dirty="0" smtClean="0">
+                <a:latin typeface="Courier New" pitchFamily="49" charset="0"/>
+                <a:cs typeface="Courier New" pitchFamily="49" charset="0"/>
+              </a:rPr>
+              <a:t>(</a:t>
+            </a:r>
+            <a:r>
+              <a:rPr lang="en-US" sz="4400" dirty="0" err="1" smtClean="0">
+                <a:latin typeface="Courier New" pitchFamily="49" charset="0"/>
+                <a:cs typeface="Courier New" pitchFamily="49" charset="0"/>
+              </a:rPr>
+              <a:t>w,ctx</a:t>
+            </a:r>
+            <a:r>
+              <a:rPr lang="en-US" sz="4400" dirty="0" smtClean="0">
+                <a:latin typeface="Courier New" pitchFamily="49" charset="0"/>
+                <a:cs typeface="Courier New" pitchFamily="49" charset="0"/>
+              </a:rPr>
+              <a:t>));      </a:t>
+            </a:r>
+          </a:p>
+          <a:p>
+            <a:pPr>
+              <a:buNone/>
+            </a:pPr>
+            <a:r>
+              <a:rPr lang="en-US" sz="4400" dirty="0" smtClean="0">
+                <a:latin typeface="Courier New" pitchFamily="49" charset="0"/>
+                <a:cs typeface="Courier New" pitchFamily="49" charset="0"/>
+              </a:rPr>
+              <a:t>	FSALMDBG(</a:t>
+            </a:r>
+            <a:r>
+              <a:rPr lang="en-US" sz="4400" dirty="0" err="1" smtClean="0">
+                <a:latin typeface="Courier New" pitchFamily="49" charset="0"/>
+                <a:cs typeface="Courier New" pitchFamily="49" charset="0"/>
+              </a:rPr>
+              <a:t>e</a:t>
+            </a:r>
+            <a:r>
+              <a:rPr lang="en-US" sz="4400" dirty="0" err="1" smtClean="0">
+                <a:latin typeface="Courier New" pitchFamily="49" charset="0"/>
+                <a:cs typeface="Courier New" pitchFamily="49" charset="0"/>
+              </a:rPr>
+              <a:t>,"p</a:t>
+            </a:r>
+            <a:r>
+              <a:rPr lang="en-US" sz="4400" dirty="0" smtClean="0">
+                <a:latin typeface="Courier New" pitchFamily="49" charset="0"/>
+                <a:cs typeface="Courier New" pitchFamily="49" charset="0"/>
+              </a:rPr>
+              <a:t>("&lt;&lt;TD::Convert(w)&lt;&lt;"|"&lt;&lt;TD::Convert(</a:t>
+            </a:r>
+            <a:r>
+              <a:rPr lang="en-US" sz="4400" dirty="0" err="1" smtClean="0">
+                <a:latin typeface="Courier New" pitchFamily="49" charset="0"/>
+                <a:cs typeface="Courier New" pitchFamily="49" charset="0"/>
+              </a:rPr>
+              <a:t>ctx,ctx+ctxlen</a:t>
+            </a:r>
+            <a:r>
+              <a:rPr lang="en-US" sz="4400" dirty="0" smtClean="0">
+                <a:latin typeface="Courier New" pitchFamily="49" charset="0"/>
+                <a:cs typeface="Courier New" pitchFamily="49" charset="0"/>
+              </a:rPr>
+              <a:t>_)&lt;&lt;")="&lt;&lt;p);</a:t>
+            </a:r>
+            <a:r>
+              <a:rPr lang="en-US" sz="4400" dirty="0" err="1" smtClean="0">
+                <a:latin typeface="Courier New" pitchFamily="49" charset="0"/>
+                <a:cs typeface="Courier New" pitchFamily="49" charset="0"/>
+              </a:rPr>
+              <a:t>FSALMDBGnl</a:t>
+            </a:r>
+            <a:r>
+              <a:rPr lang="en-US" sz="4400" dirty="0" smtClean="0">
+                <a:latin typeface="Courier New" pitchFamily="49" charset="0"/>
+                <a:cs typeface="Courier New" pitchFamily="49" charset="0"/>
+              </a:rPr>
+              <a:t>(e</a:t>
+            </a:r>
+            <a:r>
+              <a:rPr lang="en-US" sz="4400" dirty="0" smtClean="0">
+                <a:latin typeface="Courier New" pitchFamily="49" charset="0"/>
+                <a:cs typeface="Courier New" pitchFamily="49" charset="0"/>
+              </a:rPr>
+              <a:t>);</a:t>
+            </a:r>
+          </a:p>
+          <a:p>
+            <a:pPr>
+              <a:buNone/>
+            </a:pPr>
+            <a:r>
+              <a:rPr lang="en-US" sz="4400" dirty="0" smtClean="0">
+                <a:latin typeface="Courier New" pitchFamily="49" charset="0"/>
+                <a:cs typeface="Courier New" pitchFamily="49" charset="0"/>
+              </a:rPr>
+              <a:t>      // states are </a:t>
+            </a:r>
+            <a:r>
+              <a:rPr lang="en-US" sz="4400" dirty="0" err="1" smtClean="0">
+                <a:latin typeface="Courier New" pitchFamily="49" charset="0"/>
+                <a:cs typeface="Courier New" pitchFamily="49" charset="0"/>
+              </a:rPr>
+              <a:t>srilm</a:t>
+            </a:r>
+            <a:r>
+              <a:rPr lang="en-US" sz="4400" dirty="0" smtClean="0">
+                <a:latin typeface="Courier New" pitchFamily="49" charset="0"/>
+                <a:cs typeface="Courier New" pitchFamily="49" charset="0"/>
+              </a:rPr>
+              <a:t> </a:t>
+            </a:r>
+            <a:r>
+              <a:rPr lang="en-US" sz="4400" dirty="0" smtClean="0">
+                <a:latin typeface="Courier New" pitchFamily="49" charset="0"/>
+                <a:cs typeface="Courier New" pitchFamily="49" charset="0"/>
+              </a:rPr>
+              <a:t>contexts so are in reverse order (most recent word is first, then 1-back comes next, etc.).</a:t>
+            </a:r>
+          </a:p>
+          <a:p>
+            <a:pPr>
+              <a:buNone/>
+            </a:pPr>
+            <a:r>
+              <a:rPr lang="en-US" sz="4400" dirty="0" smtClean="0">
+                <a:latin typeface="Courier New" pitchFamily="49" charset="0"/>
+                <a:cs typeface="Courier New" pitchFamily="49" charset="0"/>
+              </a:rPr>
+              <a:t>      </a:t>
+            </a:r>
+            <a:r>
+              <a:rPr lang="en-US" sz="4400" dirty="0" err="1" smtClean="0">
+                <a:latin typeface="Courier New" pitchFamily="49" charset="0"/>
+                <a:cs typeface="Courier New" pitchFamily="49" charset="0"/>
+              </a:rPr>
+              <a:t>WordID</a:t>
+            </a:r>
+            <a:r>
+              <a:rPr lang="en-US" sz="4400" dirty="0" smtClean="0">
+                <a:latin typeface="Courier New" pitchFamily="49" charset="0"/>
+                <a:cs typeface="Courier New" pitchFamily="49" charset="0"/>
+              </a:rPr>
+              <a:t> *</a:t>
+            </a:r>
+            <a:r>
+              <a:rPr lang="en-US" sz="4400" dirty="0" err="1" smtClean="0">
+                <a:latin typeface="Courier New" pitchFamily="49" charset="0"/>
+                <a:cs typeface="Courier New" pitchFamily="49" charset="0"/>
+              </a:rPr>
+              <a:t>nst</a:t>
+            </a:r>
+            <a:r>
+              <a:rPr lang="en-US" sz="4400" dirty="0" smtClean="0">
+                <a:latin typeface="Courier New" pitchFamily="49" charset="0"/>
+                <a:cs typeface="Courier New" pitchFamily="49" charset="0"/>
+              </a:rPr>
+              <a:t>=(</a:t>
+            </a:r>
+            <a:r>
+              <a:rPr lang="en-US" sz="4400" dirty="0" err="1" smtClean="0">
+                <a:latin typeface="Courier New" pitchFamily="49" charset="0"/>
+                <a:cs typeface="Courier New" pitchFamily="49" charset="0"/>
+              </a:rPr>
+              <a:t>WordID</a:t>
+            </a:r>
+            <a:r>
+              <a:rPr lang="en-US" sz="4400" dirty="0" smtClean="0">
+                <a:latin typeface="Courier New" pitchFamily="49" charset="0"/>
+                <a:cs typeface="Courier New" pitchFamily="49" charset="0"/>
+              </a:rPr>
+              <a:t> *)</a:t>
+            </a:r>
+            <a:r>
+              <a:rPr lang="en-US" sz="4400" dirty="0" err="1" smtClean="0">
+                <a:latin typeface="Courier New" pitchFamily="49" charset="0"/>
+                <a:cs typeface="Courier New" pitchFamily="49" charset="0"/>
+              </a:rPr>
+              <a:t>new_st</a:t>
+            </a:r>
+            <a:r>
+              <a:rPr lang="en-US" sz="4400" dirty="0" smtClean="0">
+                <a:latin typeface="Courier New" pitchFamily="49" charset="0"/>
+                <a:cs typeface="Courier New" pitchFamily="49" charset="0"/>
+              </a:rPr>
+              <a:t>;</a:t>
+            </a:r>
+          </a:p>
+          <a:p>
+            <a:pPr>
+              <a:buNone/>
+            </a:pPr>
+            <a:r>
+              <a:rPr lang="en-US" sz="4400" dirty="0" smtClean="0">
+                <a:latin typeface="Courier New" pitchFamily="49" charset="0"/>
+                <a:cs typeface="Courier New" pitchFamily="49" charset="0"/>
+              </a:rPr>
+              <a:t>      </a:t>
+            </a:r>
+            <a:r>
+              <a:rPr lang="en-US" sz="4400" dirty="0" err="1" smtClean="0">
+                <a:latin typeface="Courier New" pitchFamily="49" charset="0"/>
+                <a:cs typeface="Courier New" pitchFamily="49" charset="0"/>
+              </a:rPr>
+              <a:t>nst</a:t>
+            </a:r>
+            <a:r>
+              <a:rPr lang="en-US" sz="4400" dirty="0" smtClean="0">
+                <a:latin typeface="Courier New" pitchFamily="49" charset="0"/>
+                <a:cs typeface="Courier New" pitchFamily="49" charset="0"/>
+              </a:rPr>
+              <a:t>[0]=w; // new most recent word</a:t>
+            </a:r>
+          </a:p>
+          <a:p>
+            <a:pPr>
+              <a:buNone/>
+            </a:pPr>
+            <a:r>
+              <a:rPr lang="en-US" sz="4400" dirty="0" smtClean="0">
+                <a:latin typeface="Courier New" pitchFamily="49" charset="0"/>
+                <a:cs typeface="Courier New" pitchFamily="49" charset="0"/>
+              </a:rPr>
+              <a:t>      </a:t>
+            </a:r>
+            <a:r>
+              <a:rPr lang="en-US" sz="4400" dirty="0" err="1" smtClean="0">
+                <a:latin typeface="Courier New" pitchFamily="49" charset="0"/>
+                <a:cs typeface="Courier New" pitchFamily="49" charset="0"/>
+              </a:rPr>
+              <a:t>to_state</a:t>
+            </a:r>
+            <a:r>
+              <a:rPr lang="en-US" sz="4400" dirty="0" smtClean="0">
+                <a:latin typeface="Courier New" pitchFamily="49" charset="0"/>
+                <a:cs typeface="Courier New" pitchFamily="49" charset="0"/>
+              </a:rPr>
+              <a:t>(nst+1,ctx,ctxlen_-1); // rotate old words right</a:t>
+            </a:r>
+          </a:p>
+          <a:p>
+            <a:pPr>
+              <a:buNone/>
+            </a:pPr>
+            <a:r>
+              <a:rPr lang="en-US" sz="4400" dirty="0" smtClean="0">
+                <a:latin typeface="Courier New" pitchFamily="49" charset="0"/>
+                <a:cs typeface="Courier New" pitchFamily="49" charset="0"/>
+              </a:rPr>
+              <a:t>    #</a:t>
+            </a:r>
+            <a:r>
+              <a:rPr lang="en-US" sz="4400" dirty="0" smtClean="0">
+                <a:latin typeface="Courier New" pitchFamily="49" charset="0"/>
+                <a:cs typeface="Courier New" pitchFamily="49" charset="0"/>
+              </a:rPr>
+              <a:t>if LM_FSA_SHORTEN_CONTEXT</a:t>
+            </a:r>
+          </a:p>
+          <a:p>
+            <a:pPr>
+              <a:buNone/>
+            </a:pPr>
+            <a:r>
+              <a:rPr lang="en-US" sz="4400" dirty="0" smtClean="0">
+                <a:latin typeface="Courier New" pitchFamily="49" charset="0"/>
+                <a:cs typeface="Courier New" pitchFamily="49" charset="0"/>
+              </a:rPr>
+              <a:t>      p+=</a:t>
+            </a:r>
+            <a:r>
+              <a:rPr lang="en-US" sz="4400" dirty="0" err="1" smtClean="0">
+                <a:latin typeface="Courier New" pitchFamily="49" charset="0"/>
+                <a:cs typeface="Courier New" pitchFamily="49" charset="0"/>
+              </a:rPr>
+              <a:t>pimpl</a:t>
+            </a:r>
+            <a:r>
+              <a:rPr lang="en-US" sz="4400" dirty="0" smtClean="0">
+                <a:latin typeface="Courier New" pitchFamily="49" charset="0"/>
+                <a:cs typeface="Courier New" pitchFamily="49" charset="0"/>
+              </a:rPr>
+              <a:t>_-&gt;</a:t>
+            </a:r>
+            <a:r>
+              <a:rPr lang="en-US" sz="4400" dirty="0" err="1" smtClean="0">
+                <a:latin typeface="Courier New" pitchFamily="49" charset="0"/>
+                <a:cs typeface="Courier New" pitchFamily="49" charset="0"/>
+              </a:rPr>
+              <a:t>ShortenContext</a:t>
+            </a:r>
+            <a:r>
+              <a:rPr lang="en-US" sz="4400" dirty="0" smtClean="0">
+                <a:latin typeface="Courier New" pitchFamily="49" charset="0"/>
+                <a:cs typeface="Courier New" pitchFamily="49" charset="0"/>
+              </a:rPr>
+              <a:t>(</a:t>
+            </a:r>
+            <a:r>
+              <a:rPr lang="en-US" sz="4400" dirty="0" err="1" smtClean="0">
+                <a:latin typeface="Courier New" pitchFamily="49" charset="0"/>
+                <a:cs typeface="Courier New" pitchFamily="49" charset="0"/>
+              </a:rPr>
+              <a:t>nst,ctxlen</a:t>
+            </a:r>
+            <a:r>
+              <a:rPr lang="en-US" sz="4400" dirty="0" smtClean="0">
+                <a:latin typeface="Courier New" pitchFamily="49" charset="0"/>
+                <a:cs typeface="Courier New" pitchFamily="49" charset="0"/>
+              </a:rPr>
+              <a:t>_);</a:t>
+            </a:r>
+          </a:p>
+          <a:p>
+            <a:pPr>
+              <a:buNone/>
+            </a:pPr>
+            <a:r>
+              <a:rPr lang="en-US" sz="4400" dirty="0" smtClean="0">
+                <a:latin typeface="Courier New" pitchFamily="49" charset="0"/>
+                <a:cs typeface="Courier New" pitchFamily="49" charset="0"/>
+              </a:rPr>
+              <a:t>    #</a:t>
+            </a:r>
+            <a:r>
+              <a:rPr lang="en-US" sz="4400" dirty="0" err="1" smtClean="0">
+                <a:latin typeface="Courier New" pitchFamily="49" charset="0"/>
+                <a:cs typeface="Courier New" pitchFamily="49" charset="0"/>
+              </a:rPr>
+              <a:t>endif</a:t>
+            </a:r>
+            <a:endParaRPr lang="en-US" sz="4400" dirty="0" smtClean="0">
+              <a:latin typeface="Courier New" pitchFamily="49" charset="0"/>
+              <a:cs typeface="Courier New" pitchFamily="49" charset="0"/>
+            </a:endParaRPr>
+          </a:p>
+          <a:p>
+            <a:pPr>
+              <a:buNone/>
+            </a:pPr>
+            <a:r>
+              <a:rPr lang="en-US" sz="4400" dirty="0" smtClean="0">
+                <a:latin typeface="Courier New" pitchFamily="49" charset="0"/>
+                <a:cs typeface="Courier New" pitchFamily="49" charset="0"/>
+              </a:rPr>
+              <a:t>      Add(</a:t>
+            </a:r>
+            <a:r>
+              <a:rPr lang="en-US" sz="4400" dirty="0" err="1" smtClean="0">
+                <a:latin typeface="Courier New" pitchFamily="49" charset="0"/>
+                <a:cs typeface="Courier New" pitchFamily="49" charset="0"/>
+              </a:rPr>
+              <a:t>p,a</a:t>
+            </a:r>
+            <a:r>
+              <a:rPr lang="en-US" sz="4400" dirty="0" smtClean="0">
+                <a:latin typeface="Courier New" pitchFamily="49" charset="0"/>
+                <a:cs typeface="Courier New" pitchFamily="49" charset="0"/>
+              </a:rPr>
+              <a:t>);</a:t>
+            </a:r>
+          </a:p>
+          <a:p>
+            <a:pPr>
+              <a:buNone/>
+            </a:pPr>
+            <a:r>
+              <a:rPr lang="en-US" sz="4400" dirty="0" smtClean="0">
+                <a:latin typeface="Courier New" pitchFamily="49" charset="0"/>
+                <a:cs typeface="Courier New" pitchFamily="49" charset="0"/>
+              </a:rPr>
+              <a:t>    }</a:t>
+            </a:r>
+          </a:p>
+          <a:p>
+            <a:pPr>
+              <a:buNone/>
+            </a:pPr>
+            <a:r>
+              <a:rPr lang="en-US" sz="4400" dirty="0" smtClean="0">
+                <a:latin typeface="Courier New" pitchFamily="49" charset="0"/>
+                <a:cs typeface="Courier New" pitchFamily="49" charset="0"/>
+              </a:rPr>
+              <a:t>}</a:t>
+            </a:r>
+          </a:p>
+          <a:p>
+            <a:pPr indent="0">
+              <a:buNone/>
+            </a:pPr>
+            <a:r>
+              <a:rPr lang="en-US" sz="7200" dirty="0" err="1" smtClean="0">
+                <a:cs typeface="Courier New" pitchFamily="49" charset="0"/>
+              </a:rPr>
+              <a:t>Accum</a:t>
+            </a:r>
+            <a:r>
+              <a:rPr lang="en-US" sz="7200" dirty="0" smtClean="0">
+                <a:cs typeface="Courier New" pitchFamily="49" charset="0"/>
+              </a:rPr>
+              <a:t> </a:t>
+            </a:r>
+            <a:r>
+              <a:rPr lang="en-US" sz="7200" dirty="0" smtClean="0">
+                <a:cs typeface="Courier New" pitchFamily="49" charset="0"/>
+              </a:rPr>
+              <a:t>is a template so you can equally support feature vectors as a single features. </a:t>
+            </a:r>
+            <a:r>
+              <a:rPr lang="en-US" sz="7200" dirty="0" smtClean="0">
+                <a:cs typeface="Courier New" pitchFamily="49" charset="0"/>
+              </a:rPr>
+              <a:t>You can implement: scan a whole sequence of words at once, possibly exceeding declared </a:t>
+            </a:r>
+            <a:r>
+              <a:rPr lang="en-US" sz="7200" dirty="0" err="1" smtClean="0">
+                <a:cs typeface="Courier New" pitchFamily="49" charset="0"/>
+              </a:rPr>
+              <a:t>markov</a:t>
+            </a:r>
+            <a:r>
+              <a:rPr lang="en-US" sz="7200" dirty="0" smtClean="0">
+                <a:cs typeface="Courier New" pitchFamily="49" charset="0"/>
+              </a:rPr>
+              <a:t> order (using higher order ngram scores along the way).</a:t>
+            </a:r>
+            <a:endParaRPr lang="en-US" sz="7200" dirty="0">
+              <a:cs typeface="Courier New" pitchFamily="49" charset="0"/>
+            </a:endParaRPr>
           </a:p>
         </p:txBody>
       </p:sp>

--- a/report/ws10-graehl.pptx
+++ b/report/ws10-graehl.pptx
@@ -301,7 +301,7 @@
             <a:fld id="{1D8BD707-D9CF-40AE-B4C6-C98DA3205C09}" type="datetimeFigureOut">
               <a:rPr lang="en-US" smtClean="0"/>
               <a:pPr/>
-              <a:t>8/3/2010</a:t>
+              <a:t>8/5/2010</a:t>
             </a:fld>
             <a:endParaRPr lang="en-US"/>
           </a:p>
@@ -468,7 +468,7 @@
             <a:fld id="{1D8BD707-D9CF-40AE-B4C6-C98DA3205C09}" type="datetimeFigureOut">
               <a:rPr lang="en-US" smtClean="0"/>
               <a:pPr/>
-              <a:t>8/3/2010</a:t>
+              <a:t>8/5/2010</a:t>
             </a:fld>
             <a:endParaRPr lang="en-US"/>
           </a:p>
@@ -645,7 +645,7 @@
             <a:fld id="{1D8BD707-D9CF-40AE-B4C6-C98DA3205C09}" type="datetimeFigureOut">
               <a:rPr lang="en-US" smtClean="0"/>
               <a:pPr/>
-              <a:t>8/3/2010</a:t>
+              <a:t>8/5/2010</a:t>
             </a:fld>
             <a:endParaRPr lang="en-US"/>
           </a:p>
@@ -812,7 +812,7 @@
             <a:fld id="{1D8BD707-D9CF-40AE-B4C6-C98DA3205C09}" type="datetimeFigureOut">
               <a:rPr lang="en-US" smtClean="0"/>
               <a:pPr/>
-              <a:t>8/3/2010</a:t>
+              <a:t>8/5/2010</a:t>
             </a:fld>
             <a:endParaRPr lang="en-US"/>
           </a:p>
@@ -1055,7 +1055,7 @@
             <a:fld id="{1D8BD707-D9CF-40AE-B4C6-C98DA3205C09}" type="datetimeFigureOut">
               <a:rPr lang="en-US" smtClean="0"/>
               <a:pPr/>
-              <a:t>8/3/2010</a:t>
+              <a:t>8/5/2010</a:t>
             </a:fld>
             <a:endParaRPr lang="en-US"/>
           </a:p>
@@ -1340,7 +1340,7 @@
             <a:fld id="{1D8BD707-D9CF-40AE-B4C6-C98DA3205C09}" type="datetimeFigureOut">
               <a:rPr lang="en-US" smtClean="0"/>
               <a:pPr/>
-              <a:t>8/3/2010</a:t>
+              <a:t>8/5/2010</a:t>
             </a:fld>
             <a:endParaRPr lang="en-US"/>
           </a:p>
@@ -1759,7 +1759,7 @@
             <a:fld id="{1D8BD707-D9CF-40AE-B4C6-C98DA3205C09}" type="datetimeFigureOut">
               <a:rPr lang="en-US" smtClean="0"/>
               <a:pPr/>
-              <a:t>8/3/2010</a:t>
+              <a:t>8/5/2010</a:t>
             </a:fld>
             <a:endParaRPr lang="en-US"/>
           </a:p>
@@ -1874,7 +1874,7 @@
             <a:fld id="{1D8BD707-D9CF-40AE-B4C6-C98DA3205C09}" type="datetimeFigureOut">
               <a:rPr lang="en-US" smtClean="0"/>
               <a:pPr/>
-              <a:t>8/3/2010</a:t>
+              <a:t>8/5/2010</a:t>
             </a:fld>
             <a:endParaRPr lang="en-US"/>
           </a:p>
@@ -1966,7 +1966,7 @@
             <a:fld id="{1D8BD707-D9CF-40AE-B4C6-C98DA3205C09}" type="datetimeFigureOut">
               <a:rPr lang="en-US" smtClean="0"/>
               <a:pPr/>
-              <a:t>8/3/2010</a:t>
+              <a:t>8/5/2010</a:t>
             </a:fld>
             <a:endParaRPr lang="en-US"/>
           </a:p>
@@ -2240,7 +2240,7 @@
             <a:fld id="{1D8BD707-D9CF-40AE-B4C6-C98DA3205C09}" type="datetimeFigureOut">
               <a:rPr lang="en-US" smtClean="0"/>
               <a:pPr/>
-              <a:t>8/3/2010</a:t>
+              <a:t>8/5/2010</a:t>
             </a:fld>
             <a:endParaRPr lang="en-US"/>
           </a:p>
@@ -2490,7 +2490,7 @@
             <a:fld id="{1D8BD707-D9CF-40AE-B4C6-C98DA3205C09}" type="datetimeFigureOut">
               <a:rPr lang="en-US" smtClean="0"/>
               <a:pPr/>
-              <a:t>8/3/2010</a:t>
+              <a:t>8/5/2010</a:t>
             </a:fld>
             <a:endParaRPr lang="en-US"/>
           </a:p>
@@ -2700,7 +2700,7 @@
             <a:fld id="{1D8BD707-D9CF-40AE-B4C6-C98DA3205C09}" type="datetimeFigureOut">
               <a:rPr lang="en-US" smtClean="0"/>
               <a:pPr/>
-              <a:t>8/3/2010</a:t>
+              <a:t>8/5/2010</a:t>
             </a:fld>
             <a:endParaRPr lang="en-US"/>
           </a:p>
@@ -3408,13 +3408,6 @@
               </a:rPr>
               <a:t>("END"))</a:t>
             </a:r>
-            <a:endParaRPr lang="en-US" sz="1800" dirty="0" smtClean="0">
-              <a:solidFill>
-                <a:srgbClr val="FF0000"/>
-              </a:solidFill>
-              <a:latin typeface="Courier New" pitchFamily="49" charset="0"/>
-              <a:cs typeface="Courier New" pitchFamily="49" charset="0"/>
-            </a:endParaRPr>
           </a:p>
           <a:p>
             <a:pPr>
@@ -3425,71 +3418,46 @@
                 <a:latin typeface="Courier New" pitchFamily="49" charset="0"/>
                 <a:cs typeface="Courier New" pitchFamily="49" charset="0"/>
               </a:rPr>
-              <a:t>                </a:t>
-            </a:r>
+              <a:t>                // 1 byte of state, scan final (single) symbol "END" to get final state cost</a:t>
+            </a:r>
+          </a:p>
+          <a:p>
+            <a:pPr>
+              <a:buNone/>
+            </a:pPr>
             <a:r>
               <a:rPr lang="en-US" sz="1800" dirty="0" smtClean="0">
                 <a:latin typeface="Courier New" pitchFamily="49" charset="0"/>
                 <a:cs typeface="Courier New" pitchFamily="49" charset="0"/>
               </a:rPr>
-              <a:t>// </a:t>
-            </a:r>
+              <a:t>  {</a:t>
+            </a:r>
+          </a:p>
+          <a:p>
+            <a:pPr>
+              <a:buNone/>
+            </a:pPr>
             <a:r>
               <a:rPr lang="en-US" sz="1800" dirty="0" smtClean="0">
                 <a:latin typeface="Courier New" pitchFamily="49" charset="0"/>
                 <a:cs typeface="Courier New" pitchFamily="49" charset="0"/>
               </a:rPr>
-              <a:t>1 byte of state, scan final (single) symbol "END" to get final state cost</a:t>
-            </a:r>
-          </a:p>
-          <a:p>
-            <a:pPr>
-              <a:buNone/>
-            </a:pPr>
+              <a:t>    start[0]='a'; </a:t>
+            </a:r>
+            <a:r>
+              <a:rPr lang="en-US" sz="1800" dirty="0" err="1" smtClean="0">
+                <a:latin typeface="Courier New" pitchFamily="49" charset="0"/>
+                <a:cs typeface="Courier New" pitchFamily="49" charset="0"/>
+              </a:rPr>
+              <a:t>h_start</a:t>
+            </a:r>
             <a:r>
               <a:rPr lang="en-US" sz="1800" dirty="0" smtClean="0">
                 <a:latin typeface="Courier New" pitchFamily="49" charset="0"/>
                 <a:cs typeface="Courier New" pitchFamily="49" charset="0"/>
               </a:rPr>
-              <a:t>  {</a:t>
-            </a:r>
-          </a:p>
-          <a:p>
-            <a:pPr>
-              <a:buNone/>
-            </a:pPr>
-            <a:r>
-              <a:rPr lang="en-US" sz="1800" dirty="0" smtClean="0">
-                <a:latin typeface="Courier New" pitchFamily="49" charset="0"/>
-                <a:cs typeface="Courier New" pitchFamily="49" charset="0"/>
-              </a:rPr>
-              <a:t>    start[0]='a'; </a:t>
-            </a:r>
-            <a:r>
-              <a:rPr lang="en-US" sz="1800" dirty="0" err="1" smtClean="0">
-                <a:latin typeface="Courier New" pitchFamily="49" charset="0"/>
-                <a:cs typeface="Courier New" pitchFamily="49" charset="0"/>
-              </a:rPr>
-              <a:t>h_start</a:t>
-            </a:r>
-            <a:r>
-              <a:rPr lang="en-US" sz="1800" dirty="0" smtClean="0">
-                <a:latin typeface="Courier New" pitchFamily="49" charset="0"/>
-                <a:cs typeface="Courier New" pitchFamily="49" charset="0"/>
-              </a:rPr>
-              <a:t>[0]=0; Init</a:t>
-            </a:r>
-            <a:r>
-              <a:rPr lang="en-US" sz="1800" dirty="0" smtClean="0">
-                <a:latin typeface="Courier New" pitchFamily="49" charset="0"/>
-                <a:cs typeface="Courier New" pitchFamily="49" charset="0"/>
-              </a:rPr>
-              <a:t>();</a:t>
-            </a:r>
-            <a:endParaRPr lang="en-US" sz="1800" dirty="0" smtClean="0">
-              <a:latin typeface="Courier New" pitchFamily="49" charset="0"/>
-              <a:cs typeface="Courier New" pitchFamily="49" charset="0"/>
-            </a:endParaRPr>
+              <a:t>[0]=0; Init();</a:t>
+            </a:r>
           </a:p>
           <a:p>
             <a:pPr>
@@ -3611,7 +3579,17 @@
                 <a:latin typeface="Courier New" pitchFamily="49" charset="0"/>
                 <a:cs typeface="Courier New" pitchFamily="49" charset="0"/>
               </a:rPr>
-              <a:t> w</a:t>
+              <a:t> w, void const* </a:t>
+            </a:r>
+            <a:r>
+              <a:rPr lang="en-US" sz="1800" dirty="0" err="1" smtClean="0">
+                <a:solidFill>
+                  <a:srgbClr val="FF0000"/>
+                </a:solidFill>
+                <a:latin typeface="Courier New" pitchFamily="49" charset="0"/>
+                <a:cs typeface="Courier New" pitchFamily="49" charset="0"/>
+              </a:rPr>
+              <a:t>old_state</a:t>
             </a:r>
             <a:r>
               <a:rPr lang="en-US" sz="1800" dirty="0" smtClean="0">
@@ -3621,7 +3599,17 @@
                 <a:latin typeface="Courier New" pitchFamily="49" charset="0"/>
                 <a:cs typeface="Courier New" pitchFamily="49" charset="0"/>
               </a:rPr>
-              <a:t>, void </a:t>
+              <a:t>, void *</a:t>
+            </a:r>
+            <a:r>
+              <a:rPr lang="en-US" sz="1800" dirty="0" err="1" smtClean="0">
+                <a:solidFill>
+                  <a:srgbClr val="FF0000"/>
+                </a:solidFill>
+                <a:latin typeface="Courier New" pitchFamily="49" charset="0"/>
+                <a:cs typeface="Courier New" pitchFamily="49" charset="0"/>
+              </a:rPr>
+              <a:t>new_state</a:t>
             </a:r>
             <a:r>
               <a:rPr lang="en-US" sz="1800" dirty="0" smtClean="0">
@@ -3631,7 +3619,451 @@
                 <a:latin typeface="Courier New" pitchFamily="49" charset="0"/>
                 <a:cs typeface="Courier New" pitchFamily="49" charset="0"/>
               </a:rPr>
-              <a:t>const* </a:t>
+              <a:t>) </a:t>
+            </a:r>
+            <a:r>
+              <a:rPr lang="en-US" sz="1800" dirty="0" smtClean="0">
+                <a:latin typeface="Courier New" pitchFamily="49" charset="0"/>
+                <a:cs typeface="Courier New" pitchFamily="49" charset="0"/>
+              </a:rPr>
+              <a:t>const {</a:t>
+            </a:r>
+          </a:p>
+          <a:p>
+            <a:pPr>
+              <a:buNone/>
+            </a:pPr>
+            <a:r>
+              <a:rPr lang="en-US" sz="1800" dirty="0" smtClean="0">
+                <a:latin typeface="Courier New" pitchFamily="49" charset="0"/>
+                <a:cs typeface="Courier New" pitchFamily="49" charset="0"/>
+              </a:rPr>
+              <a:t>    char </a:t>
+            </a:r>
+            <a:r>
+              <a:rPr lang="en-US" sz="1800" dirty="0" err="1" smtClean="0">
+                <a:latin typeface="Courier New" pitchFamily="49" charset="0"/>
+                <a:cs typeface="Courier New" pitchFamily="49" charset="0"/>
+              </a:rPr>
+              <a:t>cw</a:t>
+            </a:r>
+            <a:r>
+              <a:rPr lang="en-US" sz="1800" dirty="0" smtClean="0">
+                <a:latin typeface="Courier New" pitchFamily="49" charset="0"/>
+                <a:cs typeface="Courier New" pitchFamily="49" charset="0"/>
+              </a:rPr>
+              <a:t>=TD::Convert(w)[0];</a:t>
+            </a:r>
+          </a:p>
+          <a:p>
+            <a:pPr>
+              <a:buNone/>
+            </a:pPr>
+            <a:r>
+              <a:rPr lang="en-US" sz="1800" dirty="0" smtClean="0">
+                <a:latin typeface="Courier New" pitchFamily="49" charset="0"/>
+                <a:cs typeface="Courier New" pitchFamily="49" charset="0"/>
+              </a:rPr>
+              <a:t>    char co=*(char const*)</a:t>
+            </a:r>
+            <a:r>
+              <a:rPr lang="en-US" sz="1800" dirty="0" err="1" smtClean="0">
+                <a:latin typeface="Courier New" pitchFamily="49" charset="0"/>
+                <a:cs typeface="Courier New" pitchFamily="49" charset="0"/>
+              </a:rPr>
+              <a:t>old_state</a:t>
+            </a:r>
+            <a:r>
+              <a:rPr lang="en-US" sz="1800" dirty="0" smtClean="0">
+                <a:latin typeface="Courier New" pitchFamily="49" charset="0"/>
+                <a:cs typeface="Courier New" pitchFamily="49" charset="0"/>
+              </a:rPr>
+              <a:t>;</a:t>
+            </a:r>
+          </a:p>
+          <a:p>
+            <a:pPr>
+              <a:buNone/>
+            </a:pPr>
+            <a:r>
+              <a:rPr lang="en-US" sz="1800" dirty="0" smtClean="0">
+                <a:latin typeface="Courier New" pitchFamily="49" charset="0"/>
+                <a:cs typeface="Courier New" pitchFamily="49" charset="0"/>
+              </a:rPr>
+              <a:t>    *(char *)</a:t>
+            </a:r>
+            <a:r>
+              <a:rPr lang="en-US" sz="1800" dirty="0" err="1" smtClean="0">
+                <a:latin typeface="Courier New" pitchFamily="49" charset="0"/>
+                <a:cs typeface="Courier New" pitchFamily="49" charset="0"/>
+              </a:rPr>
+              <a:t>new_state</a:t>
+            </a:r>
+            <a:r>
+              <a:rPr lang="en-US" sz="1800" dirty="0" smtClean="0">
+                <a:latin typeface="Courier New" pitchFamily="49" charset="0"/>
+                <a:cs typeface="Courier New" pitchFamily="49" charset="0"/>
+              </a:rPr>
+              <a:t> = </a:t>
+            </a:r>
+            <a:r>
+              <a:rPr lang="en-US" sz="1800" dirty="0" err="1" smtClean="0">
+                <a:latin typeface="Courier New" pitchFamily="49" charset="0"/>
+                <a:cs typeface="Courier New" pitchFamily="49" charset="0"/>
+              </a:rPr>
+              <a:t>cw</a:t>
+            </a:r>
+            <a:r>
+              <a:rPr lang="en-US" sz="1800" dirty="0" smtClean="0">
+                <a:latin typeface="Courier New" pitchFamily="49" charset="0"/>
+                <a:cs typeface="Courier New" pitchFamily="49" charset="0"/>
+              </a:rPr>
+              <a:t>;</a:t>
+            </a:r>
+          </a:p>
+          <a:p>
+            <a:pPr>
+              <a:buNone/>
+            </a:pPr>
+            <a:r>
+              <a:rPr lang="en-US" sz="1800" dirty="0" smtClean="0">
+                <a:latin typeface="Courier New" pitchFamily="49" charset="0"/>
+                <a:cs typeface="Courier New" pitchFamily="49" charset="0"/>
+              </a:rPr>
+              <a:t>    return </a:t>
+            </a:r>
+            <a:r>
+              <a:rPr lang="en-US" sz="1800" dirty="0" err="1" smtClean="0">
+                <a:latin typeface="Courier New" pitchFamily="49" charset="0"/>
+                <a:cs typeface="Courier New" pitchFamily="49" charset="0"/>
+              </a:rPr>
+              <a:t>cw</a:t>
+            </a:r>
+            <a:r>
+              <a:rPr lang="en-US" sz="1800" dirty="0" smtClean="0">
+                <a:latin typeface="Courier New" pitchFamily="49" charset="0"/>
+                <a:cs typeface="Courier New" pitchFamily="49" charset="0"/>
+              </a:rPr>
+              <a:t>==co?1:0;</a:t>
+            </a:r>
+          </a:p>
+          <a:p>
+            <a:pPr>
+              <a:buNone/>
+            </a:pPr>
+            <a:r>
+              <a:rPr lang="en-US" sz="1800" dirty="0" smtClean="0">
+                <a:latin typeface="Courier New" pitchFamily="49" charset="0"/>
+                <a:cs typeface="Courier New" pitchFamily="49" charset="0"/>
+              </a:rPr>
+              <a:t>  }</a:t>
+            </a:r>
+          </a:p>
+          <a:p>
+            <a:pPr>
+              <a:buNone/>
+            </a:pPr>
+            <a:r>
+              <a:rPr lang="en-US" sz="1800" dirty="0" smtClean="0">
+                <a:latin typeface="Courier New" pitchFamily="49" charset="0"/>
+                <a:cs typeface="Courier New" pitchFamily="49" charset="0"/>
+              </a:rPr>
+              <a:t>  void </a:t>
+            </a:r>
+            <a:r>
+              <a:rPr lang="en-US" sz="1800" dirty="0" err="1" smtClean="0">
+                <a:latin typeface="Courier New" pitchFamily="49" charset="0"/>
+                <a:cs typeface="Courier New" pitchFamily="49" charset="0"/>
+              </a:rPr>
+              <a:t>print_state</a:t>
+            </a:r>
+            <a:r>
+              <a:rPr lang="en-US" sz="1800" dirty="0" smtClean="0">
+                <a:latin typeface="Courier New" pitchFamily="49" charset="0"/>
+                <a:cs typeface="Courier New" pitchFamily="49" charset="0"/>
+              </a:rPr>
+              <a:t>(std::</a:t>
+            </a:r>
+            <a:r>
+              <a:rPr lang="en-US" sz="1800" dirty="0" err="1" smtClean="0">
+                <a:latin typeface="Courier New" pitchFamily="49" charset="0"/>
+                <a:cs typeface="Courier New" pitchFamily="49" charset="0"/>
+              </a:rPr>
+              <a:t>ostream</a:t>
+            </a:r>
+            <a:r>
+              <a:rPr lang="en-US" sz="1800" dirty="0" smtClean="0">
+                <a:latin typeface="Courier New" pitchFamily="49" charset="0"/>
+                <a:cs typeface="Courier New" pitchFamily="49" charset="0"/>
+              </a:rPr>
+              <a:t> &amp;o, void const* </a:t>
+            </a:r>
+            <a:r>
+              <a:rPr lang="en-US" sz="1800" dirty="0" err="1" smtClean="0">
+                <a:latin typeface="Courier New" pitchFamily="49" charset="0"/>
+                <a:cs typeface="Courier New" pitchFamily="49" charset="0"/>
+              </a:rPr>
+              <a:t>st</a:t>
+            </a:r>
+            <a:r>
+              <a:rPr lang="en-US" sz="1800" dirty="0" smtClean="0">
+                <a:latin typeface="Courier New" pitchFamily="49" charset="0"/>
+                <a:cs typeface="Courier New" pitchFamily="49" charset="0"/>
+              </a:rPr>
+              <a:t>) const {</a:t>
+            </a:r>
+          </a:p>
+          <a:p>
+            <a:pPr>
+              <a:buNone/>
+            </a:pPr>
+            <a:r>
+              <a:rPr lang="en-US" sz="1800" dirty="0" smtClean="0">
+                <a:latin typeface="Courier New" pitchFamily="49" charset="0"/>
+                <a:cs typeface="Courier New" pitchFamily="49" charset="0"/>
+              </a:rPr>
+              <a:t>    o&lt;&lt;*(char const*)</a:t>
+            </a:r>
+            <a:r>
+              <a:rPr lang="en-US" sz="1800" dirty="0" err="1" smtClean="0">
+                <a:latin typeface="Courier New" pitchFamily="49" charset="0"/>
+                <a:cs typeface="Courier New" pitchFamily="49" charset="0"/>
+              </a:rPr>
+              <a:t>st</a:t>
+            </a:r>
+            <a:r>
+              <a:rPr lang="en-US" sz="1800" dirty="0" smtClean="0">
+                <a:latin typeface="Courier New" pitchFamily="49" charset="0"/>
+                <a:cs typeface="Courier New" pitchFamily="49" charset="0"/>
+              </a:rPr>
+              <a:t>;</a:t>
+            </a:r>
+          </a:p>
+          <a:p>
+            <a:pPr>
+              <a:buNone/>
+            </a:pPr>
+            <a:r>
+              <a:rPr lang="en-US" sz="1800" dirty="0" smtClean="0">
+                <a:latin typeface="Courier New" pitchFamily="49" charset="0"/>
+                <a:cs typeface="Courier New" pitchFamily="49" charset="0"/>
+              </a:rPr>
+              <a:t>  }</a:t>
+            </a:r>
+          </a:p>
+          <a:p>
+            <a:pPr>
+              <a:buNone/>
+            </a:pPr>
+            <a:r>
+              <a:rPr lang="en-US" sz="1800" dirty="0" smtClean="0">
+                <a:latin typeface="Courier New" pitchFamily="49" charset="0"/>
+                <a:cs typeface="Courier New" pitchFamily="49" charset="0"/>
+              </a:rPr>
+              <a:t>  static std::string usage(</a:t>
+            </a:r>
+            <a:r>
+              <a:rPr lang="en-US" sz="1800" dirty="0" err="1" smtClean="0">
+                <a:latin typeface="Courier New" pitchFamily="49" charset="0"/>
+                <a:cs typeface="Courier New" pitchFamily="49" charset="0"/>
+              </a:rPr>
+              <a:t>bool</a:t>
+            </a:r>
+            <a:r>
+              <a:rPr lang="en-US" sz="1800" dirty="0" smtClean="0">
+                <a:latin typeface="Courier New" pitchFamily="49" charset="0"/>
+                <a:cs typeface="Courier New" pitchFamily="49" charset="0"/>
+              </a:rPr>
+              <a:t> </a:t>
+            </a:r>
+            <a:r>
+              <a:rPr lang="en-US" sz="1800" dirty="0" err="1" smtClean="0">
+                <a:latin typeface="Courier New" pitchFamily="49" charset="0"/>
+                <a:cs typeface="Courier New" pitchFamily="49" charset="0"/>
+              </a:rPr>
+              <a:t>param,bool</a:t>
+            </a:r>
+            <a:r>
+              <a:rPr lang="en-US" sz="1800" dirty="0" smtClean="0">
+                <a:latin typeface="Courier New" pitchFamily="49" charset="0"/>
+                <a:cs typeface="Courier New" pitchFamily="49" charset="0"/>
+              </a:rPr>
+              <a:t> verbose) {</a:t>
+            </a:r>
+          </a:p>
+          <a:p>
+            <a:pPr>
+              <a:buNone/>
+            </a:pPr>
+            <a:r>
+              <a:rPr lang="en-US" sz="1800" dirty="0" smtClean="0">
+                <a:latin typeface="Courier New" pitchFamily="49" charset="0"/>
+                <a:cs typeface="Courier New" pitchFamily="49" charset="0"/>
+              </a:rPr>
+              <a:t>    return </a:t>
+            </a:r>
+            <a:r>
+              <a:rPr lang="en-US" sz="1800" dirty="0" err="1" smtClean="0">
+                <a:latin typeface="Courier New" pitchFamily="49" charset="0"/>
+                <a:cs typeface="Courier New" pitchFamily="49" charset="0"/>
+              </a:rPr>
+              <a:t>FeatureFunction</a:t>
+            </a:r>
+            <a:r>
+              <a:rPr lang="en-US" sz="1800" dirty="0" smtClean="0">
+                <a:latin typeface="Courier New" pitchFamily="49" charset="0"/>
+                <a:cs typeface="Courier New" pitchFamily="49" charset="0"/>
+              </a:rPr>
+              <a:t>::</a:t>
+            </a:r>
+            <a:r>
+              <a:rPr lang="en-US" sz="1800" dirty="0" err="1" smtClean="0">
+                <a:latin typeface="Courier New" pitchFamily="49" charset="0"/>
+                <a:cs typeface="Courier New" pitchFamily="49" charset="0"/>
+              </a:rPr>
+              <a:t>usage_helper</a:t>
+            </a:r>
+            <a:r>
+              <a:rPr lang="en-US" sz="1800" dirty="0" smtClean="0">
+                <a:latin typeface="Courier New" pitchFamily="49" charset="0"/>
+                <a:cs typeface="Courier New" pitchFamily="49" charset="0"/>
+              </a:rPr>
+              <a:t>("</a:t>
+            </a:r>
+            <a:r>
+              <a:rPr lang="en-US" sz="1800" dirty="0" err="1" smtClean="0">
+                <a:latin typeface="Courier New" pitchFamily="49" charset="0"/>
+                <a:cs typeface="Courier New" pitchFamily="49" charset="0"/>
+              </a:rPr>
+              <a:t>SameFirstLetter</a:t>
+            </a:r>
+            <a:r>
+              <a:rPr lang="en-US" sz="1800" dirty="0" smtClean="0">
+                <a:latin typeface="Courier New" pitchFamily="49" charset="0"/>
+                <a:cs typeface="Courier New" pitchFamily="49" charset="0"/>
+              </a:rPr>
+              <a:t>",</a:t>
+            </a:r>
+          </a:p>
+          <a:p>
+            <a:pPr>
+              <a:buNone/>
+            </a:pPr>
+            <a:r>
+              <a:rPr lang="en-US" sz="1800" dirty="0" smtClean="0">
+                <a:latin typeface="Courier New" pitchFamily="49" charset="0"/>
+                <a:cs typeface="Courier New" pitchFamily="49" charset="0"/>
+              </a:rPr>
+              <a:t>                                  "[no </a:t>
+            </a:r>
+            <a:r>
+              <a:rPr lang="en-US" sz="1800" dirty="0" err="1" smtClean="0">
+                <a:latin typeface="Courier New" pitchFamily="49" charset="0"/>
+                <a:cs typeface="Courier New" pitchFamily="49" charset="0"/>
+              </a:rPr>
+              <a:t>args</a:t>
+            </a:r>
+            <a:r>
+              <a:rPr lang="en-US" sz="1800" dirty="0" smtClean="0">
+                <a:latin typeface="Courier New" pitchFamily="49" charset="0"/>
+                <a:cs typeface="Courier New" pitchFamily="49" charset="0"/>
+              </a:rPr>
+              <a:t>]",</a:t>
+            </a:r>
+          </a:p>
+          <a:p>
+            <a:pPr>
+              <a:buNone/>
+            </a:pPr>
+            <a:r>
+              <a:rPr lang="en-US" sz="1800" dirty="0" smtClean="0">
+                <a:latin typeface="Courier New" pitchFamily="49" charset="0"/>
+                <a:cs typeface="Courier New" pitchFamily="49" charset="0"/>
+              </a:rPr>
+              <a:t>                                  "1 each time 2 consecutive words start with the same letter",</a:t>
+            </a:r>
+          </a:p>
+          <a:p>
+            <a:pPr>
+              <a:buNone/>
+            </a:pPr>
+            <a:r>
+              <a:rPr lang="en-US" sz="1800" dirty="0" smtClean="0">
+                <a:latin typeface="Courier New" pitchFamily="49" charset="0"/>
+                <a:cs typeface="Courier New" pitchFamily="49" charset="0"/>
+              </a:rPr>
+              <a:t>                                  </a:t>
+            </a:r>
+            <a:r>
+              <a:rPr lang="en-US" sz="1800" dirty="0" err="1" smtClean="0">
+                <a:latin typeface="Courier New" pitchFamily="49" charset="0"/>
+                <a:cs typeface="Courier New" pitchFamily="49" charset="0"/>
+              </a:rPr>
+              <a:t>param,verbose</a:t>
+            </a:r>
+            <a:r>
+              <a:rPr lang="en-US" sz="1800" dirty="0" smtClean="0">
+                <a:latin typeface="Courier New" pitchFamily="49" charset="0"/>
+                <a:cs typeface="Courier New" pitchFamily="49" charset="0"/>
+              </a:rPr>
+              <a:t>);</a:t>
+            </a:r>
+          </a:p>
+          <a:p>
+            <a:pPr>
+              <a:buNone/>
+            </a:pPr>
+            <a:r>
+              <a:rPr lang="en-US" sz="1800" dirty="0" smtClean="0">
+                <a:latin typeface="Courier New" pitchFamily="49" charset="0"/>
+                <a:cs typeface="Courier New" pitchFamily="49" charset="0"/>
+              </a:rPr>
+              <a:t>  }</a:t>
+            </a:r>
+          </a:p>
+          <a:p>
+            <a:pPr>
+              <a:buNone/>
+            </a:pPr>
+            <a:r>
+              <a:rPr lang="en-US" sz="1800" dirty="0" smtClean="0">
+                <a:latin typeface="Courier New" pitchFamily="49" charset="0"/>
+                <a:cs typeface="Courier New" pitchFamily="49" charset="0"/>
+              </a:rPr>
+              <a:t>};</a:t>
+            </a:r>
+          </a:p>
+          <a:p>
+            <a:pPr>
+              <a:buNone/>
+            </a:pPr>
+            <a:r>
+              <a:rPr lang="en-US" sz="1800" dirty="0" err="1" smtClean="0">
+                <a:latin typeface="Courier New" pitchFamily="49" charset="0"/>
+                <a:cs typeface="Courier New" pitchFamily="49" charset="0"/>
+              </a:rPr>
+              <a:t>global_ff_registry</a:t>
+            </a:r>
+            <a:r>
+              <a:rPr lang="en-US" sz="1800" dirty="0" smtClean="0">
+                <a:latin typeface="Courier New" pitchFamily="49" charset="0"/>
+                <a:cs typeface="Courier New" pitchFamily="49" charset="0"/>
+              </a:rPr>
+              <a:t>-&gt;Register(new </a:t>
+            </a:r>
+            <a:r>
+              <a:rPr lang="en-US" sz="1800" dirty="0" err="1" smtClean="0">
+                <a:latin typeface="Courier New" pitchFamily="49" charset="0"/>
+                <a:cs typeface="Courier New" pitchFamily="49" charset="0"/>
+              </a:rPr>
+              <a:t>FFFactory</a:t>
+            </a:r>
+            <a:r>
+              <a:rPr lang="en-US" sz="1800" dirty="0" smtClean="0">
+                <a:latin typeface="Courier New" pitchFamily="49" charset="0"/>
+                <a:cs typeface="Courier New" pitchFamily="49" charset="0"/>
+              </a:rPr>
+              <a:t>&lt;</a:t>
             </a:r>
             <a:r>
               <a:rPr lang="en-US" sz="1800" dirty="0" err="1" smtClean="0">
@@ -3641,578 +4073,28 @@
                 <a:latin typeface="Courier New" pitchFamily="49" charset="0"/>
                 <a:cs typeface="Courier New" pitchFamily="49" charset="0"/>
               </a:rPr>
-              <a:t>old_state</a:t>
+              <a:t>FeatureFunctionFromFsa</a:t>
             </a:r>
             <a:r>
               <a:rPr lang="en-US" sz="1800" dirty="0" smtClean="0">
-                <a:solidFill>
-                  <a:srgbClr val="FF0000"/>
-                </a:solidFill>
-                <a:latin typeface="Courier New" pitchFamily="49" charset="0"/>
-                <a:cs typeface="Courier New" pitchFamily="49" charset="0"/>
-              </a:rPr>
-              <a:t>, void </a:t>
+                <a:latin typeface="Courier New" pitchFamily="49" charset="0"/>
+                <a:cs typeface="Courier New" pitchFamily="49" charset="0"/>
+              </a:rPr>
+              <a:t>&lt;</a:t>
+            </a:r>
+            <a:r>
+              <a:rPr lang="en-US" sz="1800" dirty="0" err="1" smtClean="0">
+                <a:latin typeface="Courier New" pitchFamily="49" charset="0"/>
+                <a:cs typeface="Courier New" pitchFamily="49" charset="0"/>
+              </a:rPr>
+              <a:t>SameFirstLetter</a:t>
             </a:r>
             <a:r>
               <a:rPr lang="en-US" sz="1800" dirty="0" smtClean="0">
-                <a:solidFill>
-                  <a:srgbClr val="FF0000"/>
-                </a:solidFill>
-                <a:latin typeface="Courier New" pitchFamily="49" charset="0"/>
-                <a:cs typeface="Courier New" pitchFamily="49" charset="0"/>
-              </a:rPr>
-              <a:t>*</a:t>
-            </a:r>
-            <a:r>
-              <a:rPr lang="en-US" sz="1800" dirty="0" err="1" smtClean="0">
-                <a:solidFill>
-                  <a:srgbClr val="FF0000"/>
-                </a:solidFill>
-                <a:latin typeface="Courier New" pitchFamily="49" charset="0"/>
-                <a:cs typeface="Courier New" pitchFamily="49" charset="0"/>
-              </a:rPr>
-              <a:t>new_state</a:t>
-            </a:r>
-            <a:r>
-              <a:rPr lang="en-US" sz="1800" dirty="0" smtClean="0">
-                <a:solidFill>
-                  <a:srgbClr val="FF0000"/>
-                </a:solidFill>
-                <a:latin typeface="Courier New" pitchFamily="49" charset="0"/>
-                <a:cs typeface="Courier New" pitchFamily="49" charset="0"/>
-              </a:rPr>
-              <a:t>) </a:t>
-            </a:r>
-            <a:r>
-              <a:rPr lang="en-US" sz="1800" dirty="0" smtClean="0">
-                <a:latin typeface="Courier New" pitchFamily="49" charset="0"/>
-                <a:cs typeface="Courier New" pitchFamily="49" charset="0"/>
-              </a:rPr>
-              <a:t>const {</a:t>
-            </a:r>
-          </a:p>
-          <a:p>
-            <a:pPr>
-              <a:buNone/>
-            </a:pPr>
-            <a:r>
-              <a:rPr lang="en-US" sz="1800" dirty="0" smtClean="0">
-                <a:latin typeface="Courier New" pitchFamily="49" charset="0"/>
-                <a:cs typeface="Courier New" pitchFamily="49" charset="0"/>
-              </a:rPr>
-              <a:t>    char </a:t>
-            </a:r>
-            <a:r>
-              <a:rPr lang="en-US" sz="1800" dirty="0" err="1" smtClean="0">
-                <a:latin typeface="Courier New" pitchFamily="49" charset="0"/>
-                <a:cs typeface="Courier New" pitchFamily="49" charset="0"/>
-              </a:rPr>
-              <a:t>cw</a:t>
-            </a:r>
-            <a:r>
-              <a:rPr lang="en-US" sz="1800" dirty="0" smtClean="0">
-                <a:latin typeface="Courier New" pitchFamily="49" charset="0"/>
-                <a:cs typeface="Courier New" pitchFamily="49" charset="0"/>
-              </a:rPr>
-              <a:t>=TD::Convert(w)[0];</a:t>
-            </a:r>
-          </a:p>
-          <a:p>
-            <a:pPr>
-              <a:buNone/>
-            </a:pPr>
-            <a:r>
-              <a:rPr lang="en-US" sz="1800" dirty="0" smtClean="0">
-                <a:latin typeface="Courier New" pitchFamily="49" charset="0"/>
-                <a:cs typeface="Courier New" pitchFamily="49" charset="0"/>
-              </a:rPr>
-              <a:t>    char co=*(char const*)</a:t>
-            </a:r>
-            <a:r>
-              <a:rPr lang="en-US" sz="1800" dirty="0" err="1" smtClean="0">
-                <a:latin typeface="Courier New" pitchFamily="49" charset="0"/>
-                <a:cs typeface="Courier New" pitchFamily="49" charset="0"/>
-              </a:rPr>
-              <a:t>old_state</a:t>
-            </a:r>
-            <a:r>
-              <a:rPr lang="en-US" sz="1800" dirty="0" smtClean="0">
-                <a:latin typeface="Courier New" pitchFamily="49" charset="0"/>
-                <a:cs typeface="Courier New" pitchFamily="49" charset="0"/>
-              </a:rPr>
-              <a:t>;</a:t>
-            </a:r>
-          </a:p>
-          <a:p>
-            <a:pPr>
-              <a:buNone/>
-            </a:pPr>
-            <a:r>
-              <a:rPr lang="en-US" sz="1800" dirty="0" smtClean="0">
-                <a:latin typeface="Courier New" pitchFamily="49" charset="0"/>
-                <a:cs typeface="Courier New" pitchFamily="49" charset="0"/>
-              </a:rPr>
-              <a:t>    *(char *)</a:t>
-            </a:r>
-            <a:r>
-              <a:rPr lang="en-US" sz="1800" dirty="0" err="1" smtClean="0">
-                <a:latin typeface="Courier New" pitchFamily="49" charset="0"/>
-                <a:cs typeface="Courier New" pitchFamily="49" charset="0"/>
-              </a:rPr>
-              <a:t>new_state</a:t>
-            </a:r>
-            <a:r>
-              <a:rPr lang="en-US" sz="1800" dirty="0" smtClean="0">
-                <a:latin typeface="Courier New" pitchFamily="49" charset="0"/>
-                <a:cs typeface="Courier New" pitchFamily="49" charset="0"/>
-              </a:rPr>
-              <a:t> = </a:t>
-            </a:r>
-            <a:r>
-              <a:rPr lang="en-US" sz="1800" dirty="0" err="1" smtClean="0">
-                <a:latin typeface="Courier New" pitchFamily="49" charset="0"/>
-                <a:cs typeface="Courier New" pitchFamily="49" charset="0"/>
-              </a:rPr>
-              <a:t>cw</a:t>
-            </a:r>
-            <a:r>
-              <a:rPr lang="en-US" sz="1800" dirty="0" smtClean="0">
-                <a:latin typeface="Courier New" pitchFamily="49" charset="0"/>
-                <a:cs typeface="Courier New" pitchFamily="49" charset="0"/>
-              </a:rPr>
-              <a:t>;</a:t>
-            </a:r>
-          </a:p>
-          <a:p>
-            <a:pPr>
-              <a:buNone/>
-            </a:pPr>
-            <a:r>
-              <a:rPr lang="en-US" sz="1800" dirty="0" smtClean="0">
-                <a:latin typeface="Courier New" pitchFamily="49" charset="0"/>
-                <a:cs typeface="Courier New" pitchFamily="49" charset="0"/>
-              </a:rPr>
-              <a:t>    return </a:t>
-            </a:r>
-            <a:r>
-              <a:rPr lang="en-US" sz="1800" dirty="0" err="1" smtClean="0">
-                <a:latin typeface="Courier New" pitchFamily="49" charset="0"/>
-                <a:cs typeface="Courier New" pitchFamily="49" charset="0"/>
-              </a:rPr>
-              <a:t>cw</a:t>
-            </a:r>
-            <a:r>
-              <a:rPr lang="en-US" sz="1800" dirty="0" smtClean="0">
-                <a:latin typeface="Courier New" pitchFamily="49" charset="0"/>
-                <a:cs typeface="Courier New" pitchFamily="49" charset="0"/>
-              </a:rPr>
-              <a:t>==co?1:0;</a:t>
-            </a:r>
-          </a:p>
-          <a:p>
-            <a:pPr>
-              <a:buNone/>
-            </a:pPr>
-            <a:r>
-              <a:rPr lang="en-US" sz="1800" dirty="0" smtClean="0">
-                <a:latin typeface="Courier New" pitchFamily="49" charset="0"/>
-                <a:cs typeface="Courier New" pitchFamily="49" charset="0"/>
-              </a:rPr>
-              <a:t>  }</a:t>
-            </a:r>
-          </a:p>
-          <a:p>
-            <a:pPr>
-              <a:buNone/>
-            </a:pPr>
-            <a:r>
-              <a:rPr lang="en-US" sz="1800" dirty="0" smtClean="0">
-                <a:latin typeface="Courier New" pitchFamily="49" charset="0"/>
-                <a:cs typeface="Courier New" pitchFamily="49" charset="0"/>
-              </a:rPr>
-              <a:t>  void </a:t>
-            </a:r>
-            <a:r>
-              <a:rPr lang="en-US" sz="1800" dirty="0" err="1" smtClean="0">
-                <a:latin typeface="Courier New" pitchFamily="49" charset="0"/>
-                <a:cs typeface="Courier New" pitchFamily="49" charset="0"/>
-              </a:rPr>
-              <a:t>print_state</a:t>
-            </a:r>
-            <a:r>
-              <a:rPr lang="en-US" sz="1800" dirty="0" smtClean="0">
-                <a:latin typeface="Courier New" pitchFamily="49" charset="0"/>
-                <a:cs typeface="Courier New" pitchFamily="49" charset="0"/>
-              </a:rPr>
-              <a:t>(std::</a:t>
-            </a:r>
-            <a:r>
-              <a:rPr lang="en-US" sz="1800" dirty="0" err="1" smtClean="0">
-                <a:latin typeface="Courier New" pitchFamily="49" charset="0"/>
-                <a:cs typeface="Courier New" pitchFamily="49" charset="0"/>
-              </a:rPr>
-              <a:t>ostream</a:t>
-            </a:r>
-            <a:r>
-              <a:rPr lang="en-US" sz="1800" dirty="0" smtClean="0">
-                <a:latin typeface="Courier New" pitchFamily="49" charset="0"/>
-                <a:cs typeface="Courier New" pitchFamily="49" charset="0"/>
-              </a:rPr>
-              <a:t> &amp;o</a:t>
-            </a:r>
-            <a:r>
-              <a:rPr lang="en-US" sz="1800" dirty="0" smtClean="0">
-                <a:latin typeface="Courier New" pitchFamily="49" charset="0"/>
-                <a:cs typeface="Courier New" pitchFamily="49" charset="0"/>
-              </a:rPr>
-              <a:t>, void </a:t>
-            </a:r>
-            <a:r>
-              <a:rPr lang="en-US" sz="1800" dirty="0" smtClean="0">
-                <a:latin typeface="Courier New" pitchFamily="49" charset="0"/>
-                <a:cs typeface="Courier New" pitchFamily="49" charset="0"/>
-              </a:rPr>
-              <a:t>const* </a:t>
-            </a:r>
-            <a:r>
-              <a:rPr lang="en-US" sz="1800" dirty="0" err="1" smtClean="0">
-                <a:latin typeface="Courier New" pitchFamily="49" charset="0"/>
-                <a:cs typeface="Courier New" pitchFamily="49" charset="0"/>
-              </a:rPr>
-              <a:t>st</a:t>
-            </a:r>
-            <a:r>
-              <a:rPr lang="en-US" sz="1800" dirty="0" smtClean="0">
-                <a:latin typeface="Courier New" pitchFamily="49" charset="0"/>
-                <a:cs typeface="Courier New" pitchFamily="49" charset="0"/>
-              </a:rPr>
-              <a:t>) const {</a:t>
-            </a:r>
-          </a:p>
-          <a:p>
-            <a:pPr>
-              <a:buNone/>
-            </a:pPr>
-            <a:r>
-              <a:rPr lang="en-US" sz="1800" dirty="0" smtClean="0">
-                <a:latin typeface="Courier New" pitchFamily="49" charset="0"/>
-                <a:cs typeface="Courier New" pitchFamily="49" charset="0"/>
-              </a:rPr>
-              <a:t>    o&lt;&lt;*(char const*)</a:t>
-            </a:r>
-            <a:r>
-              <a:rPr lang="en-US" sz="1800" dirty="0" err="1" smtClean="0">
-                <a:latin typeface="Courier New" pitchFamily="49" charset="0"/>
-                <a:cs typeface="Courier New" pitchFamily="49" charset="0"/>
-              </a:rPr>
-              <a:t>st</a:t>
-            </a:r>
-            <a:r>
-              <a:rPr lang="en-US" sz="1800" dirty="0" smtClean="0">
-                <a:latin typeface="Courier New" pitchFamily="49" charset="0"/>
-                <a:cs typeface="Courier New" pitchFamily="49" charset="0"/>
-              </a:rPr>
-              <a:t>;</a:t>
-            </a:r>
-          </a:p>
-          <a:p>
-            <a:pPr>
-              <a:buNone/>
-            </a:pPr>
-            <a:r>
-              <a:rPr lang="en-US" sz="1800" dirty="0" smtClean="0">
-                <a:latin typeface="Courier New" pitchFamily="49" charset="0"/>
-                <a:cs typeface="Courier New" pitchFamily="49" charset="0"/>
-              </a:rPr>
-              <a:t>  }</a:t>
-            </a:r>
-          </a:p>
-          <a:p>
-            <a:pPr>
-              <a:buNone/>
-            </a:pPr>
-            <a:r>
-              <a:rPr lang="en-US" sz="1800" dirty="0" smtClean="0">
-                <a:latin typeface="Courier New" pitchFamily="49" charset="0"/>
-                <a:cs typeface="Courier New" pitchFamily="49" charset="0"/>
-              </a:rPr>
-              <a:t>  static std::string usage(</a:t>
-            </a:r>
-            <a:r>
-              <a:rPr lang="en-US" sz="1800" dirty="0" err="1" smtClean="0">
-                <a:latin typeface="Courier New" pitchFamily="49" charset="0"/>
-                <a:cs typeface="Courier New" pitchFamily="49" charset="0"/>
-              </a:rPr>
-              <a:t>bool</a:t>
-            </a:r>
-            <a:r>
-              <a:rPr lang="en-US" sz="1800" dirty="0" smtClean="0">
-                <a:latin typeface="Courier New" pitchFamily="49" charset="0"/>
-                <a:cs typeface="Courier New" pitchFamily="49" charset="0"/>
-              </a:rPr>
-              <a:t> </a:t>
-            </a:r>
-            <a:r>
-              <a:rPr lang="en-US" sz="1800" dirty="0" err="1" smtClean="0">
-                <a:latin typeface="Courier New" pitchFamily="49" charset="0"/>
-                <a:cs typeface="Courier New" pitchFamily="49" charset="0"/>
-              </a:rPr>
-              <a:t>param,bool</a:t>
-            </a:r>
-            <a:r>
-              <a:rPr lang="en-US" sz="1800" dirty="0" smtClean="0">
-                <a:latin typeface="Courier New" pitchFamily="49" charset="0"/>
-                <a:cs typeface="Courier New" pitchFamily="49" charset="0"/>
-              </a:rPr>
-              <a:t> verbose) {</a:t>
-            </a:r>
-          </a:p>
-          <a:p>
-            <a:pPr>
-              <a:buNone/>
-            </a:pPr>
-            <a:r>
-              <a:rPr lang="en-US" sz="1800" dirty="0" smtClean="0">
-                <a:latin typeface="Courier New" pitchFamily="49" charset="0"/>
-                <a:cs typeface="Courier New" pitchFamily="49" charset="0"/>
-              </a:rPr>
-              <a:t>    return </a:t>
-            </a:r>
-            <a:r>
-              <a:rPr lang="en-US" sz="1800" dirty="0" err="1" smtClean="0">
-                <a:latin typeface="Courier New" pitchFamily="49" charset="0"/>
-                <a:cs typeface="Courier New" pitchFamily="49" charset="0"/>
-              </a:rPr>
-              <a:t>FeatureFunction</a:t>
-            </a:r>
-            <a:r>
-              <a:rPr lang="en-US" sz="1800" dirty="0" smtClean="0">
-                <a:latin typeface="Courier New" pitchFamily="49" charset="0"/>
-                <a:cs typeface="Courier New" pitchFamily="49" charset="0"/>
-              </a:rPr>
-              <a:t>::</a:t>
-            </a:r>
-            <a:r>
-              <a:rPr lang="en-US" sz="1800" dirty="0" err="1" smtClean="0">
-                <a:latin typeface="Courier New" pitchFamily="49" charset="0"/>
-                <a:cs typeface="Courier New" pitchFamily="49" charset="0"/>
-              </a:rPr>
-              <a:t>usage_helper</a:t>
-            </a:r>
-            <a:r>
-              <a:rPr lang="en-US" sz="1800" dirty="0" smtClean="0">
-                <a:latin typeface="Courier New" pitchFamily="49" charset="0"/>
-                <a:cs typeface="Courier New" pitchFamily="49" charset="0"/>
-              </a:rPr>
-              <a:t>("</a:t>
-            </a:r>
-            <a:r>
-              <a:rPr lang="en-US" sz="1800" dirty="0" err="1" smtClean="0">
-                <a:latin typeface="Courier New" pitchFamily="49" charset="0"/>
-                <a:cs typeface="Courier New" pitchFamily="49" charset="0"/>
-              </a:rPr>
-              <a:t>SameFirstLetter</a:t>
-            </a:r>
-            <a:r>
-              <a:rPr lang="en-US" sz="1800" dirty="0" smtClean="0">
-                <a:latin typeface="Courier New" pitchFamily="49" charset="0"/>
-                <a:cs typeface="Courier New" pitchFamily="49" charset="0"/>
-              </a:rPr>
-              <a:t>",</a:t>
-            </a:r>
-          </a:p>
-          <a:p>
-            <a:pPr>
-              <a:buNone/>
-            </a:pPr>
-            <a:r>
-              <a:rPr lang="en-US" sz="1800" dirty="0" smtClean="0">
-                <a:latin typeface="Courier New" pitchFamily="49" charset="0"/>
-                <a:cs typeface="Courier New" pitchFamily="49" charset="0"/>
-              </a:rPr>
-              <a:t>                                  </a:t>
-            </a:r>
-            <a:r>
-              <a:rPr lang="en-US" sz="1800" dirty="0" smtClean="0">
-                <a:latin typeface="Courier New" pitchFamily="49" charset="0"/>
-                <a:cs typeface="Courier New" pitchFamily="49" charset="0"/>
-              </a:rPr>
-              <a:t>"[</a:t>
-            </a:r>
-            <a:r>
-              <a:rPr lang="en-US" sz="1800" dirty="0" smtClean="0">
-                <a:latin typeface="Courier New" pitchFamily="49" charset="0"/>
-                <a:cs typeface="Courier New" pitchFamily="49" charset="0"/>
-              </a:rPr>
-              <a:t>no </a:t>
-            </a:r>
-            <a:r>
-              <a:rPr lang="en-US" sz="1800" dirty="0" err="1" smtClean="0">
-                <a:latin typeface="Courier New" pitchFamily="49" charset="0"/>
-                <a:cs typeface="Courier New" pitchFamily="49" charset="0"/>
-              </a:rPr>
-              <a:t>args</a:t>
-            </a:r>
-            <a:r>
-              <a:rPr lang="en-US" sz="1800" dirty="0" smtClean="0">
-                <a:latin typeface="Courier New" pitchFamily="49" charset="0"/>
-                <a:cs typeface="Courier New" pitchFamily="49" charset="0"/>
-              </a:rPr>
-              <a:t>]",</a:t>
-            </a:r>
-          </a:p>
-          <a:p>
-            <a:pPr>
-              <a:buNone/>
-            </a:pPr>
-            <a:r>
-              <a:rPr lang="en-US" sz="1800" dirty="0" smtClean="0">
-                <a:latin typeface="Courier New" pitchFamily="49" charset="0"/>
-                <a:cs typeface="Courier New" pitchFamily="49" charset="0"/>
-              </a:rPr>
-              <a:t>                                 </a:t>
-            </a:r>
-            <a:r>
-              <a:rPr lang="en-US" sz="1800" dirty="0" smtClean="0">
-                <a:latin typeface="Courier New" pitchFamily="49" charset="0"/>
-                <a:cs typeface="Courier New" pitchFamily="49" charset="0"/>
-              </a:rPr>
-              <a:t> "</a:t>
-            </a:r>
-            <a:r>
-              <a:rPr lang="en-US" sz="1800" dirty="0" smtClean="0">
-                <a:latin typeface="Courier New" pitchFamily="49" charset="0"/>
-                <a:cs typeface="Courier New" pitchFamily="49" charset="0"/>
-              </a:rPr>
-              <a:t>1 each time 2 consecutive words start with the same letter",</a:t>
-            </a:r>
-          </a:p>
-          <a:p>
-            <a:pPr>
-              <a:buNone/>
-            </a:pPr>
-            <a:r>
-              <a:rPr lang="en-US" sz="1800" dirty="0" smtClean="0">
-                <a:latin typeface="Courier New" pitchFamily="49" charset="0"/>
-                <a:cs typeface="Courier New" pitchFamily="49" charset="0"/>
-              </a:rPr>
-              <a:t>                                  </a:t>
-            </a:r>
-            <a:r>
-              <a:rPr lang="en-US" sz="1800" dirty="0" err="1" smtClean="0">
-                <a:latin typeface="Courier New" pitchFamily="49" charset="0"/>
-                <a:cs typeface="Courier New" pitchFamily="49" charset="0"/>
-              </a:rPr>
-              <a:t>param,verbose</a:t>
-            </a:r>
-            <a:r>
-              <a:rPr lang="en-US" sz="1800" dirty="0" smtClean="0">
-                <a:latin typeface="Courier New" pitchFamily="49" charset="0"/>
-                <a:cs typeface="Courier New" pitchFamily="49" charset="0"/>
-              </a:rPr>
-              <a:t>);</a:t>
-            </a:r>
-          </a:p>
-          <a:p>
-            <a:pPr>
-              <a:buNone/>
-            </a:pPr>
-            <a:r>
-              <a:rPr lang="en-US" sz="1800" dirty="0" smtClean="0">
-                <a:latin typeface="Courier New" pitchFamily="49" charset="0"/>
-                <a:cs typeface="Courier New" pitchFamily="49" charset="0"/>
-              </a:rPr>
-              <a:t>  }</a:t>
-            </a:r>
-          </a:p>
-          <a:p>
-            <a:pPr>
-              <a:buNone/>
-            </a:pPr>
-            <a:r>
-              <a:rPr lang="en-US" sz="1800" dirty="0" smtClean="0">
-                <a:latin typeface="Courier New" pitchFamily="49" charset="0"/>
-                <a:cs typeface="Courier New" pitchFamily="49" charset="0"/>
-              </a:rPr>
-              <a:t>};</a:t>
-            </a:r>
-          </a:p>
-          <a:p>
-            <a:pPr>
-              <a:buNone/>
-            </a:pPr>
-            <a:r>
-              <a:rPr lang="en-US" sz="1800" dirty="0" err="1" smtClean="0">
-                <a:latin typeface="Courier New" pitchFamily="49" charset="0"/>
-                <a:cs typeface="Courier New" pitchFamily="49" charset="0"/>
-              </a:rPr>
-              <a:t>global_ff_registry</a:t>
-            </a:r>
-            <a:r>
-              <a:rPr lang="en-US" sz="1800" dirty="0" smtClean="0">
-                <a:latin typeface="Courier New" pitchFamily="49" charset="0"/>
-                <a:cs typeface="Courier New" pitchFamily="49" charset="0"/>
-              </a:rPr>
-              <a:t>-&gt;</a:t>
-            </a:r>
-            <a:r>
-              <a:rPr lang="en-US" sz="1800" dirty="0" smtClean="0">
-                <a:latin typeface="Courier New" pitchFamily="49" charset="0"/>
-                <a:cs typeface="Courier New" pitchFamily="49" charset="0"/>
-              </a:rPr>
-              <a:t>Register(new </a:t>
-            </a:r>
-            <a:r>
-              <a:rPr lang="en-US" sz="1800" dirty="0" err="1" smtClean="0">
-                <a:latin typeface="Courier New" pitchFamily="49" charset="0"/>
-                <a:cs typeface="Courier New" pitchFamily="49" charset="0"/>
-              </a:rPr>
-              <a:t>FFFactory</a:t>
-            </a:r>
-            <a:r>
-              <a:rPr lang="en-US" sz="1800" dirty="0" smtClean="0">
-                <a:latin typeface="Courier New" pitchFamily="49" charset="0"/>
-                <a:cs typeface="Courier New" pitchFamily="49" charset="0"/>
-              </a:rPr>
-              <a:t>&lt;</a:t>
-            </a:r>
-            <a:r>
-              <a:rPr lang="en-US" sz="1800" dirty="0" err="1" smtClean="0">
-                <a:solidFill>
-                  <a:srgbClr val="FF0000"/>
-                </a:solidFill>
-                <a:latin typeface="Courier New" pitchFamily="49" charset="0"/>
-                <a:cs typeface="Courier New" pitchFamily="49" charset="0"/>
-              </a:rPr>
-              <a:t>FeatureFunctionFromFsa</a:t>
-            </a:r>
-            <a:r>
-              <a:rPr lang="en-US" sz="1800" dirty="0" smtClean="0">
-                <a:latin typeface="Courier New" pitchFamily="49" charset="0"/>
-                <a:cs typeface="Courier New" pitchFamily="49" charset="0"/>
-              </a:rPr>
-              <a:t>&lt;</a:t>
-            </a:r>
-            <a:r>
-              <a:rPr lang="en-US" sz="1800" dirty="0" err="1" smtClean="0">
-                <a:latin typeface="Courier New" pitchFamily="49" charset="0"/>
-                <a:cs typeface="Courier New" pitchFamily="49" charset="0"/>
-              </a:rPr>
-              <a:t>SameFirstLetter</a:t>
-            </a:r>
-            <a:r>
-              <a:rPr lang="en-US" sz="1800" dirty="0" smtClean="0">
-                <a:latin typeface="Courier New" pitchFamily="49" charset="0"/>
-                <a:cs typeface="Courier New" pitchFamily="49" charset="0"/>
-              </a:rPr>
-              <a:t>&gt; </a:t>
-            </a:r>
-            <a:r>
-              <a:rPr lang="en-US" sz="1800" dirty="0" smtClean="0">
-                <a:latin typeface="Courier New" pitchFamily="49" charset="0"/>
-                <a:cs typeface="Courier New" pitchFamily="49" charset="0"/>
-              </a:rPr>
-              <a:t>&gt;);</a:t>
+                <a:latin typeface="Courier New" pitchFamily="49" charset="0"/>
+                <a:cs typeface="Courier New" pitchFamily="49" charset="0"/>
+              </a:rPr>
+              <a:t>&gt; &gt;);</a:t>
             </a:r>
           </a:p>
           <a:p>
@@ -5295,33 +5177,19 @@
                 <a:latin typeface="Courier New" pitchFamily="49" charset="0"/>
                 <a:cs typeface="Courier New" pitchFamily="49" charset="0"/>
               </a:rPr>
-              <a:t>::Edge const&amp; </a:t>
-            </a:r>
+              <a:t>::Edge const&amp; e</a:t>
+            </a:r>
+          </a:p>
+          <a:p>
+            <a:pPr>
+              <a:buNone/>
+            </a:pPr>
             <a:r>
               <a:rPr lang="en-US" sz="4400" dirty="0" smtClean="0">
                 <a:latin typeface="Courier New" pitchFamily="49" charset="0"/>
                 <a:cs typeface="Courier New" pitchFamily="49" charset="0"/>
               </a:rPr>
-              <a:t>e</a:t>
-            </a:r>
-          </a:p>
-          <a:p>
-            <a:pPr>
-              <a:buNone/>
-            </a:pPr>
-            <a:r>
-              <a:rPr lang="en-US" sz="4400" dirty="0" smtClean="0">
-                <a:latin typeface="Courier New" pitchFamily="49" charset="0"/>
-                <a:cs typeface="Courier New" pitchFamily="49" charset="0"/>
-              </a:rPr>
-              <a:t> </a:t>
-            </a:r>
-            <a:r>
-              <a:rPr lang="en-US" sz="4400" dirty="0" smtClean="0">
-                <a:latin typeface="Courier New" pitchFamily="49" charset="0"/>
-                <a:cs typeface="Courier New" pitchFamily="49" charset="0"/>
-              </a:rPr>
-              <a:t>  ,</a:t>
+              <a:t>   ,</a:t>
             </a:r>
             <a:r>
               <a:rPr lang="en-US" sz="4400" dirty="0" err="1" smtClean="0">
@@ -5341,7 +5209,17 @@
                 <a:latin typeface="Courier New" pitchFamily="49" charset="0"/>
                 <a:cs typeface="Courier New" pitchFamily="49" charset="0"/>
               </a:rPr>
-              <a:t> </a:t>
+              <a:t> w, void const* </a:t>
+            </a:r>
+            <a:r>
+              <a:rPr lang="en-US" sz="4400" dirty="0" err="1" smtClean="0">
+                <a:solidFill>
+                  <a:srgbClr val="FF0000"/>
+                </a:solidFill>
+                <a:latin typeface="Courier New" pitchFamily="49" charset="0"/>
+                <a:cs typeface="Courier New" pitchFamily="49" charset="0"/>
+              </a:rPr>
+              <a:t>old_st</a:t>
             </a:r>
             <a:r>
               <a:rPr lang="en-US" sz="4400" dirty="0" smtClean="0">
@@ -5351,7 +5229,17 @@
                 <a:latin typeface="Courier New" pitchFamily="49" charset="0"/>
                 <a:cs typeface="Courier New" pitchFamily="49" charset="0"/>
               </a:rPr>
-              <a:t>w</a:t>
+              <a:t>, void *</a:t>
+            </a:r>
+            <a:r>
+              <a:rPr lang="en-US" sz="4400" dirty="0" err="1" smtClean="0">
+                <a:solidFill>
+                  <a:srgbClr val="FF0000"/>
+                </a:solidFill>
+                <a:latin typeface="Courier New" pitchFamily="49" charset="0"/>
+                <a:cs typeface="Courier New" pitchFamily="49" charset="0"/>
+              </a:rPr>
+              <a:t>new_st</a:t>
             </a:r>
             <a:r>
               <a:rPr lang="en-US" sz="4400" dirty="0" smtClean="0">
@@ -5361,7 +5249,17 @@
                 <a:latin typeface="Courier New" pitchFamily="49" charset="0"/>
                 <a:cs typeface="Courier New" pitchFamily="49" charset="0"/>
               </a:rPr>
-              <a:t>, void </a:t>
+              <a:t>, </a:t>
+            </a:r>
+            <a:r>
+              <a:rPr lang="en-US" sz="4400" dirty="0" err="1" smtClean="0">
+                <a:solidFill>
+                  <a:srgbClr val="FF0000"/>
+                </a:solidFill>
+                <a:latin typeface="Courier New" pitchFamily="49" charset="0"/>
+                <a:cs typeface="Courier New" pitchFamily="49" charset="0"/>
+              </a:rPr>
+              <a:t>Accum</a:t>
             </a:r>
             <a:r>
               <a:rPr lang="en-US" sz="4400" dirty="0" smtClean="0">
@@ -5371,43 +5269,457 @@
                 <a:latin typeface="Courier New" pitchFamily="49" charset="0"/>
                 <a:cs typeface="Courier New" pitchFamily="49" charset="0"/>
               </a:rPr>
-              <a:t>const* </a:t>
+              <a:t> *a</a:t>
+            </a:r>
+            <a:r>
+              <a:rPr lang="en-US" sz="4400" dirty="0" smtClean="0">
+                <a:latin typeface="Courier New" pitchFamily="49" charset="0"/>
+                <a:cs typeface="Courier New" pitchFamily="49" charset="0"/>
+              </a:rPr>
+              <a:t>) const </a:t>
+            </a:r>
+          </a:p>
+          <a:p>
+            <a:pPr>
+              <a:buNone/>
+            </a:pPr>
+            <a:r>
+              <a:rPr lang="en-US" sz="4400" dirty="0" smtClean="0">
+                <a:latin typeface="Courier New" pitchFamily="49" charset="0"/>
+                <a:cs typeface="Courier New" pitchFamily="49" charset="0"/>
+              </a:rPr>
+              <a:t>{</a:t>
+            </a:r>
+          </a:p>
+          <a:p>
+            <a:pPr>
+              <a:buNone/>
+            </a:pPr>
+            <a:r>
+              <a:rPr lang="en-US" sz="4400" dirty="0" smtClean="0">
+                <a:latin typeface="Courier New" pitchFamily="49" charset="0"/>
+                <a:cs typeface="Courier New" pitchFamily="49" charset="0"/>
+              </a:rPr>
+              <a:t>	if (!</a:t>
             </a:r>
             <a:r>
               <a:rPr lang="en-US" sz="4400" dirty="0" err="1" smtClean="0">
-                <a:solidFill>
-                  <a:srgbClr val="FF0000"/>
-                </a:solidFill>
-                <a:latin typeface="Courier New" pitchFamily="49" charset="0"/>
-                <a:cs typeface="Courier New" pitchFamily="49" charset="0"/>
-              </a:rPr>
-              <a:t>old_st</a:t>
+                <a:latin typeface="Courier New" pitchFamily="49" charset="0"/>
+                <a:cs typeface="Courier New" pitchFamily="49" charset="0"/>
+              </a:rPr>
+              <a:t>ctxlen</a:t>
             </a:r>
             <a:r>
               <a:rPr lang="en-US" sz="4400" dirty="0" smtClean="0">
-                <a:solidFill>
-                  <a:srgbClr val="FF0000"/>
-                </a:solidFill>
-                <a:latin typeface="Courier New" pitchFamily="49" charset="0"/>
-                <a:cs typeface="Courier New" pitchFamily="49" charset="0"/>
-              </a:rPr>
-              <a:t>, void </a:t>
-            </a:r>
+                <a:latin typeface="Courier New" pitchFamily="49" charset="0"/>
+                <a:cs typeface="Courier New" pitchFamily="49" charset="0"/>
+              </a:rPr>
+              <a:t>_) {</a:t>
+            </a:r>
+          </a:p>
+          <a:p>
+            <a:pPr>
+              <a:buNone/>
+            </a:pPr>
             <a:r>
               <a:rPr lang="en-US" sz="4400" dirty="0" smtClean="0">
-                <a:solidFill>
-                  <a:srgbClr val="FF0000"/>
-                </a:solidFill>
-                <a:latin typeface="Courier New" pitchFamily="49" charset="0"/>
-                <a:cs typeface="Courier New" pitchFamily="49" charset="0"/>
-              </a:rPr>
-              <a:t>*</a:t>
+                <a:latin typeface="Courier New" pitchFamily="49" charset="0"/>
+                <a:cs typeface="Courier New" pitchFamily="49" charset="0"/>
+              </a:rPr>
+              <a:t>      Add(floored(</a:t>
             </a:r>
             <a:r>
               <a:rPr lang="en-US" sz="4400" dirty="0" err="1" smtClean="0">
-                <a:solidFill>
-                  <a:srgbClr val="FF0000"/>
-                </a:solidFill>
+                <a:latin typeface="Courier New" pitchFamily="49" charset="0"/>
+                <a:cs typeface="Courier New" pitchFamily="49" charset="0"/>
+              </a:rPr>
+              <a:t>pimpl</a:t>
+            </a:r>
+            <a:r>
+              <a:rPr lang="en-US" sz="4400" dirty="0" smtClean="0">
+                <a:latin typeface="Courier New" pitchFamily="49" charset="0"/>
+                <a:cs typeface="Courier New" pitchFamily="49" charset="0"/>
+              </a:rPr>
+              <a:t>_-&gt;</a:t>
+            </a:r>
+            <a:r>
+              <a:rPr lang="en-US" sz="4400" dirty="0" err="1" smtClean="0">
+                <a:latin typeface="Courier New" pitchFamily="49" charset="0"/>
+                <a:cs typeface="Courier New" pitchFamily="49" charset="0"/>
+              </a:rPr>
+              <a:t>WordProb</a:t>
+            </a:r>
+            <a:r>
+              <a:rPr lang="en-US" sz="4400" dirty="0" smtClean="0">
+                <a:latin typeface="Courier New" pitchFamily="49" charset="0"/>
+                <a:cs typeface="Courier New" pitchFamily="49" charset="0"/>
+              </a:rPr>
+              <a:t>(</a:t>
+            </a:r>
+            <a:r>
+              <a:rPr lang="en-US" sz="4400" dirty="0" err="1" smtClean="0">
+                <a:latin typeface="Courier New" pitchFamily="49" charset="0"/>
+                <a:cs typeface="Courier New" pitchFamily="49" charset="0"/>
+              </a:rPr>
+              <a:t>w,&amp;empty_context</a:t>
+            </a:r>
+            <a:r>
+              <a:rPr lang="en-US" sz="4400" dirty="0" smtClean="0">
+                <a:latin typeface="Courier New" pitchFamily="49" charset="0"/>
+                <a:cs typeface="Courier New" pitchFamily="49" charset="0"/>
+              </a:rPr>
+              <a:t>)),a);</a:t>
+            </a:r>
+          </a:p>
+          <a:p>
+            <a:pPr>
+              <a:buNone/>
+            </a:pPr>
+            <a:r>
+              <a:rPr lang="en-US" sz="4400" dirty="0" smtClean="0">
+                <a:latin typeface="Courier New" pitchFamily="49" charset="0"/>
+                <a:cs typeface="Courier New" pitchFamily="49" charset="0"/>
+              </a:rPr>
+              <a:t>    } else {</a:t>
+            </a:r>
+          </a:p>
+          <a:p>
+            <a:pPr>
+              <a:buNone/>
+            </a:pPr>
+            <a:r>
+              <a:rPr lang="en-US" sz="4400" dirty="0" smtClean="0">
+                <a:latin typeface="Courier New" pitchFamily="49" charset="0"/>
+                <a:cs typeface="Courier New" pitchFamily="49" charset="0"/>
+              </a:rPr>
+              <a:t>      </a:t>
+            </a:r>
+            <a:r>
+              <a:rPr lang="en-US" sz="4400" dirty="0" err="1" smtClean="0">
+                <a:latin typeface="Courier New" pitchFamily="49" charset="0"/>
+                <a:cs typeface="Courier New" pitchFamily="49" charset="0"/>
+              </a:rPr>
+              <a:t>WordID</a:t>
+            </a:r>
+            <a:r>
+              <a:rPr lang="en-US" sz="4400" dirty="0" smtClean="0">
+                <a:latin typeface="Courier New" pitchFamily="49" charset="0"/>
+                <a:cs typeface="Courier New" pitchFamily="49" charset="0"/>
+              </a:rPr>
+              <a:t> </a:t>
+            </a:r>
+            <a:r>
+              <a:rPr lang="en-US" sz="4400" dirty="0" err="1" smtClean="0">
+                <a:latin typeface="Courier New" pitchFamily="49" charset="0"/>
+                <a:cs typeface="Courier New" pitchFamily="49" charset="0"/>
+              </a:rPr>
+              <a:t>ctx</a:t>
+            </a:r>
+            <a:r>
+              <a:rPr lang="en-US" sz="4400" dirty="0" smtClean="0">
+                <a:latin typeface="Courier New" pitchFamily="49" charset="0"/>
+                <a:cs typeface="Courier New" pitchFamily="49" charset="0"/>
+              </a:rPr>
+              <a:t>[</a:t>
+            </a:r>
+            <a:r>
+              <a:rPr lang="en-US" sz="4400" dirty="0" err="1" smtClean="0">
+                <a:latin typeface="Courier New" pitchFamily="49" charset="0"/>
+                <a:cs typeface="Courier New" pitchFamily="49" charset="0"/>
+              </a:rPr>
+              <a:t>ngram_order</a:t>
+            </a:r>
+            <a:r>
+              <a:rPr lang="en-US" sz="4400" dirty="0" smtClean="0">
+                <a:latin typeface="Courier New" pitchFamily="49" charset="0"/>
+                <a:cs typeface="Courier New" pitchFamily="49" charset="0"/>
+              </a:rPr>
+              <a:t>_];</a:t>
+            </a:r>
+          </a:p>
+          <a:p>
+            <a:pPr>
+              <a:buNone/>
+            </a:pPr>
+            <a:r>
+              <a:rPr lang="en-US" sz="4400" dirty="0" smtClean="0">
+                <a:latin typeface="Courier New" pitchFamily="49" charset="0"/>
+                <a:cs typeface="Courier New" pitchFamily="49" charset="0"/>
+              </a:rPr>
+              <a:t>      </a:t>
+            </a:r>
+            <a:r>
+              <a:rPr lang="en-US" sz="4400" dirty="0" err="1" smtClean="0">
+                <a:latin typeface="Courier New" pitchFamily="49" charset="0"/>
+                <a:cs typeface="Courier New" pitchFamily="49" charset="0"/>
+              </a:rPr>
+              <a:t>state_copy</a:t>
+            </a:r>
+            <a:r>
+              <a:rPr lang="en-US" sz="4400" dirty="0" smtClean="0">
+                <a:latin typeface="Courier New" pitchFamily="49" charset="0"/>
+                <a:cs typeface="Courier New" pitchFamily="49" charset="0"/>
+              </a:rPr>
+              <a:t>(</a:t>
+            </a:r>
+            <a:r>
+              <a:rPr lang="en-US" sz="4400" dirty="0" err="1" smtClean="0">
+                <a:latin typeface="Courier New" pitchFamily="49" charset="0"/>
+                <a:cs typeface="Courier New" pitchFamily="49" charset="0"/>
+              </a:rPr>
+              <a:t>ctx,old_st</a:t>
+            </a:r>
+            <a:r>
+              <a:rPr lang="en-US" sz="4400" dirty="0" smtClean="0">
+                <a:latin typeface="Courier New" pitchFamily="49" charset="0"/>
+                <a:cs typeface="Courier New" pitchFamily="49" charset="0"/>
+              </a:rPr>
+              <a:t>);</a:t>
+            </a:r>
+          </a:p>
+          <a:p>
+            <a:pPr>
+              <a:buNone/>
+            </a:pPr>
+            <a:r>
+              <a:rPr lang="en-US" sz="4400" dirty="0" smtClean="0">
+                <a:latin typeface="Courier New" pitchFamily="49" charset="0"/>
+                <a:cs typeface="Courier New" pitchFamily="49" charset="0"/>
+              </a:rPr>
+              <a:t>      </a:t>
+            </a:r>
+            <a:r>
+              <a:rPr lang="en-US" sz="4400" dirty="0" err="1" smtClean="0">
+                <a:latin typeface="Courier New" pitchFamily="49" charset="0"/>
+                <a:cs typeface="Courier New" pitchFamily="49" charset="0"/>
+              </a:rPr>
+              <a:t>ctx</a:t>
+            </a:r>
+            <a:r>
+              <a:rPr lang="en-US" sz="4400" dirty="0" smtClean="0">
+                <a:latin typeface="Courier New" pitchFamily="49" charset="0"/>
+                <a:cs typeface="Courier New" pitchFamily="49" charset="0"/>
+              </a:rPr>
+              <a:t>[</a:t>
+            </a:r>
+            <a:r>
+              <a:rPr lang="en-US" sz="4400" dirty="0" err="1" smtClean="0">
+                <a:latin typeface="Courier New" pitchFamily="49" charset="0"/>
+                <a:cs typeface="Courier New" pitchFamily="49" charset="0"/>
+              </a:rPr>
+              <a:t>ctxlen</a:t>
+            </a:r>
+            <a:r>
+              <a:rPr lang="en-US" sz="4400" dirty="0" smtClean="0">
+                <a:latin typeface="Courier New" pitchFamily="49" charset="0"/>
+                <a:cs typeface="Courier New" pitchFamily="49" charset="0"/>
+              </a:rPr>
+              <a:t>_]=TD::none;</a:t>
+            </a:r>
+          </a:p>
+          <a:p>
+            <a:pPr>
+              <a:buNone/>
+            </a:pPr>
+            <a:r>
+              <a:rPr lang="en-US" sz="4400" dirty="0" smtClean="0">
+                <a:latin typeface="Courier New" pitchFamily="49" charset="0"/>
+                <a:cs typeface="Courier New" pitchFamily="49" charset="0"/>
+              </a:rPr>
+              <a:t>      </a:t>
+            </a:r>
+            <a:r>
+              <a:rPr lang="en-US" sz="4400" dirty="0" err="1" smtClean="0">
+                <a:latin typeface="Courier New" pitchFamily="49" charset="0"/>
+                <a:cs typeface="Courier New" pitchFamily="49" charset="0"/>
+              </a:rPr>
+              <a:t>Featval</a:t>
+            </a:r>
+            <a:r>
+              <a:rPr lang="en-US" sz="4400" dirty="0" smtClean="0">
+                <a:latin typeface="Courier New" pitchFamily="49" charset="0"/>
+                <a:cs typeface="Courier New" pitchFamily="49" charset="0"/>
+              </a:rPr>
+              <a:t> p=floored(</a:t>
+            </a:r>
+            <a:r>
+              <a:rPr lang="en-US" sz="4400" dirty="0" err="1" smtClean="0">
+                <a:latin typeface="Courier New" pitchFamily="49" charset="0"/>
+                <a:cs typeface="Courier New" pitchFamily="49" charset="0"/>
+              </a:rPr>
+              <a:t>pimpl</a:t>
+            </a:r>
+            <a:r>
+              <a:rPr lang="en-US" sz="4400" dirty="0" smtClean="0">
+                <a:latin typeface="Courier New" pitchFamily="49" charset="0"/>
+                <a:cs typeface="Courier New" pitchFamily="49" charset="0"/>
+              </a:rPr>
+              <a:t>_-&gt;</a:t>
+            </a:r>
+            <a:r>
+              <a:rPr lang="en-US" sz="4400" dirty="0" err="1" smtClean="0">
+                <a:latin typeface="Courier New" pitchFamily="49" charset="0"/>
+                <a:cs typeface="Courier New" pitchFamily="49" charset="0"/>
+              </a:rPr>
+              <a:t>WordProb</a:t>
+            </a:r>
+            <a:r>
+              <a:rPr lang="en-US" sz="4400" dirty="0" smtClean="0">
+                <a:latin typeface="Courier New" pitchFamily="49" charset="0"/>
+                <a:cs typeface="Courier New" pitchFamily="49" charset="0"/>
+              </a:rPr>
+              <a:t>(</a:t>
+            </a:r>
+            <a:r>
+              <a:rPr lang="en-US" sz="4400" dirty="0" err="1" smtClean="0">
+                <a:latin typeface="Courier New" pitchFamily="49" charset="0"/>
+                <a:cs typeface="Courier New" pitchFamily="49" charset="0"/>
+              </a:rPr>
+              <a:t>w,ctx</a:t>
+            </a:r>
+            <a:r>
+              <a:rPr lang="en-US" sz="4400" dirty="0" smtClean="0">
+                <a:latin typeface="Courier New" pitchFamily="49" charset="0"/>
+                <a:cs typeface="Courier New" pitchFamily="49" charset="0"/>
+              </a:rPr>
+              <a:t>));      </a:t>
+            </a:r>
+          </a:p>
+          <a:p>
+            <a:pPr>
+              <a:buNone/>
+            </a:pPr>
+            <a:r>
+              <a:rPr lang="en-US" sz="4400" dirty="0" smtClean="0">
+                <a:latin typeface="Courier New" pitchFamily="49" charset="0"/>
+                <a:cs typeface="Courier New" pitchFamily="49" charset="0"/>
+              </a:rPr>
+              <a:t>	FSALMDBG(</a:t>
+            </a:r>
+            <a:r>
+              <a:rPr lang="en-US" sz="4400" dirty="0" err="1" smtClean="0">
+                <a:latin typeface="Courier New" pitchFamily="49" charset="0"/>
+                <a:cs typeface="Courier New" pitchFamily="49" charset="0"/>
+              </a:rPr>
+              <a:t>e,"p</a:t>
+            </a:r>
+            <a:r>
+              <a:rPr lang="en-US" sz="4400" dirty="0" smtClean="0">
+                <a:latin typeface="Courier New" pitchFamily="49" charset="0"/>
+                <a:cs typeface="Courier New" pitchFamily="49" charset="0"/>
+              </a:rPr>
+              <a:t>("&lt;&lt;TD::Convert(w)&lt;&lt;"|"&lt;&lt;TD::Convert(</a:t>
+            </a:r>
+            <a:r>
+              <a:rPr lang="en-US" sz="4400" dirty="0" err="1" smtClean="0">
+                <a:latin typeface="Courier New" pitchFamily="49" charset="0"/>
+                <a:cs typeface="Courier New" pitchFamily="49" charset="0"/>
+              </a:rPr>
+              <a:t>ctx,ctx+ctxlen</a:t>
+            </a:r>
+            <a:r>
+              <a:rPr lang="en-US" sz="4400" dirty="0" smtClean="0">
+                <a:latin typeface="Courier New" pitchFamily="49" charset="0"/>
+                <a:cs typeface="Courier New" pitchFamily="49" charset="0"/>
+              </a:rPr>
+              <a:t>_)&lt;&lt;")="&lt;&lt;p);</a:t>
+            </a:r>
+            <a:r>
+              <a:rPr lang="en-US" sz="4400" dirty="0" err="1" smtClean="0">
+                <a:latin typeface="Courier New" pitchFamily="49" charset="0"/>
+                <a:cs typeface="Courier New" pitchFamily="49" charset="0"/>
+              </a:rPr>
+              <a:t>FSALMDBGnl</a:t>
+            </a:r>
+            <a:r>
+              <a:rPr lang="en-US" sz="4400" dirty="0" smtClean="0">
+                <a:latin typeface="Courier New" pitchFamily="49" charset="0"/>
+                <a:cs typeface="Courier New" pitchFamily="49" charset="0"/>
+              </a:rPr>
+              <a:t>(e);</a:t>
+            </a:r>
+          </a:p>
+          <a:p>
+            <a:pPr>
+              <a:buNone/>
+            </a:pPr>
+            <a:r>
+              <a:rPr lang="en-US" sz="4400" dirty="0" smtClean="0">
+                <a:latin typeface="Courier New" pitchFamily="49" charset="0"/>
+                <a:cs typeface="Courier New" pitchFamily="49" charset="0"/>
+              </a:rPr>
+              <a:t>      // states are </a:t>
+            </a:r>
+            <a:r>
+              <a:rPr lang="en-US" sz="4400" dirty="0" err="1" smtClean="0">
+                <a:latin typeface="Courier New" pitchFamily="49" charset="0"/>
+                <a:cs typeface="Courier New" pitchFamily="49" charset="0"/>
+              </a:rPr>
+              <a:t>srilm</a:t>
+            </a:r>
+            <a:r>
+              <a:rPr lang="en-US" sz="4400" dirty="0" smtClean="0">
+                <a:latin typeface="Courier New" pitchFamily="49" charset="0"/>
+                <a:cs typeface="Courier New" pitchFamily="49" charset="0"/>
+              </a:rPr>
+              <a:t> contexts so are in reverse order (most recent word is first, then 1-back comes next, etc.).</a:t>
+            </a:r>
+          </a:p>
+          <a:p>
+            <a:pPr>
+              <a:buNone/>
+            </a:pPr>
+            <a:r>
+              <a:rPr lang="en-US" sz="4400" dirty="0" smtClean="0">
+                <a:latin typeface="Courier New" pitchFamily="49" charset="0"/>
+                <a:cs typeface="Courier New" pitchFamily="49" charset="0"/>
+              </a:rPr>
+              <a:t>      </a:t>
+            </a:r>
+            <a:r>
+              <a:rPr lang="en-US" sz="4400" dirty="0" err="1" smtClean="0">
+                <a:latin typeface="Courier New" pitchFamily="49" charset="0"/>
+                <a:cs typeface="Courier New" pitchFamily="49" charset="0"/>
+              </a:rPr>
+              <a:t>WordID</a:t>
+            </a:r>
+            <a:r>
+              <a:rPr lang="en-US" sz="4400" dirty="0" smtClean="0">
+                <a:latin typeface="Courier New" pitchFamily="49" charset="0"/>
+                <a:cs typeface="Courier New" pitchFamily="49" charset="0"/>
+              </a:rPr>
+              <a:t> *</a:t>
+            </a:r>
+            <a:r>
+              <a:rPr lang="en-US" sz="4400" dirty="0" err="1" smtClean="0">
+                <a:latin typeface="Courier New" pitchFamily="49" charset="0"/>
+                <a:cs typeface="Courier New" pitchFamily="49" charset="0"/>
+              </a:rPr>
+              <a:t>nst</a:t>
+            </a:r>
+            <a:r>
+              <a:rPr lang="en-US" sz="4400" dirty="0" smtClean="0">
+                <a:latin typeface="Courier New" pitchFamily="49" charset="0"/>
+                <a:cs typeface="Courier New" pitchFamily="49" charset="0"/>
+              </a:rPr>
+              <a:t>=(</a:t>
+            </a:r>
+            <a:r>
+              <a:rPr lang="en-US" sz="4400" dirty="0" err="1" smtClean="0">
+                <a:latin typeface="Courier New" pitchFamily="49" charset="0"/>
+                <a:cs typeface="Courier New" pitchFamily="49" charset="0"/>
+              </a:rPr>
+              <a:t>WordID</a:t>
+            </a:r>
+            <a:r>
+              <a:rPr lang="en-US" sz="4400" dirty="0" smtClean="0">
+                <a:latin typeface="Courier New" pitchFamily="49" charset="0"/>
+                <a:cs typeface="Courier New" pitchFamily="49" charset="0"/>
+              </a:rPr>
+              <a:t> *)</a:t>
+            </a:r>
+            <a:r>
+              <a:rPr lang="en-US" sz="4400" dirty="0" err="1" smtClean="0">
                 <a:latin typeface="Courier New" pitchFamily="49" charset="0"/>
                 <a:cs typeface="Courier New" pitchFamily="49" charset="0"/>
               </a:rPr>
@@ -5415,50 +5727,147 @@
             </a:r>
             <a:r>
               <a:rPr lang="en-US" sz="4400" dirty="0" smtClean="0">
-                <a:solidFill>
-                  <a:srgbClr val="FF0000"/>
-                </a:solidFill>
-                <a:latin typeface="Courier New" pitchFamily="49" charset="0"/>
-                <a:cs typeface="Courier New" pitchFamily="49" charset="0"/>
-              </a:rPr>
-              <a:t>, </a:t>
+                <a:latin typeface="Courier New" pitchFamily="49" charset="0"/>
+                <a:cs typeface="Courier New" pitchFamily="49" charset="0"/>
+              </a:rPr>
+              <a:t>;</a:t>
+            </a:r>
+          </a:p>
+          <a:p>
+            <a:pPr>
+              <a:buNone/>
+            </a:pPr>
+            <a:r>
+              <a:rPr lang="en-US" sz="4400" dirty="0" smtClean="0">
+                <a:latin typeface="Courier New" pitchFamily="49" charset="0"/>
+                <a:cs typeface="Courier New" pitchFamily="49" charset="0"/>
+              </a:rPr>
+              <a:t>      </a:t>
             </a:r>
             <a:r>
               <a:rPr lang="en-US" sz="4400" dirty="0" err="1" smtClean="0">
-                <a:solidFill>
-                  <a:srgbClr val="FF0000"/>
-                </a:solidFill>
-                <a:latin typeface="Courier New" pitchFamily="49" charset="0"/>
-                <a:cs typeface="Courier New" pitchFamily="49" charset="0"/>
-              </a:rPr>
-              <a:t>Accum</a:t>
+                <a:latin typeface="Courier New" pitchFamily="49" charset="0"/>
+                <a:cs typeface="Courier New" pitchFamily="49" charset="0"/>
+              </a:rPr>
+              <a:t>nst</a:t>
             </a:r>
             <a:r>
               <a:rPr lang="en-US" sz="4400" dirty="0" smtClean="0">
-                <a:solidFill>
-                  <a:srgbClr val="FF0000"/>
-                </a:solidFill>
-                <a:latin typeface="Courier New" pitchFamily="49" charset="0"/>
-                <a:cs typeface="Courier New" pitchFamily="49" charset="0"/>
-              </a:rPr>
-              <a:t> </a:t>
-            </a:r>
+                <a:latin typeface="Courier New" pitchFamily="49" charset="0"/>
+                <a:cs typeface="Courier New" pitchFamily="49" charset="0"/>
+              </a:rPr>
+              <a:t>[0]=w; // new most recent word</a:t>
+            </a:r>
+          </a:p>
+          <a:p>
+            <a:pPr>
+              <a:buNone/>
+            </a:pPr>
             <a:r>
               <a:rPr lang="en-US" sz="4400" dirty="0" smtClean="0">
-                <a:solidFill>
-                  <a:srgbClr val="FF0000"/>
-                </a:solidFill>
-                <a:latin typeface="Courier New" pitchFamily="49" charset="0"/>
-                <a:cs typeface="Courier New" pitchFamily="49" charset="0"/>
-              </a:rPr>
-              <a:t>*a</a:t>
+                <a:latin typeface="Courier New" pitchFamily="49" charset="0"/>
+                <a:cs typeface="Courier New" pitchFamily="49" charset="0"/>
+              </a:rPr>
+              <a:t>      </a:t>
+            </a:r>
+            <a:r>
+              <a:rPr lang="en-US" sz="4400" dirty="0" err="1" smtClean="0">
+                <a:latin typeface="Courier New" pitchFamily="49" charset="0"/>
+                <a:cs typeface="Courier New" pitchFamily="49" charset="0"/>
+              </a:rPr>
+              <a:t>to_state</a:t>
             </a:r>
             <a:r>
               <a:rPr lang="en-US" sz="4400" dirty="0" smtClean="0">
                 <a:latin typeface="Courier New" pitchFamily="49" charset="0"/>
                 <a:cs typeface="Courier New" pitchFamily="49" charset="0"/>
               </a:rPr>
-              <a:t>) const </a:t>
+              <a:t>(nst+1,ctx,ctxlen_-1); // rotate old words right</a:t>
+            </a:r>
+          </a:p>
+          <a:p>
+            <a:pPr>
+              <a:buNone/>
+            </a:pPr>
+            <a:r>
+              <a:rPr lang="en-US" sz="4400" dirty="0" smtClean="0">
+                <a:latin typeface="Courier New" pitchFamily="49" charset="0"/>
+                <a:cs typeface="Courier New" pitchFamily="49" charset="0"/>
+              </a:rPr>
+              <a:t>    #if LM_FSA_SHORTEN_CONTEXT</a:t>
+            </a:r>
+          </a:p>
+          <a:p>
+            <a:pPr>
+              <a:buNone/>
+            </a:pPr>
+            <a:r>
+              <a:rPr lang="en-US" sz="4400" dirty="0" smtClean="0">
+                <a:latin typeface="Courier New" pitchFamily="49" charset="0"/>
+                <a:cs typeface="Courier New" pitchFamily="49" charset="0"/>
+              </a:rPr>
+              <a:t>      p+=</a:t>
+            </a:r>
+            <a:r>
+              <a:rPr lang="en-US" sz="4400" dirty="0" err="1" smtClean="0">
+                <a:latin typeface="Courier New" pitchFamily="49" charset="0"/>
+                <a:cs typeface="Courier New" pitchFamily="49" charset="0"/>
+              </a:rPr>
+              <a:t>pimpl</a:t>
+            </a:r>
+            <a:r>
+              <a:rPr lang="en-US" sz="4400" dirty="0" smtClean="0">
+                <a:latin typeface="Courier New" pitchFamily="49" charset="0"/>
+                <a:cs typeface="Courier New" pitchFamily="49" charset="0"/>
+              </a:rPr>
+              <a:t>_-&gt;</a:t>
+            </a:r>
+            <a:r>
+              <a:rPr lang="en-US" sz="4400" dirty="0" err="1" smtClean="0">
+                <a:latin typeface="Courier New" pitchFamily="49" charset="0"/>
+                <a:cs typeface="Courier New" pitchFamily="49" charset="0"/>
+              </a:rPr>
+              <a:t>ShortenContext</a:t>
+            </a:r>
+            <a:r>
+              <a:rPr lang="en-US" sz="4400" dirty="0" smtClean="0">
+                <a:latin typeface="Courier New" pitchFamily="49" charset="0"/>
+                <a:cs typeface="Courier New" pitchFamily="49" charset="0"/>
+              </a:rPr>
+              <a:t>(</a:t>
+            </a:r>
+            <a:r>
+              <a:rPr lang="en-US" sz="4400" dirty="0" err="1" smtClean="0">
+                <a:latin typeface="Courier New" pitchFamily="49" charset="0"/>
+                <a:cs typeface="Courier New" pitchFamily="49" charset="0"/>
+              </a:rPr>
+              <a:t>nst,ctxlen</a:t>
+            </a:r>
+            <a:r>
+              <a:rPr lang="en-US" sz="4400" dirty="0" smtClean="0">
+                <a:latin typeface="Courier New" pitchFamily="49" charset="0"/>
+                <a:cs typeface="Courier New" pitchFamily="49" charset="0"/>
+              </a:rPr>
+              <a:t>_);</a:t>
+            </a:r>
+          </a:p>
+          <a:p>
+            <a:pPr>
+              <a:buNone/>
+            </a:pPr>
+            <a:r>
+              <a:rPr lang="en-US" sz="4400" dirty="0" smtClean="0">
+                <a:latin typeface="Courier New" pitchFamily="49" charset="0"/>
+                <a:cs typeface="Courier New" pitchFamily="49" charset="0"/>
+              </a:rPr>
+              <a:t>    #</a:t>
+            </a:r>
+            <a:r>
+              <a:rPr lang="en-US" sz="4400" dirty="0" err="1" smtClean="0">
+                <a:latin typeface="Courier New" pitchFamily="49" charset="0"/>
+                <a:cs typeface="Courier New" pitchFamily="49" charset="0"/>
+              </a:rPr>
+              <a:t>endif</a:t>
             </a:r>
             <a:endParaRPr lang="en-US" sz="4400" dirty="0" smtClean="0">
               <a:latin typeface="Courier New" pitchFamily="49" charset="0"/>
@@ -5474,12 +5883,22 @@
                 <a:latin typeface="Courier New" pitchFamily="49" charset="0"/>
                 <a:cs typeface="Courier New" pitchFamily="49" charset="0"/>
               </a:rPr>
-              <a:t>{</a:t>
-            </a:r>
-            <a:endParaRPr lang="en-US" sz="4400" dirty="0" smtClean="0">
-              <a:latin typeface="Courier New" pitchFamily="49" charset="0"/>
-              <a:cs typeface="Courier New" pitchFamily="49" charset="0"/>
-            </a:endParaRPr>
+              <a:t>      Add(</a:t>
+            </a:r>
+            <a:r>
+              <a:rPr lang="en-US" sz="4400" dirty="0" err="1" smtClean="0">
+                <a:latin typeface="Courier New" pitchFamily="49" charset="0"/>
+                <a:cs typeface="Courier New" pitchFamily="49" charset="0"/>
+              </a:rPr>
+              <a:t>p,a</a:t>
+            </a:r>
+            <a:r>
+              <a:rPr lang="en-US" sz="4400" dirty="0" smtClean="0">
+                <a:latin typeface="Courier New" pitchFamily="49" charset="0"/>
+                <a:cs typeface="Courier New" pitchFamily="49" charset="0"/>
+              </a:rPr>
+              <a:t>);</a:t>
+            </a:r>
           </a:p>
           <a:p>
             <a:pPr>
@@ -5490,670 +5909,26 @@
                 <a:latin typeface="Courier New" pitchFamily="49" charset="0"/>
                 <a:cs typeface="Courier New" pitchFamily="49" charset="0"/>
               </a:rPr>
-              <a:t>	if (!</a:t>
-            </a:r>
-            <a:r>
-              <a:rPr lang="en-US" sz="4400" dirty="0" err="1" smtClean="0">
-                <a:latin typeface="Courier New" pitchFamily="49" charset="0"/>
-                <a:cs typeface="Courier New" pitchFamily="49" charset="0"/>
-              </a:rPr>
-              <a:t>ctxlen</a:t>
-            </a:r>
+              <a:t>    }</a:t>
+            </a:r>
+          </a:p>
+          <a:p>
+            <a:pPr>
+              <a:buNone/>
+            </a:pPr>
             <a:r>
               <a:rPr lang="en-US" sz="4400" dirty="0" smtClean="0">
                 <a:latin typeface="Courier New" pitchFamily="49" charset="0"/>
                 <a:cs typeface="Courier New" pitchFamily="49" charset="0"/>
               </a:rPr>
-              <a:t>_) {</a:t>
-            </a:r>
-          </a:p>
-          <a:p>
-            <a:pPr>
+              <a:t>}</a:t>
+            </a:r>
+          </a:p>
+          <a:p>
+            <a:pPr indent="0">
               <a:buNone/>
             </a:pPr>
             <a:r>
-              <a:rPr lang="en-US" sz="4400" dirty="0" smtClean="0">
-                <a:latin typeface="Courier New" pitchFamily="49" charset="0"/>
-                <a:cs typeface="Courier New" pitchFamily="49" charset="0"/>
-              </a:rPr>
-              <a:t>      </a:t>
-            </a:r>
-            <a:r>
-              <a:rPr lang="en-US" sz="4400" dirty="0" smtClean="0">
-                <a:latin typeface="Courier New" pitchFamily="49" charset="0"/>
-                <a:cs typeface="Courier New" pitchFamily="49" charset="0"/>
-              </a:rPr>
-              <a:t>Add(floored(</a:t>
-            </a:r>
-            <a:r>
-              <a:rPr lang="en-US" sz="4400" dirty="0" err="1" smtClean="0">
-                <a:latin typeface="Courier New" pitchFamily="49" charset="0"/>
-                <a:cs typeface="Courier New" pitchFamily="49" charset="0"/>
-              </a:rPr>
-              <a:t>pimpl</a:t>
-            </a:r>
-            <a:r>
-              <a:rPr lang="en-US" sz="4400" dirty="0" smtClean="0">
-                <a:latin typeface="Courier New" pitchFamily="49" charset="0"/>
-                <a:cs typeface="Courier New" pitchFamily="49" charset="0"/>
-              </a:rPr>
-              <a:t>_-&gt;</a:t>
-            </a:r>
-            <a:r>
-              <a:rPr lang="en-US" sz="4400" dirty="0" err="1" smtClean="0">
-                <a:latin typeface="Courier New" pitchFamily="49" charset="0"/>
-                <a:cs typeface="Courier New" pitchFamily="49" charset="0"/>
-              </a:rPr>
-              <a:t>WordProb</a:t>
-            </a:r>
-            <a:r>
-              <a:rPr lang="en-US" sz="4400" dirty="0" smtClean="0">
-                <a:latin typeface="Courier New" pitchFamily="49" charset="0"/>
-                <a:cs typeface="Courier New" pitchFamily="49" charset="0"/>
-              </a:rPr>
-              <a:t>(</a:t>
-            </a:r>
-            <a:r>
-              <a:rPr lang="en-US" sz="4400" dirty="0" err="1" smtClean="0">
-                <a:latin typeface="Courier New" pitchFamily="49" charset="0"/>
-                <a:cs typeface="Courier New" pitchFamily="49" charset="0"/>
-              </a:rPr>
-              <a:t>w,&amp;empty_context</a:t>
-            </a:r>
-            <a:r>
-              <a:rPr lang="en-US" sz="4400" dirty="0" smtClean="0">
-                <a:latin typeface="Courier New" pitchFamily="49" charset="0"/>
-                <a:cs typeface="Courier New" pitchFamily="49" charset="0"/>
-              </a:rPr>
-              <a:t>)),a);</a:t>
-            </a:r>
-          </a:p>
-          <a:p>
-            <a:pPr>
-              <a:buNone/>
-            </a:pPr>
-            <a:r>
-              <a:rPr lang="en-US" sz="4400" dirty="0" smtClean="0">
-                <a:latin typeface="Courier New" pitchFamily="49" charset="0"/>
-                <a:cs typeface="Courier New" pitchFamily="49" charset="0"/>
-              </a:rPr>
-              <a:t>    } else {</a:t>
-            </a:r>
-          </a:p>
-          <a:p>
-            <a:pPr>
-              <a:buNone/>
-            </a:pPr>
-            <a:r>
-              <a:rPr lang="en-US" sz="4400" dirty="0" smtClean="0">
-                <a:latin typeface="Courier New" pitchFamily="49" charset="0"/>
-                <a:cs typeface="Courier New" pitchFamily="49" charset="0"/>
-              </a:rPr>
-              <a:t>      </a:t>
-            </a:r>
-            <a:r>
-              <a:rPr lang="en-US" sz="4400" dirty="0" err="1" smtClean="0">
-                <a:latin typeface="Courier New" pitchFamily="49" charset="0"/>
-                <a:cs typeface="Courier New" pitchFamily="49" charset="0"/>
-              </a:rPr>
-              <a:t>WordID</a:t>
-            </a:r>
-            <a:r>
-              <a:rPr lang="en-US" sz="4400" dirty="0" smtClean="0">
-                <a:latin typeface="Courier New" pitchFamily="49" charset="0"/>
-                <a:cs typeface="Courier New" pitchFamily="49" charset="0"/>
-              </a:rPr>
-              <a:t> </a:t>
-            </a:r>
-            <a:r>
-              <a:rPr lang="en-US" sz="4400" dirty="0" err="1" smtClean="0">
-                <a:latin typeface="Courier New" pitchFamily="49" charset="0"/>
-                <a:cs typeface="Courier New" pitchFamily="49" charset="0"/>
-              </a:rPr>
-              <a:t>ctx</a:t>
-            </a:r>
-            <a:r>
-              <a:rPr lang="en-US" sz="4400" dirty="0" smtClean="0">
-                <a:latin typeface="Courier New" pitchFamily="49" charset="0"/>
-                <a:cs typeface="Courier New" pitchFamily="49" charset="0"/>
-              </a:rPr>
-              <a:t>[</a:t>
-            </a:r>
-            <a:r>
-              <a:rPr lang="en-US" sz="4400" dirty="0" err="1" smtClean="0">
-                <a:latin typeface="Courier New" pitchFamily="49" charset="0"/>
-                <a:cs typeface="Courier New" pitchFamily="49" charset="0"/>
-              </a:rPr>
-              <a:t>ngram_order</a:t>
-            </a:r>
-            <a:r>
-              <a:rPr lang="en-US" sz="4400" dirty="0" smtClean="0">
-                <a:latin typeface="Courier New" pitchFamily="49" charset="0"/>
-                <a:cs typeface="Courier New" pitchFamily="49" charset="0"/>
-              </a:rPr>
-              <a:t>_];</a:t>
-            </a:r>
-          </a:p>
-          <a:p>
-            <a:pPr>
-              <a:buNone/>
-            </a:pPr>
-            <a:r>
-              <a:rPr lang="en-US" sz="4400" dirty="0" smtClean="0">
-                <a:latin typeface="Courier New" pitchFamily="49" charset="0"/>
-                <a:cs typeface="Courier New" pitchFamily="49" charset="0"/>
-              </a:rPr>
-              <a:t>      </a:t>
-            </a:r>
-            <a:r>
-              <a:rPr lang="en-US" sz="4400" dirty="0" err="1" smtClean="0">
-                <a:latin typeface="Courier New" pitchFamily="49" charset="0"/>
-                <a:cs typeface="Courier New" pitchFamily="49" charset="0"/>
-              </a:rPr>
-              <a:t>state_copy</a:t>
-            </a:r>
-            <a:r>
-              <a:rPr lang="en-US" sz="4400" dirty="0" smtClean="0">
-                <a:latin typeface="Courier New" pitchFamily="49" charset="0"/>
-                <a:cs typeface="Courier New" pitchFamily="49" charset="0"/>
-              </a:rPr>
-              <a:t>(</a:t>
-            </a:r>
-            <a:r>
-              <a:rPr lang="en-US" sz="4400" dirty="0" err="1" smtClean="0">
-                <a:latin typeface="Courier New" pitchFamily="49" charset="0"/>
-                <a:cs typeface="Courier New" pitchFamily="49" charset="0"/>
-              </a:rPr>
-              <a:t>ctx,old_st</a:t>
-            </a:r>
-            <a:r>
-              <a:rPr lang="en-US" sz="4400" dirty="0" smtClean="0">
-                <a:latin typeface="Courier New" pitchFamily="49" charset="0"/>
-                <a:cs typeface="Courier New" pitchFamily="49" charset="0"/>
-              </a:rPr>
-              <a:t>);</a:t>
-            </a:r>
-          </a:p>
-          <a:p>
-            <a:pPr>
-              <a:buNone/>
-            </a:pPr>
-            <a:r>
-              <a:rPr lang="en-US" sz="4400" dirty="0" smtClean="0">
-                <a:latin typeface="Courier New" pitchFamily="49" charset="0"/>
-                <a:cs typeface="Courier New" pitchFamily="49" charset="0"/>
-              </a:rPr>
-              <a:t>      </a:t>
-            </a:r>
-            <a:r>
-              <a:rPr lang="en-US" sz="4400" dirty="0" err="1" smtClean="0">
-                <a:latin typeface="Courier New" pitchFamily="49" charset="0"/>
-                <a:cs typeface="Courier New" pitchFamily="49" charset="0"/>
-              </a:rPr>
-              <a:t>ctx</a:t>
-            </a:r>
-            <a:r>
-              <a:rPr lang="en-US" sz="4400" dirty="0" smtClean="0">
-                <a:latin typeface="Courier New" pitchFamily="49" charset="0"/>
-                <a:cs typeface="Courier New" pitchFamily="49" charset="0"/>
-              </a:rPr>
-              <a:t>[</a:t>
-            </a:r>
-            <a:r>
-              <a:rPr lang="en-US" sz="4400" dirty="0" err="1" smtClean="0">
-                <a:latin typeface="Courier New" pitchFamily="49" charset="0"/>
-                <a:cs typeface="Courier New" pitchFamily="49" charset="0"/>
-              </a:rPr>
-              <a:t>ctxlen</a:t>
-            </a:r>
-            <a:r>
-              <a:rPr lang="en-US" sz="4400" dirty="0" smtClean="0">
-                <a:latin typeface="Courier New" pitchFamily="49" charset="0"/>
-                <a:cs typeface="Courier New" pitchFamily="49" charset="0"/>
-              </a:rPr>
-              <a:t>_]=TD::none;</a:t>
-            </a:r>
-          </a:p>
-          <a:p>
-            <a:pPr>
-              <a:buNone/>
-            </a:pPr>
-            <a:r>
-              <a:rPr lang="en-US" sz="4400" dirty="0" smtClean="0">
-                <a:latin typeface="Courier New" pitchFamily="49" charset="0"/>
-                <a:cs typeface="Courier New" pitchFamily="49" charset="0"/>
-              </a:rPr>
-              <a:t>      </a:t>
-            </a:r>
-            <a:r>
-              <a:rPr lang="en-US" sz="4400" dirty="0" err="1" smtClean="0">
-                <a:latin typeface="Courier New" pitchFamily="49" charset="0"/>
-                <a:cs typeface="Courier New" pitchFamily="49" charset="0"/>
-              </a:rPr>
-              <a:t>Featval</a:t>
-            </a:r>
-            <a:r>
-              <a:rPr lang="en-US" sz="4400" dirty="0" smtClean="0">
-                <a:latin typeface="Courier New" pitchFamily="49" charset="0"/>
-                <a:cs typeface="Courier New" pitchFamily="49" charset="0"/>
-              </a:rPr>
-              <a:t> p=floored(</a:t>
-            </a:r>
-            <a:r>
-              <a:rPr lang="en-US" sz="4400" dirty="0" err="1" smtClean="0">
-                <a:latin typeface="Courier New" pitchFamily="49" charset="0"/>
-                <a:cs typeface="Courier New" pitchFamily="49" charset="0"/>
-              </a:rPr>
-              <a:t>pimpl</a:t>
-            </a:r>
-            <a:r>
-              <a:rPr lang="en-US" sz="4400" dirty="0" smtClean="0">
-                <a:latin typeface="Courier New" pitchFamily="49" charset="0"/>
-                <a:cs typeface="Courier New" pitchFamily="49" charset="0"/>
-              </a:rPr>
-              <a:t>_-&gt;</a:t>
-            </a:r>
-            <a:r>
-              <a:rPr lang="en-US" sz="4400" dirty="0" err="1" smtClean="0">
-                <a:latin typeface="Courier New" pitchFamily="49" charset="0"/>
-                <a:cs typeface="Courier New" pitchFamily="49" charset="0"/>
-              </a:rPr>
-              <a:t>WordProb</a:t>
-            </a:r>
-            <a:r>
-              <a:rPr lang="en-US" sz="4400" dirty="0" smtClean="0">
-                <a:latin typeface="Courier New" pitchFamily="49" charset="0"/>
-                <a:cs typeface="Courier New" pitchFamily="49" charset="0"/>
-              </a:rPr>
-              <a:t>(</a:t>
-            </a:r>
-            <a:r>
-              <a:rPr lang="en-US" sz="4400" dirty="0" err="1" smtClean="0">
-                <a:latin typeface="Courier New" pitchFamily="49" charset="0"/>
-                <a:cs typeface="Courier New" pitchFamily="49" charset="0"/>
-              </a:rPr>
-              <a:t>w,ctx</a:t>
-            </a:r>
-            <a:r>
-              <a:rPr lang="en-US" sz="4400" dirty="0" smtClean="0">
-                <a:latin typeface="Courier New" pitchFamily="49" charset="0"/>
-                <a:cs typeface="Courier New" pitchFamily="49" charset="0"/>
-              </a:rPr>
-              <a:t>));      </a:t>
-            </a:r>
-          </a:p>
-          <a:p>
-            <a:pPr>
-              <a:buNone/>
-            </a:pPr>
-            <a:r>
-              <a:rPr lang="en-US" sz="4400" dirty="0" smtClean="0">
-                <a:latin typeface="Courier New" pitchFamily="49" charset="0"/>
-                <a:cs typeface="Courier New" pitchFamily="49" charset="0"/>
-              </a:rPr>
-              <a:t>	FSALMDBG(</a:t>
-            </a:r>
-            <a:r>
-              <a:rPr lang="en-US" sz="4400" dirty="0" err="1" smtClean="0">
-                <a:latin typeface="Courier New" pitchFamily="49" charset="0"/>
-                <a:cs typeface="Courier New" pitchFamily="49" charset="0"/>
-              </a:rPr>
-              <a:t>e</a:t>
-            </a:r>
-            <a:r>
-              <a:rPr lang="en-US" sz="4400" dirty="0" err="1" smtClean="0">
-                <a:latin typeface="Courier New" pitchFamily="49" charset="0"/>
-                <a:cs typeface="Courier New" pitchFamily="49" charset="0"/>
-              </a:rPr>
-              <a:t>,"p</a:t>
-            </a:r>
-            <a:r>
-              <a:rPr lang="en-US" sz="4400" dirty="0" smtClean="0">
-                <a:latin typeface="Courier New" pitchFamily="49" charset="0"/>
-                <a:cs typeface="Courier New" pitchFamily="49" charset="0"/>
-              </a:rPr>
-              <a:t>("&lt;&lt;TD::Convert(w)&lt;&lt;"|"&lt;&lt;TD::Convert(</a:t>
-            </a:r>
-            <a:r>
-              <a:rPr lang="en-US" sz="4400" dirty="0" err="1" smtClean="0">
-                <a:latin typeface="Courier New" pitchFamily="49" charset="0"/>
-                <a:cs typeface="Courier New" pitchFamily="49" charset="0"/>
-              </a:rPr>
-              <a:t>ctx,ctx+ctxlen</a:t>
-            </a:r>
-            <a:r>
-              <a:rPr lang="en-US" sz="4400" dirty="0" smtClean="0">
-                <a:latin typeface="Courier New" pitchFamily="49" charset="0"/>
-                <a:cs typeface="Courier New" pitchFamily="49" charset="0"/>
-              </a:rPr>
-              <a:t>_)&lt;&lt;")="&lt;&lt;p);</a:t>
-            </a:r>
-            <a:r>
-              <a:rPr lang="en-US" sz="4400" dirty="0" err="1" smtClean="0">
-                <a:latin typeface="Courier New" pitchFamily="49" charset="0"/>
-                <a:cs typeface="Courier New" pitchFamily="49" charset="0"/>
-              </a:rPr>
-              <a:t>FSALMDBGnl</a:t>
-            </a:r>
-            <a:r>
-              <a:rPr lang="en-US" sz="4400" dirty="0" smtClean="0">
-                <a:latin typeface="Courier New" pitchFamily="49" charset="0"/>
-                <a:cs typeface="Courier New" pitchFamily="49" charset="0"/>
-              </a:rPr>
-              <a:t>(e</a:t>
-            </a:r>
-            <a:r>
-              <a:rPr lang="en-US" sz="4400" dirty="0" smtClean="0">
-                <a:latin typeface="Courier New" pitchFamily="49" charset="0"/>
-                <a:cs typeface="Courier New" pitchFamily="49" charset="0"/>
-              </a:rPr>
-              <a:t>);</a:t>
-            </a:r>
-          </a:p>
-          <a:p>
-            <a:pPr>
-              <a:buNone/>
-            </a:pPr>
-            <a:r>
-              <a:rPr lang="en-US" sz="4400" dirty="0" smtClean="0">
-                <a:latin typeface="Courier New" pitchFamily="49" charset="0"/>
-                <a:cs typeface="Courier New" pitchFamily="49" charset="0"/>
-              </a:rPr>
-              <a:t>      // states are </a:t>
-            </a:r>
-            <a:r>
-              <a:rPr lang="en-US" sz="4400" dirty="0" err="1" smtClean="0">
-                <a:latin typeface="Courier New" pitchFamily="49" charset="0"/>
-                <a:cs typeface="Courier New" pitchFamily="49" charset="0"/>
-              </a:rPr>
-              <a:t>srilm</a:t>
-            </a:r>
-            <a:r>
-              <a:rPr lang="en-US" sz="4400" dirty="0" smtClean="0">
-                <a:latin typeface="Courier New" pitchFamily="49" charset="0"/>
-                <a:cs typeface="Courier New" pitchFamily="49" charset="0"/>
-              </a:rPr>
-              <a:t> </a:t>
-            </a:r>
-            <a:r>
-              <a:rPr lang="en-US" sz="4400" dirty="0" smtClean="0">
-                <a:latin typeface="Courier New" pitchFamily="49" charset="0"/>
-                <a:cs typeface="Courier New" pitchFamily="49" charset="0"/>
-              </a:rPr>
-              <a:t>contexts so are in reverse order (most recent word is first, then 1-back comes next, etc.).</a:t>
-            </a:r>
-          </a:p>
-          <a:p>
-            <a:pPr>
-              <a:buNone/>
-            </a:pPr>
-            <a:r>
-              <a:rPr lang="en-US" sz="4400" dirty="0" smtClean="0">
-                <a:latin typeface="Courier New" pitchFamily="49" charset="0"/>
-                <a:cs typeface="Courier New" pitchFamily="49" charset="0"/>
-              </a:rPr>
-              <a:t>      </a:t>
-            </a:r>
-            <a:r>
-              <a:rPr lang="en-US" sz="4400" dirty="0" err="1" smtClean="0">
-                <a:latin typeface="Courier New" pitchFamily="49" charset="0"/>
-                <a:cs typeface="Courier New" pitchFamily="49" charset="0"/>
-              </a:rPr>
-              <a:t>WordID</a:t>
-            </a:r>
-            <a:r>
-              <a:rPr lang="en-US" sz="4400" dirty="0" smtClean="0">
-                <a:latin typeface="Courier New" pitchFamily="49" charset="0"/>
-                <a:cs typeface="Courier New" pitchFamily="49" charset="0"/>
-              </a:rPr>
-              <a:t> *</a:t>
-            </a:r>
-            <a:r>
-              <a:rPr lang="en-US" sz="4400" dirty="0" err="1" smtClean="0">
-                <a:latin typeface="Courier New" pitchFamily="49" charset="0"/>
-                <a:cs typeface="Courier New" pitchFamily="49" charset="0"/>
-              </a:rPr>
-              <a:t>nst</a:t>
-            </a:r>
-            <a:r>
-              <a:rPr lang="en-US" sz="4400" dirty="0" smtClean="0">
-                <a:latin typeface="Courier New" pitchFamily="49" charset="0"/>
-                <a:cs typeface="Courier New" pitchFamily="49" charset="0"/>
-              </a:rPr>
-              <a:t>=(</a:t>
-            </a:r>
-            <a:r>
-              <a:rPr lang="en-US" sz="4400" dirty="0" err="1" smtClean="0">
-                <a:latin typeface="Courier New" pitchFamily="49" charset="0"/>
-                <a:cs typeface="Courier New" pitchFamily="49" charset="0"/>
-              </a:rPr>
-              <a:t>WordID</a:t>
-            </a:r>
-            <a:r>
-              <a:rPr lang="en-US" sz="4400" dirty="0" smtClean="0">
-                <a:latin typeface="Courier New" pitchFamily="49" charset="0"/>
-                <a:cs typeface="Courier New" pitchFamily="49" charset="0"/>
-              </a:rPr>
-              <a:t> *)</a:t>
-            </a:r>
-            <a:r>
-              <a:rPr lang="en-US" sz="4400" dirty="0" err="1" smtClean="0">
-                <a:latin typeface="Courier New" pitchFamily="49" charset="0"/>
-                <a:cs typeface="Courier New" pitchFamily="49" charset="0"/>
-              </a:rPr>
-              <a:t>new_st</a:t>
-            </a:r>
-            <a:r>
-              <a:rPr lang="en-US" sz="4400" dirty="0" smtClean="0">
-                <a:latin typeface="Courier New" pitchFamily="49" charset="0"/>
-                <a:cs typeface="Courier New" pitchFamily="49" charset="0"/>
-              </a:rPr>
-              <a:t>;</a:t>
-            </a:r>
-          </a:p>
-          <a:p>
-            <a:pPr>
-              <a:buNone/>
-            </a:pPr>
-            <a:r>
-              <a:rPr lang="en-US" sz="4400" dirty="0" smtClean="0">
-                <a:latin typeface="Courier New" pitchFamily="49" charset="0"/>
-                <a:cs typeface="Courier New" pitchFamily="49" charset="0"/>
-              </a:rPr>
-              <a:t>      </a:t>
-            </a:r>
-            <a:r>
-              <a:rPr lang="en-US" sz="4400" dirty="0" err="1" smtClean="0">
-                <a:latin typeface="Courier New" pitchFamily="49" charset="0"/>
-                <a:cs typeface="Courier New" pitchFamily="49" charset="0"/>
-              </a:rPr>
-              <a:t>nst</a:t>
-            </a:r>
-            <a:r>
-              <a:rPr lang="en-US" sz="4400" dirty="0" smtClean="0">
-                <a:latin typeface="Courier New" pitchFamily="49" charset="0"/>
-                <a:cs typeface="Courier New" pitchFamily="49" charset="0"/>
-              </a:rPr>
-              <a:t>[0]=w; // new most recent word</a:t>
-            </a:r>
-          </a:p>
-          <a:p>
-            <a:pPr>
-              <a:buNone/>
-            </a:pPr>
-            <a:r>
-              <a:rPr lang="en-US" sz="4400" dirty="0" smtClean="0">
-                <a:latin typeface="Courier New" pitchFamily="49" charset="0"/>
-                <a:cs typeface="Courier New" pitchFamily="49" charset="0"/>
-              </a:rPr>
-              <a:t>      </a:t>
-            </a:r>
-            <a:r>
-              <a:rPr lang="en-US" sz="4400" dirty="0" err="1" smtClean="0">
-                <a:latin typeface="Courier New" pitchFamily="49" charset="0"/>
-                <a:cs typeface="Courier New" pitchFamily="49" charset="0"/>
-              </a:rPr>
-              <a:t>to_state</a:t>
-            </a:r>
-            <a:r>
-              <a:rPr lang="en-US" sz="4400" dirty="0" smtClean="0">
-                <a:latin typeface="Courier New" pitchFamily="49" charset="0"/>
-                <a:cs typeface="Courier New" pitchFamily="49" charset="0"/>
-              </a:rPr>
-              <a:t>(nst+1,ctx,ctxlen_-1); // rotate old words right</a:t>
-            </a:r>
-          </a:p>
-          <a:p>
-            <a:pPr>
-              <a:buNone/>
-            </a:pPr>
-            <a:r>
-              <a:rPr lang="en-US" sz="4400" dirty="0" smtClean="0">
-                <a:latin typeface="Courier New" pitchFamily="49" charset="0"/>
-                <a:cs typeface="Courier New" pitchFamily="49" charset="0"/>
-              </a:rPr>
-              <a:t>    #</a:t>
-            </a:r>
-            <a:r>
-              <a:rPr lang="en-US" sz="4400" dirty="0" smtClean="0">
-                <a:latin typeface="Courier New" pitchFamily="49" charset="0"/>
-                <a:cs typeface="Courier New" pitchFamily="49" charset="0"/>
-              </a:rPr>
-              <a:t>if LM_FSA_SHORTEN_CONTEXT</a:t>
-            </a:r>
-          </a:p>
-          <a:p>
-            <a:pPr>
-              <a:buNone/>
-            </a:pPr>
-            <a:r>
-              <a:rPr lang="en-US" sz="4400" dirty="0" smtClean="0">
-                <a:latin typeface="Courier New" pitchFamily="49" charset="0"/>
-                <a:cs typeface="Courier New" pitchFamily="49" charset="0"/>
-              </a:rPr>
-              <a:t>      p+=</a:t>
-            </a:r>
-            <a:r>
-              <a:rPr lang="en-US" sz="4400" dirty="0" err="1" smtClean="0">
-                <a:latin typeface="Courier New" pitchFamily="49" charset="0"/>
-                <a:cs typeface="Courier New" pitchFamily="49" charset="0"/>
-              </a:rPr>
-              <a:t>pimpl</a:t>
-            </a:r>
-            <a:r>
-              <a:rPr lang="en-US" sz="4400" dirty="0" smtClean="0">
-                <a:latin typeface="Courier New" pitchFamily="49" charset="0"/>
-                <a:cs typeface="Courier New" pitchFamily="49" charset="0"/>
-              </a:rPr>
-              <a:t>_-&gt;</a:t>
-            </a:r>
-            <a:r>
-              <a:rPr lang="en-US" sz="4400" dirty="0" err="1" smtClean="0">
-                <a:latin typeface="Courier New" pitchFamily="49" charset="0"/>
-                <a:cs typeface="Courier New" pitchFamily="49" charset="0"/>
-              </a:rPr>
-              <a:t>ShortenContext</a:t>
-            </a:r>
-            <a:r>
-              <a:rPr lang="en-US" sz="4400" dirty="0" smtClean="0">
-                <a:latin typeface="Courier New" pitchFamily="49" charset="0"/>
-                <a:cs typeface="Courier New" pitchFamily="49" charset="0"/>
-              </a:rPr>
-              <a:t>(</a:t>
-            </a:r>
-            <a:r>
-              <a:rPr lang="en-US" sz="4400" dirty="0" err="1" smtClean="0">
-                <a:latin typeface="Courier New" pitchFamily="49" charset="0"/>
-                <a:cs typeface="Courier New" pitchFamily="49" charset="0"/>
-              </a:rPr>
-              <a:t>nst,ctxlen</a:t>
-            </a:r>
-            <a:r>
-              <a:rPr lang="en-US" sz="4400" dirty="0" smtClean="0">
-                <a:latin typeface="Courier New" pitchFamily="49" charset="0"/>
-                <a:cs typeface="Courier New" pitchFamily="49" charset="0"/>
-              </a:rPr>
-              <a:t>_);</a:t>
-            </a:r>
-          </a:p>
-          <a:p>
-            <a:pPr>
-              <a:buNone/>
-            </a:pPr>
-            <a:r>
-              <a:rPr lang="en-US" sz="4400" dirty="0" smtClean="0">
-                <a:latin typeface="Courier New" pitchFamily="49" charset="0"/>
-                <a:cs typeface="Courier New" pitchFamily="49" charset="0"/>
-              </a:rPr>
-              <a:t>    #</a:t>
-            </a:r>
-            <a:r>
-              <a:rPr lang="en-US" sz="4400" dirty="0" err="1" smtClean="0">
-                <a:latin typeface="Courier New" pitchFamily="49" charset="0"/>
-                <a:cs typeface="Courier New" pitchFamily="49" charset="0"/>
-              </a:rPr>
-              <a:t>endif</a:t>
-            </a:r>
-            <a:endParaRPr lang="en-US" sz="4400" dirty="0" smtClean="0">
-              <a:latin typeface="Courier New" pitchFamily="49" charset="0"/>
-              <a:cs typeface="Courier New" pitchFamily="49" charset="0"/>
-            </a:endParaRPr>
-          </a:p>
-          <a:p>
-            <a:pPr>
-              <a:buNone/>
-            </a:pPr>
-            <a:r>
-              <a:rPr lang="en-US" sz="4400" dirty="0" smtClean="0">
-                <a:latin typeface="Courier New" pitchFamily="49" charset="0"/>
-                <a:cs typeface="Courier New" pitchFamily="49" charset="0"/>
-              </a:rPr>
-              <a:t>      Add(</a:t>
-            </a:r>
-            <a:r>
-              <a:rPr lang="en-US" sz="4400" dirty="0" err="1" smtClean="0">
-                <a:latin typeface="Courier New" pitchFamily="49" charset="0"/>
-                <a:cs typeface="Courier New" pitchFamily="49" charset="0"/>
-              </a:rPr>
-              <a:t>p,a</a:t>
-            </a:r>
-            <a:r>
-              <a:rPr lang="en-US" sz="4400" dirty="0" smtClean="0">
-                <a:latin typeface="Courier New" pitchFamily="49" charset="0"/>
-                <a:cs typeface="Courier New" pitchFamily="49" charset="0"/>
-              </a:rPr>
-              <a:t>);</a:t>
-            </a:r>
-          </a:p>
-          <a:p>
-            <a:pPr>
-              <a:buNone/>
-            </a:pPr>
-            <a:r>
-              <a:rPr lang="en-US" sz="4400" dirty="0" smtClean="0">
-                <a:latin typeface="Courier New" pitchFamily="49" charset="0"/>
-                <a:cs typeface="Courier New" pitchFamily="49" charset="0"/>
-              </a:rPr>
-              <a:t>    }</a:t>
-            </a:r>
-          </a:p>
-          <a:p>
-            <a:pPr>
-              <a:buNone/>
-            </a:pPr>
-            <a:r>
-              <a:rPr lang="en-US" sz="4400" dirty="0" smtClean="0">
-                <a:latin typeface="Courier New" pitchFamily="49" charset="0"/>
-                <a:cs typeface="Courier New" pitchFamily="49" charset="0"/>
-              </a:rPr>
-              <a:t>}</a:t>
-            </a:r>
-          </a:p>
-          <a:p>
-            <a:pPr indent="0">
-              <a:buNone/>
-            </a:pPr>
-            <a:r>
               <a:rPr lang="en-US" sz="7200" dirty="0" err="1" smtClean="0">
                 <a:cs typeface="Courier New" pitchFamily="49" charset="0"/>
               </a:rPr>
@@ -6163,19 +5938,7 @@
               <a:rPr lang="en-US" sz="7200" dirty="0" smtClean="0">
                 <a:cs typeface="Courier New" pitchFamily="49" charset="0"/>
               </a:rPr>
-              <a:t> </a:t>
-            </a:r>
-            <a:r>
-              <a:rPr lang="en-US" sz="7200" dirty="0" smtClean="0">
-                <a:cs typeface="Courier New" pitchFamily="49" charset="0"/>
-              </a:rPr>
-              <a:t>is a template so you can equally support feature vectors as a single features. </a:t>
-            </a:r>
-            <a:r>
-              <a:rPr lang="en-US" sz="7200" dirty="0" smtClean="0">
-                <a:cs typeface="Courier New" pitchFamily="49" charset="0"/>
-              </a:rPr>
-              <a:t>You can implement: scan a whole sequence of words at once, possibly exceeding declared </a:t>
+              <a:t> is a template so you can equally support feature vectors as a single features. You can implement: scan a whole sequence of words at once, possibly exceeding declared </a:t>
             </a:r>
             <a:r>
               <a:rPr lang="en-US" sz="7200" dirty="0" err="1" smtClean="0">
@@ -6258,35 +6021,19 @@
         <p:spPr/>
         <p:txBody>
           <a:bodyPr>
-            <a:normAutofit lnSpcReduction="10000"/>
+            <a:normAutofit/>
           </a:bodyPr>
           <a:lstStyle/>
           <a:p>
             <a:r>
               <a:rPr lang="en-US" dirty="0" smtClean="0"/>
-              <a:t>MERT picks optimal corpus-BLEU weights given an origin and a search direction (when decoding with pruning, this is approximate; </a:t>
-            </a:r>
-            <a:r>
-              <a:rPr lang="en-US" dirty="0" err="1" smtClean="0"/>
-              <a:t>redecode</a:t>
-            </a:r>
+              <a:t>MERT over forests picks optimal corpus-BLEU weights given a starting point and a search direction (if the forests are pruned, periodic retranslating and merging is necessary)</a:t>
+            </a:r>
+          </a:p>
+          <a:p>
             <a:r>
               <a:rPr lang="en-US" dirty="0" smtClean="0"/>
-              <a:t> and merge forests or </a:t>
-            </a:r>
-            <a:r>
-              <a:rPr lang="en-US" dirty="0" err="1" smtClean="0"/>
-              <a:t>kbest</a:t>
-            </a:r>
-            <a:r>
-              <a:rPr lang="en-US" dirty="0" smtClean="0"/>
-              <a:t> lists until converged)</a:t>
-            </a:r>
-          </a:p>
-          <a:p>
-            <a:r>
-              <a:rPr lang="en-US" dirty="0" smtClean="0"/>
-              <a:t>When you have many features, there are many directions.  Usually: orthogonal (vary only one feature) and a handful of random.</a:t>
+              <a:t>With many features, you need to try many directions.  Usually: orthogonal (vary only one feature) and a handful of random.</a:t>
             </a:r>
           </a:p>
           <a:p>
@@ -6360,13 +6107,13 @@
         <p:spPr/>
         <p:txBody>
           <a:bodyPr>
-            <a:normAutofit fontScale="92500" lnSpcReduction="20000"/>
+            <a:normAutofit fontScale="70000" lnSpcReduction="20000"/>
           </a:bodyPr>
           <a:lstStyle/>
           <a:p>
             <a:r>
               <a:rPr lang="en-US" dirty="0" smtClean="0"/>
-              <a:t>Use per-sentence BLEU (anti-)</a:t>
+              <a:t>Use per-sentence best (anti-)</a:t>
             </a:r>
             <a:r>
               <a:rPr lang="en-US" dirty="0" err="1" smtClean="0"/>
@@ -6374,7 +6121,7 @@
             </a:r>
             <a:r>
               <a:rPr lang="en-US" dirty="0" smtClean="0"/>
-              <a:t> score 1best (like MIRA </a:t>
+              <a:t> score translation (like MIRA </a:t>
             </a:r>
             <a:r>
               <a:rPr lang="en-US" dirty="0" err="1" smtClean="0"/>
@@ -6384,53 +6131,32 @@
               <a:rPr lang="en-US" dirty="0" smtClean="0"/>
               <a:t>).</a:t>
             </a:r>
+          </a:p>
+          <a:p>
+            <a:r>
+              <a:rPr lang="en-US" dirty="0" smtClean="0"/>
+              <a:t>The weight vector that gives the maximum separation between a bad translation and a good translation is just (good features-bad features</a:t>
+            </a:r>
+            <a:r>
+              <a:rPr lang="en-US" dirty="0" smtClean="0"/>
+              <a:t>).  Displacing the current weight vector by that will increase the separation.</a:t>
+            </a:r>
             <a:endParaRPr lang="en-US" dirty="0" smtClean="0"/>
           </a:p>
           <a:p>
             <a:r>
               <a:rPr lang="en-US" dirty="0" smtClean="0"/>
-              <a:t>Both model-&gt;hope and fear-&gt;hope directions seem </a:t>
+              <a:t>Both </a:t>
             </a:r>
             <a:r>
               <a:rPr lang="en-US" dirty="0" smtClean="0"/>
-              <a:t>reasonable</a:t>
-            </a:r>
+              <a:t>model-&gt;hope and fear-&gt;hope directions seem reasonable (the direction is just the difference in the 1-best feature vectors).  We try both (generally we try many directions and make a greedy choice for the best BLEU).</a:t>
+            </a:r>
+          </a:p>
+          <a:p>
             <a:r>
               <a:rPr lang="en-US" dirty="0" smtClean="0"/>
-              <a:t> </a:t>
-            </a:r>
-            <a:r>
-              <a:rPr lang="en-US" dirty="0" smtClean="0"/>
-              <a:t>(the direction </a:t>
-            </a:r>
-            <a:r>
-              <a:rPr lang="en-US" dirty="0" smtClean="0"/>
-              <a:t>is just the difference in the </a:t>
-            </a:r>
-            <a:r>
-              <a:rPr lang="en-US" dirty="0" smtClean="0"/>
-              <a:t>1-best feature vectors)</a:t>
-            </a:r>
-            <a:endParaRPr lang="en-US" dirty="0" smtClean="0"/>
-          </a:p>
-          <a:p>
-            <a:r>
-              <a:rPr lang="en-US" dirty="0" smtClean="0"/>
-              <a:t>We can include as many directions as we want, so try both.</a:t>
-            </a:r>
-          </a:p>
-          <a:p>
-            <a:r>
-              <a:rPr lang="en-US" dirty="0" smtClean="0"/>
-              <a:t>It takes time to compute (anti-)oracles, so we randomly select batches of sentences and average the feature </a:t>
-            </a:r>
-            <a:r>
-              <a:rPr lang="en-US" dirty="0" smtClean="0"/>
-              <a:t>differences in </a:t>
-            </a:r>
-            <a:r>
-              <a:rPr lang="en-US" dirty="0" smtClean="0"/>
-              <a:t>each batch to generate a direction.</a:t>
+              <a:t>It takes time to compute (anti-)oracles, so we randomly select small batches of sentences and average the feature differences in each batch to generate a target weight vector.</a:t>
             </a:r>
             <a:endParaRPr lang="en-US" dirty="0"/>
           </a:p>
@@ -6503,13 +6229,19 @@
           <a:p>
             <a:r>
               <a:rPr lang="en-US" dirty="0" smtClean="0"/>
-              <a:t>Why are we performing an expensive exact infinite-line search using a heuristic (local gradient inspired) direction?</a:t>
+              <a:t>Why are we performing an expensive exact infinite-line search using a heuristic direction?</a:t>
             </a:r>
           </a:p>
           <a:p>
             <a:r>
               <a:rPr lang="en-US" dirty="0" smtClean="0"/>
-              <a:t>MERT has no smoothing.  If you try to regularize the objective, then you lose the exact line search behavior.</a:t>
+              <a:t>Maybe computing an expected-BLEU gradient direction would be more reasonable.</a:t>
+            </a:r>
+          </a:p>
+          <a:p>
+            <a:r>
+              <a:rPr lang="en-US" dirty="0" smtClean="0"/>
+              <a:t>MERT has no smoothing.  When using large feature sets, we should add regularization.</a:t>
             </a:r>
           </a:p>
           <a:p>
@@ -6707,11 +6439,7 @@
                     <a:p>
                       <a:r>
                         <a:rPr lang="en-US" dirty="0" smtClean="0"/>
-                        <a:t>test </a:t>
-                      </a:r>
-                      <a:r>
-                        <a:rPr lang="en-US" dirty="0" smtClean="0"/>
-                        <a:t>BLEU</a:t>
+                        <a:t>test BLEU</a:t>
                       </a:r>
                       <a:endParaRPr lang="en-US" dirty="0"/>
                     </a:p>
@@ -6857,7 +6585,7 @@
           <a:p>
             <a:r>
               <a:rPr lang="en-US" dirty="0" smtClean="0"/>
-              <a:t>Since the preference for high model score vs. good or bad BLEU score is scale-dependent, I tried a wide range of weights.</a:t>
+              <a:t>Since the preference for high model score vs. good or bad BLEU score is scale-dependent, I tried a wide range of weights for the contribution of the loss to the fear/hope objective.</a:t>
             </a:r>
           </a:p>
           <a:p>
@@ -6866,7 +6594,7 @@
           <a:p>
             <a:r>
               <a:rPr lang="en-US" dirty="0" smtClean="0"/>
-              <a:t>Still possibly worth trying: more, sparser features.  Different direction-averaging oracle batch sizes.  More batches. </a:t>
+              <a:t>Still possibly worth trying: more, sparser features.  Different direction-averaging oracle batch sizes.  More batches.  Regularization.</a:t>
             </a:r>
           </a:p>
           <a:p>
@@ -6987,7 +6715,7 @@
         </p:blipFill>
         <p:spPr bwMode="auto">
           <a:xfrm>
-            <a:off x="990600" y="1981200"/>
+            <a:off x="990600" y="2057400"/>
             <a:ext cx="6930381" cy="4525963"/>
           </a:xfrm>
           <a:prstGeom prst="rect">
@@ -7010,8 +6738,8 @@
         </p:nvSpPr>
         <p:spPr>
           <a:xfrm>
-            <a:off x="685800" y="1447800"/>
-            <a:ext cx="7997702" cy="369332"/>
+            <a:off x="457200" y="1371600"/>
+            <a:ext cx="7988084" cy="646331"/>
           </a:xfrm>
           <a:prstGeom prst="rect">
             <a:avLst/>
@@ -7026,7 +6754,42 @@
           <a:p>
             <a:r>
               <a:rPr lang="en-US" dirty="0" smtClean="0"/>
-              <a:t>We don’t need the whole TM forest to get the best translation using the ngram LM:</a:t>
+              <a:t>We don’t need the whole TM forest to get the best translation using the ngram LM </a:t>
+            </a:r>
+          </a:p>
+          <a:p>
+            <a:r>
+              <a:rPr lang="en-US" dirty="0" smtClean="0"/>
+              <a:t>(inside-outside pruning):</a:t>
+            </a:r>
+          </a:p>
+        </p:txBody>
+      </p:sp>
+      <p:sp>
+        <p:nvSpPr>
+          <p:cNvPr id="5" name="TextBox 4"/>
+          <p:cNvSpPr txBox="1"/>
+          <p:nvPr/>
+        </p:nvSpPr>
+        <p:spPr>
+          <a:xfrm>
+            <a:off x="228600" y="3581400"/>
+            <a:ext cx="667170" cy="369332"/>
+          </a:xfrm>
+          <a:prstGeom prst="rect">
+            <a:avLst/>
+          </a:prstGeom>
+          <a:noFill/>
+        </p:spPr>
+        <p:txBody>
+          <a:bodyPr wrap="none" rtlCol="0">
+            <a:spAutoFit/>
+          </a:bodyPr>
+          <a:lstStyle/>
+          <a:p>
+            <a:r>
+              <a:rPr lang="en-US" dirty="0" smtClean="0"/>
+              <a:t>BLEU</a:t>
             </a:r>
           </a:p>
         </p:txBody>
@@ -7143,6 +6906,35 @@
           </a:p>
         </p:txBody>
       </p:sp>
+      <p:sp>
+        <p:nvSpPr>
+          <p:cNvPr id="6" name="TextBox 5"/>
+          <p:cNvSpPr txBox="1"/>
+          <p:nvPr/>
+        </p:nvSpPr>
+        <p:spPr>
+          <a:xfrm>
+            <a:off x="304800" y="3276600"/>
+            <a:ext cx="667170" cy="369332"/>
+          </a:xfrm>
+          <a:prstGeom prst="rect">
+            <a:avLst/>
+          </a:prstGeom>
+          <a:noFill/>
+        </p:spPr>
+        <p:txBody>
+          <a:bodyPr wrap="none" rtlCol="0">
+            <a:spAutoFit/>
+          </a:bodyPr>
+          <a:lstStyle/>
+          <a:p>
+            <a:r>
+              <a:rPr lang="en-US" dirty="0" smtClean="0"/>
+              <a:t>BLEU</a:t>
+            </a:r>
+          </a:p>
+        </p:txBody>
+      </p:sp>
     </p:spTree>
   </p:cSld>
   <p:clrMapOvr>
@@ -7232,7 +7024,7 @@
             </a:r>
             <a:r>
               <a:rPr lang="en-US" dirty="0" smtClean="0"/>
-              <a:t> or fewer bits per word (parts of speech or other classes) may work (but not as well as </a:t>
+              <a:t> or fewer bits per word (parts of speech or other classes) may work (but not as well as [</a:t>
             </a:r>
             <a:r>
               <a:rPr lang="en-US" dirty="0" err="1" smtClean="0"/>
@@ -7240,13 +7032,21 @@
             </a:r>
             <a:r>
               <a:rPr lang="en-US" dirty="0" smtClean="0"/>
-              <a:t> claimed)</a:t>
+              <a:t> 08] claimed)</a:t>
             </a:r>
           </a:p>
           <a:p>
             <a:r>
               <a:rPr lang="en-US" dirty="0" smtClean="0"/>
-              <a:t>Idea: explore nodes that have poor without-LM model scores but only a little while cube pruning LM rescoring, varying the number of descendants explored smoothly (soft pruning, rather than 0% or 100% only).</a:t>
+              <a:t>Idea: spend more time (more items evaluated in cube pruning) on nodes with good –LM inside-outside </a:t>
+            </a:r>
+            <a:r>
+              <a:rPr lang="en-US" dirty="0" err="1" smtClean="0"/>
+              <a:t>viterbi</a:t>
+            </a:r>
+            <a:r>
+              <a:rPr lang="en-US" dirty="0" smtClean="0"/>
+              <a:t> scores, and less on worse-first-pass nodes (soft pruning, rather than 0% or 100% only).</a:t>
             </a:r>
           </a:p>
           <a:p>
